--- a/slides/nlp p03 feed forward networks/nlp p03.4 convolutional neural network.pptx
+++ b/slides/nlp p03 feed forward networks/nlp p03.4 convolutional neural network.pptx
@@ -5,7 +5,7 @@
     <p:sldMasterId id="2147483648" r:id="rId1"/>
   </p:sldMasterIdLst>
   <p:notesMasterIdLst>
-    <p:notesMasterId r:id="rId35"/>
+    <p:notesMasterId r:id="rId32"/>
   </p:notesMasterIdLst>
   <p:sldIdLst>
     <p:sldId id="256" r:id="rId2"/>
@@ -33,14 +33,11 @@
     <p:sldId id="388" r:id="rId24"/>
     <p:sldId id="389" r:id="rId25"/>
     <p:sldId id="371" r:id="rId26"/>
-    <p:sldId id="355" r:id="rId27"/>
-    <p:sldId id="356" r:id="rId28"/>
-    <p:sldId id="357" r:id="rId29"/>
-    <p:sldId id="360" r:id="rId30"/>
-    <p:sldId id="359" r:id="rId31"/>
-    <p:sldId id="317" r:id="rId32"/>
-    <p:sldId id="361" r:id="rId33"/>
-    <p:sldId id="362" r:id="rId34"/>
+    <p:sldId id="390" r:id="rId27"/>
+    <p:sldId id="391" r:id="rId28"/>
+    <p:sldId id="392" r:id="rId29"/>
+    <p:sldId id="393" r:id="rId30"/>
+    <p:sldId id="394" r:id="rId31"/>
   </p:sldIdLst>
   <p:sldSz cx="9144000" cy="6858000" type="screen4x3"/>
   <p:notesSz cx="6858000" cy="9144000"/>
@@ -241,7 +238,7 @@
             <a:fld id="{C9C2CC2B-07F5-486B-80F8-D7AC8876AF81}" type="datetimeFigureOut">
               <a:rPr lang="sr-Latn-CS" smtClean="0"/>
               <a:pPr/>
-              <a:t>4.11.22.</a:t>
+              <a:t>7.11.22.</a:t>
             </a:fld>
             <a:endParaRPr lang="hr-HR" dirty="0"/>
           </a:p>
@@ -937,6 +934,261 @@
 </p:notes>
 </file>
 
+<file path=ppt/notesSlides/notesSlide6.xml><?xml version="1.0" encoding="utf-8"?>
+<p:notes xmlns:a="http://schemas.openxmlformats.org/drawingml/2006/main" xmlns:r="http://schemas.openxmlformats.org/officeDocument/2006/relationships" xmlns:p="http://schemas.openxmlformats.org/presentationml/2006/main">
+  <p:cSld>
+    <p:spTree>
+      <p:nvGrpSpPr>
+        <p:cNvPr id="1" name=""/>
+        <p:cNvGrpSpPr/>
+        <p:nvPr/>
+      </p:nvGrpSpPr>
+      <p:grpSpPr>
+        <a:xfrm>
+          <a:off x="0" y="0"/>
+          <a:ext cx="0" cy="0"/>
+          <a:chOff x="0" y="0"/>
+          <a:chExt cx="0" cy="0"/>
+        </a:xfrm>
+      </p:grpSpPr>
+      <p:sp>
+        <p:nvSpPr>
+          <p:cNvPr id="2" name="Slide Image Placeholder 1"/>
+          <p:cNvSpPr>
+            <a:spLocks noGrp="1" noRot="1" noChangeAspect="1"/>
+          </p:cNvSpPr>
+          <p:nvPr>
+            <p:ph type="sldImg"/>
+          </p:nvPr>
+        </p:nvSpPr>
+        <p:spPr/>
+      </p:sp>
+      <p:sp>
+        <p:nvSpPr>
+          <p:cNvPr id="3" name="Notes Placeholder 2"/>
+          <p:cNvSpPr>
+            <a:spLocks noGrp="1"/>
+          </p:cNvSpPr>
+          <p:nvPr>
+            <p:ph type="body" idx="1"/>
+          </p:nvPr>
+        </p:nvSpPr>
+        <p:spPr/>
+        <p:txBody>
+          <a:bodyPr/>
+          <a:lstStyle/>
+          <a:p>
+            <a:endParaRPr lang="en-HR" dirty="0"/>
+          </a:p>
+        </p:txBody>
+      </p:sp>
+      <p:sp>
+        <p:nvSpPr>
+          <p:cNvPr id="4" name="Slide Number Placeholder 3"/>
+          <p:cNvSpPr>
+            <a:spLocks noGrp="1"/>
+          </p:cNvSpPr>
+          <p:nvPr>
+            <p:ph type="sldNum" sz="quarter" idx="5"/>
+          </p:nvPr>
+        </p:nvSpPr>
+        <p:spPr/>
+        <p:txBody>
+          <a:bodyPr/>
+          <a:lstStyle/>
+          <a:p>
+            <a:fld id="{5E9A57EA-DA71-4ED8-87D5-FA09C51B6AFA}" type="slidenum">
+              <a:rPr lang="hr-HR" smtClean="0"/>
+              <a:pPr/>
+              <a:t>26</a:t>
+            </a:fld>
+            <a:endParaRPr lang="hr-HR" dirty="0"/>
+          </a:p>
+        </p:txBody>
+      </p:sp>
+    </p:spTree>
+    <p:extLst>
+      <p:ext uri="{BB962C8B-B14F-4D97-AF65-F5344CB8AC3E}">
+        <p14:creationId xmlns:p14="http://schemas.microsoft.com/office/powerpoint/2010/main" val="2975622823"/>
+      </p:ext>
+    </p:extLst>
+  </p:cSld>
+  <p:clrMapOvr>
+    <a:masterClrMapping/>
+  </p:clrMapOvr>
+</p:notes>
+</file>
+
+<file path=ppt/notesSlides/notesSlide7.xml><?xml version="1.0" encoding="utf-8"?>
+<p:notes xmlns:a="http://schemas.openxmlformats.org/drawingml/2006/main" xmlns:r="http://schemas.openxmlformats.org/officeDocument/2006/relationships" xmlns:p="http://schemas.openxmlformats.org/presentationml/2006/main">
+  <p:cSld>
+    <p:spTree>
+      <p:nvGrpSpPr>
+        <p:cNvPr id="1" name=""/>
+        <p:cNvGrpSpPr/>
+        <p:nvPr/>
+      </p:nvGrpSpPr>
+      <p:grpSpPr>
+        <a:xfrm>
+          <a:off x="0" y="0"/>
+          <a:ext cx="0" cy="0"/>
+          <a:chOff x="0" y="0"/>
+          <a:chExt cx="0" cy="0"/>
+        </a:xfrm>
+      </p:grpSpPr>
+      <p:sp>
+        <p:nvSpPr>
+          <p:cNvPr id="2" name="Slide Image Placeholder 1"/>
+          <p:cNvSpPr>
+            <a:spLocks noGrp="1" noRot="1" noChangeAspect="1"/>
+          </p:cNvSpPr>
+          <p:nvPr>
+            <p:ph type="sldImg"/>
+          </p:nvPr>
+        </p:nvSpPr>
+        <p:spPr/>
+      </p:sp>
+      <p:sp>
+        <p:nvSpPr>
+          <p:cNvPr id="3" name="Notes Placeholder 2"/>
+          <p:cNvSpPr>
+            <a:spLocks noGrp="1"/>
+          </p:cNvSpPr>
+          <p:nvPr>
+            <p:ph type="body" idx="1"/>
+          </p:nvPr>
+        </p:nvSpPr>
+        <p:spPr/>
+        <p:txBody>
+          <a:bodyPr/>
+          <a:lstStyle/>
+          <a:p>
+            <a:endParaRPr lang="en-HR" dirty="0"/>
+          </a:p>
+        </p:txBody>
+      </p:sp>
+      <p:sp>
+        <p:nvSpPr>
+          <p:cNvPr id="4" name="Slide Number Placeholder 3"/>
+          <p:cNvSpPr>
+            <a:spLocks noGrp="1"/>
+          </p:cNvSpPr>
+          <p:nvPr>
+            <p:ph type="sldNum" sz="quarter" idx="5"/>
+          </p:nvPr>
+        </p:nvSpPr>
+        <p:spPr/>
+        <p:txBody>
+          <a:bodyPr/>
+          <a:lstStyle/>
+          <a:p>
+            <a:fld id="{5E9A57EA-DA71-4ED8-87D5-FA09C51B6AFA}" type="slidenum">
+              <a:rPr lang="hr-HR" smtClean="0"/>
+              <a:pPr/>
+              <a:t>27</a:t>
+            </a:fld>
+            <a:endParaRPr lang="hr-HR" dirty="0"/>
+          </a:p>
+        </p:txBody>
+      </p:sp>
+    </p:spTree>
+    <p:extLst>
+      <p:ext uri="{BB962C8B-B14F-4D97-AF65-F5344CB8AC3E}">
+        <p14:creationId xmlns:p14="http://schemas.microsoft.com/office/powerpoint/2010/main" val="3114262267"/>
+      </p:ext>
+    </p:extLst>
+  </p:cSld>
+  <p:clrMapOvr>
+    <a:masterClrMapping/>
+  </p:clrMapOvr>
+</p:notes>
+</file>
+
+<file path=ppt/notesSlides/notesSlide8.xml><?xml version="1.0" encoding="utf-8"?>
+<p:notes xmlns:a="http://schemas.openxmlformats.org/drawingml/2006/main" xmlns:r="http://schemas.openxmlformats.org/officeDocument/2006/relationships" xmlns:p="http://schemas.openxmlformats.org/presentationml/2006/main">
+  <p:cSld>
+    <p:spTree>
+      <p:nvGrpSpPr>
+        <p:cNvPr id="1" name=""/>
+        <p:cNvGrpSpPr/>
+        <p:nvPr/>
+      </p:nvGrpSpPr>
+      <p:grpSpPr>
+        <a:xfrm>
+          <a:off x="0" y="0"/>
+          <a:ext cx="0" cy="0"/>
+          <a:chOff x="0" y="0"/>
+          <a:chExt cx="0" cy="0"/>
+        </a:xfrm>
+      </p:grpSpPr>
+      <p:sp>
+        <p:nvSpPr>
+          <p:cNvPr id="2" name="Slide Image Placeholder 1"/>
+          <p:cNvSpPr>
+            <a:spLocks noGrp="1" noRot="1" noChangeAspect="1"/>
+          </p:cNvSpPr>
+          <p:nvPr>
+            <p:ph type="sldImg"/>
+          </p:nvPr>
+        </p:nvSpPr>
+        <p:spPr/>
+      </p:sp>
+      <p:sp>
+        <p:nvSpPr>
+          <p:cNvPr id="3" name="Notes Placeholder 2"/>
+          <p:cNvSpPr>
+            <a:spLocks noGrp="1"/>
+          </p:cNvSpPr>
+          <p:nvPr>
+            <p:ph type="body" idx="1"/>
+          </p:nvPr>
+        </p:nvSpPr>
+        <p:spPr/>
+        <p:txBody>
+          <a:bodyPr/>
+          <a:lstStyle/>
+          <a:p>
+            <a:endParaRPr lang="en-HR" dirty="0"/>
+          </a:p>
+        </p:txBody>
+      </p:sp>
+      <p:sp>
+        <p:nvSpPr>
+          <p:cNvPr id="4" name="Slide Number Placeholder 3"/>
+          <p:cNvSpPr>
+            <a:spLocks noGrp="1"/>
+          </p:cNvSpPr>
+          <p:nvPr>
+            <p:ph type="sldNum" sz="quarter" idx="5"/>
+          </p:nvPr>
+        </p:nvSpPr>
+        <p:spPr/>
+        <p:txBody>
+          <a:bodyPr/>
+          <a:lstStyle/>
+          <a:p>
+            <a:fld id="{5E9A57EA-DA71-4ED8-87D5-FA09C51B6AFA}" type="slidenum">
+              <a:rPr lang="hr-HR" smtClean="0"/>
+              <a:pPr/>
+              <a:t>28</a:t>
+            </a:fld>
+            <a:endParaRPr lang="hr-HR" dirty="0"/>
+          </a:p>
+        </p:txBody>
+      </p:sp>
+    </p:spTree>
+    <p:extLst>
+      <p:ext uri="{BB962C8B-B14F-4D97-AF65-F5344CB8AC3E}">
+        <p14:creationId xmlns:p14="http://schemas.microsoft.com/office/powerpoint/2010/main" val="1302581779"/>
+      </p:ext>
+    </p:extLst>
+  </p:cSld>
+  <p:clrMapOvr>
+    <a:masterClrMapping/>
+  </p:clrMapOvr>
+</p:notes>
+</file>
+
 <file path=ppt/slideLayouts/slideLayout1.xml><?xml version="1.0" encoding="utf-8"?>
 <p:sldLayout xmlns:a="http://schemas.openxmlformats.org/drawingml/2006/main" xmlns:r="http://schemas.openxmlformats.org/officeDocument/2006/relationships" xmlns:p="http://schemas.openxmlformats.org/presentationml/2006/main" type="title" preserve="1">
   <p:cSld name="Title Slide">
@@ -1117,7 +1369,7 @@
             <a:fld id="{DA765C48-E28F-491B-A6FC-AD0BFE4ABDB2}" type="datetimeFigureOut">
               <a:rPr lang="sr-Latn-CS" smtClean="0"/>
               <a:pPr/>
-              <a:t>4.11.22.</a:t>
+              <a:t>7.11.22.</a:t>
             </a:fld>
             <a:endParaRPr lang="hr-HR" dirty="0"/>
           </a:p>
@@ -1288,7 +1540,7 @@
             <a:fld id="{DA765C48-E28F-491B-A6FC-AD0BFE4ABDB2}" type="datetimeFigureOut">
               <a:rPr lang="sr-Latn-CS" smtClean="0"/>
               <a:pPr/>
-              <a:t>4.11.22.</a:t>
+              <a:t>7.11.22.</a:t>
             </a:fld>
             <a:endParaRPr lang="hr-HR" dirty="0"/>
           </a:p>
@@ -1465,7 +1717,7 @@
             <a:fld id="{DA765C48-E28F-491B-A6FC-AD0BFE4ABDB2}" type="datetimeFigureOut">
               <a:rPr lang="sr-Latn-CS" smtClean="0"/>
               <a:pPr/>
-              <a:t>4.11.22.</a:t>
+              <a:t>7.11.22.</a:t>
             </a:fld>
             <a:endParaRPr lang="hr-HR" dirty="0"/>
           </a:p>
@@ -1636,7 +1888,7 @@
             <a:fld id="{DA765C48-E28F-491B-A6FC-AD0BFE4ABDB2}" type="datetimeFigureOut">
               <a:rPr lang="sr-Latn-CS" smtClean="0"/>
               <a:pPr/>
-              <a:t>4.11.22.</a:t>
+              <a:t>7.11.22.</a:t>
             </a:fld>
             <a:endParaRPr lang="hr-HR" dirty="0"/>
           </a:p>
@@ -1877,7 +2129,7 @@
             <a:fld id="{DA765C48-E28F-491B-A6FC-AD0BFE4ABDB2}" type="datetimeFigureOut">
               <a:rPr lang="sr-Latn-CS" smtClean="0"/>
               <a:pPr/>
-              <a:t>4.11.22.</a:t>
+              <a:t>7.11.22.</a:t>
             </a:fld>
             <a:endParaRPr lang="hr-HR" dirty="0"/>
           </a:p>
@@ -2166,7 +2418,7 @@
             <a:fld id="{DA765C48-E28F-491B-A6FC-AD0BFE4ABDB2}" type="datetimeFigureOut">
               <a:rPr lang="sr-Latn-CS" smtClean="0"/>
               <a:pPr/>
-              <a:t>4.11.22.</a:t>
+              <a:t>7.11.22.</a:t>
             </a:fld>
             <a:endParaRPr lang="hr-HR" dirty="0"/>
           </a:p>
@@ -2585,7 +2837,7 @@
             <a:fld id="{DA765C48-E28F-491B-A6FC-AD0BFE4ABDB2}" type="datetimeFigureOut">
               <a:rPr lang="sr-Latn-CS" smtClean="0"/>
               <a:pPr/>
-              <a:t>4.11.22.</a:t>
+              <a:t>7.11.22.</a:t>
             </a:fld>
             <a:endParaRPr lang="hr-HR" dirty="0"/>
           </a:p>
@@ -2704,7 +2956,7 @@
             <a:fld id="{DA765C48-E28F-491B-A6FC-AD0BFE4ABDB2}" type="datetimeFigureOut">
               <a:rPr lang="sr-Latn-CS" smtClean="0"/>
               <a:pPr/>
-              <a:t>4.11.22.</a:t>
+              <a:t>7.11.22.</a:t>
             </a:fld>
             <a:endParaRPr lang="hr-HR" dirty="0"/>
           </a:p>
@@ -2796,7 +3048,7 @@
             <a:fld id="{DA765C48-E28F-491B-A6FC-AD0BFE4ABDB2}" type="datetimeFigureOut">
               <a:rPr lang="sr-Latn-CS" smtClean="0"/>
               <a:pPr/>
-              <a:t>4.11.22.</a:t>
+              <a:t>7.11.22.</a:t>
             </a:fld>
             <a:endParaRPr lang="hr-HR" dirty="0"/>
           </a:p>
@@ -3070,7 +3322,7 @@
             <a:fld id="{DA765C48-E28F-491B-A6FC-AD0BFE4ABDB2}" type="datetimeFigureOut">
               <a:rPr lang="sr-Latn-CS" smtClean="0"/>
               <a:pPr/>
-              <a:t>4.11.22.</a:t>
+              <a:t>7.11.22.</a:t>
             </a:fld>
             <a:endParaRPr lang="hr-HR" dirty="0"/>
           </a:p>
@@ -3324,7 +3576,7 @@
             <a:fld id="{DA765C48-E28F-491B-A6FC-AD0BFE4ABDB2}" type="datetimeFigureOut">
               <a:rPr lang="sr-Latn-CS" smtClean="0"/>
               <a:pPr/>
-              <a:t>4.11.22.</a:t>
+              <a:t>7.11.22.</a:t>
             </a:fld>
             <a:endParaRPr lang="hr-HR" dirty="0"/>
           </a:p>
@@ -3542,7 +3794,7 @@
             <a:fld id="{DA765C48-E28F-491B-A6FC-AD0BFE4ABDB2}" type="datetimeFigureOut">
               <a:rPr lang="sr-Latn-CS" smtClean="0"/>
               <a:pPr/>
-              <a:t>4.11.22.</a:t>
+              <a:t>7.11.22.</a:t>
             </a:fld>
             <a:endParaRPr lang="hr-HR" dirty="0"/>
           </a:p>
@@ -10851,8 +11103,8 @@
           </a:graphicData>
         </a:graphic>
       </p:graphicFrame>
-      <mc:AlternateContent xmlns:mc="http://schemas.openxmlformats.org/markup-compatibility/2006">
-        <mc:Choice xmlns:a14="http://schemas.microsoft.com/office/drawing/2010/main" Requires="a14">
+      <mc:AlternateContent xmlns:mc="http://schemas.openxmlformats.org/markup-compatibility/2006" xmlns:a14="http://schemas.microsoft.com/office/drawing/2010/main">
+        <mc:Choice Requires="a14">
           <p:sp>
             <p:nvSpPr>
               <p:cNvPr id="3" name="TextBox 2">
@@ -10988,13 +11240,7 @@
                             <a:rPr lang="hr-HR" i="1" dirty="0">
                               <a:latin typeface="Cambria Math" panose="02040503050406030204" pitchFamily="18" charset="0"/>
                             </a:rPr>
-                            <m:t>+</m:t>
-                          </m:r>
-                          <m:r>
-                            <a:rPr lang="hr-HR" i="1" dirty="0">
-                              <a:latin typeface="Cambria Math" panose="02040503050406030204" pitchFamily="18" charset="0"/>
-                            </a:rPr>
-                            <m:t>2</m:t>
+                            <m:t>+2</m:t>
                           </m:r>
                           <m:r>
                             <a:rPr lang="hr-HR" i="1" dirty="0">
@@ -11114,13 +11360,7 @@
                             <a:rPr lang="hr-HR" b="0" i="1" dirty="0" smtClean="0">
                               <a:latin typeface="Cambria Math" panose="02040503050406030204" pitchFamily="18" charset="0"/>
                             </a:rPr>
-                            <m:t>6−3+</m:t>
-                          </m:r>
-                          <m:r>
-                            <a:rPr lang="hr-HR" b="0" i="1" dirty="0" smtClean="0">
-                              <a:latin typeface="Cambria Math" panose="02040503050406030204" pitchFamily="18" charset="0"/>
-                            </a:rPr>
-                            <m:t>0−0</m:t>
+                            <m:t>6−3+0−0</m:t>
                           </m:r>
                         </m:num>
                         <m:den>
@@ -11146,7 +11386,7 @@
             </p:txBody>
           </p:sp>
         </mc:Choice>
-        <mc:Fallback>
+        <mc:Fallback xmlns="">
           <p:sp>
             <p:nvSpPr>
               <p:cNvPr id="3" name="TextBox 2">
@@ -11191,8 +11431,8 @@
           </p:sp>
         </mc:Fallback>
       </mc:AlternateContent>
-      <mc:AlternateContent xmlns:mc="http://schemas.openxmlformats.org/markup-compatibility/2006">
-        <mc:Choice xmlns:a14="http://schemas.microsoft.com/office/drawing/2010/main" Requires="a14">
+      <mc:AlternateContent xmlns:mc="http://schemas.openxmlformats.org/markup-compatibility/2006" xmlns:a14="http://schemas.microsoft.com/office/drawing/2010/main">
+        <mc:Choice Requires="a14">
           <p:sp>
             <p:nvSpPr>
               <p:cNvPr id="4" name="TextBox 3">
@@ -11328,13 +11568,7 @@
                             <a:rPr lang="hr-HR" i="1" dirty="0">
                               <a:latin typeface="Cambria Math" panose="02040503050406030204" pitchFamily="18" charset="0"/>
                             </a:rPr>
-                            <m:t>+</m:t>
-                          </m:r>
-                          <m:r>
-                            <a:rPr lang="hr-HR" i="1" dirty="0">
-                              <a:latin typeface="Cambria Math" panose="02040503050406030204" pitchFamily="18" charset="0"/>
-                            </a:rPr>
-                            <m:t>2</m:t>
+                            <m:t>+2</m:t>
                           </m:r>
                           <m:r>
                             <a:rPr lang="hr-HR" i="1" dirty="0">
@@ -11426,13 +11660,7 @@
                             <a:rPr lang="hr-HR" b="0" i="1" dirty="0" smtClean="0">
                               <a:latin typeface="Cambria Math" panose="02040503050406030204" pitchFamily="18" charset="0"/>
                             </a:rPr>
-                            <m:t>6−3+</m:t>
-                          </m:r>
-                          <m:r>
-                            <a:rPr lang="hr-HR" b="0" i="1" dirty="0" smtClean="0">
-                              <a:latin typeface="Cambria Math" panose="02040503050406030204" pitchFamily="18" charset="0"/>
-                            </a:rPr>
-                            <m:t>0−0</m:t>
+                            <m:t>6−3+0−0</m:t>
                           </m:r>
                         </m:num>
                         <m:den>
@@ -11458,7 +11686,7 @@
             </p:txBody>
           </p:sp>
         </mc:Choice>
-        <mc:Fallback>
+        <mc:Fallback xmlns="">
           <p:sp>
             <p:nvSpPr>
               <p:cNvPr id="4" name="TextBox 3">
@@ -21816,8 +22044,8 @@
           </a:graphicData>
         </a:graphic>
       </p:graphicFrame>
-      <mc:AlternateContent xmlns:mc="http://schemas.openxmlformats.org/markup-compatibility/2006">
-        <mc:Choice xmlns:a14="http://schemas.microsoft.com/office/drawing/2010/main" Requires="a14">
+      <mc:AlternateContent xmlns:mc="http://schemas.openxmlformats.org/markup-compatibility/2006" xmlns:a14="http://schemas.microsoft.com/office/drawing/2010/main">
+        <mc:Choice Requires="a14">
           <p:sp>
             <p:nvSpPr>
               <p:cNvPr id="4" name="TextBox 3">
@@ -21953,13 +22181,7 @@
                             <a:rPr lang="hr-HR" i="1" dirty="0">
                               <a:latin typeface="Cambria Math" panose="02040503050406030204" pitchFamily="18" charset="0"/>
                             </a:rPr>
-                            <m:t>+</m:t>
-                          </m:r>
-                          <m:r>
-                            <a:rPr lang="hr-HR" i="1" dirty="0">
-                              <a:latin typeface="Cambria Math" panose="02040503050406030204" pitchFamily="18" charset="0"/>
-                            </a:rPr>
-                            <m:t>2</m:t>
+                            <m:t>+2</m:t>
                           </m:r>
                           <m:r>
                             <a:rPr lang="hr-HR" i="1" dirty="0">
@@ -22079,13 +22301,7 @@
                             <a:rPr lang="hr-HR" b="0" i="1" dirty="0" smtClean="0">
                               <a:latin typeface="Cambria Math" panose="02040503050406030204" pitchFamily="18" charset="0"/>
                             </a:rPr>
-                            <m:t>6−3+</m:t>
-                          </m:r>
-                          <m:r>
-                            <a:rPr lang="hr-HR" b="0" i="1" dirty="0" smtClean="0">
-                              <a:latin typeface="Cambria Math" panose="02040503050406030204" pitchFamily="18" charset="0"/>
-                            </a:rPr>
-                            <m:t>2−0</m:t>
+                            <m:t>6−3+2−0</m:t>
                           </m:r>
                         </m:num>
                         <m:den>
@@ -22111,7 +22327,7 @@
             </p:txBody>
           </p:sp>
         </mc:Choice>
-        <mc:Fallback>
+        <mc:Fallback xmlns="">
           <p:sp>
             <p:nvSpPr>
               <p:cNvPr id="4" name="TextBox 3">
@@ -22156,8 +22372,8 @@
           </p:sp>
         </mc:Fallback>
       </mc:AlternateContent>
-      <mc:AlternateContent xmlns:mc="http://schemas.openxmlformats.org/markup-compatibility/2006">
-        <mc:Choice xmlns:a14="http://schemas.microsoft.com/office/drawing/2010/main" Requires="a14">
+      <mc:AlternateContent xmlns:mc="http://schemas.openxmlformats.org/markup-compatibility/2006" xmlns:a14="http://schemas.microsoft.com/office/drawing/2010/main">
+        <mc:Choice Requires="a14">
           <p:sp>
             <p:nvSpPr>
               <p:cNvPr id="5" name="TextBox 4">
@@ -22293,13 +22509,7 @@
                             <a:rPr lang="hr-HR" i="1" dirty="0">
                               <a:latin typeface="Cambria Math" panose="02040503050406030204" pitchFamily="18" charset="0"/>
                             </a:rPr>
-                            <m:t>+</m:t>
-                          </m:r>
-                          <m:r>
-                            <a:rPr lang="hr-HR" i="1" dirty="0">
-                              <a:latin typeface="Cambria Math" panose="02040503050406030204" pitchFamily="18" charset="0"/>
-                            </a:rPr>
-                            <m:t>2</m:t>
+                            <m:t>+2</m:t>
                           </m:r>
                           <m:r>
                             <a:rPr lang="hr-HR" i="1" dirty="0">
@@ -22391,13 +22601,7 @@
                             <a:rPr lang="hr-HR" b="0" i="1" dirty="0" smtClean="0">
                               <a:latin typeface="Cambria Math" panose="02040503050406030204" pitchFamily="18" charset="0"/>
                             </a:rPr>
-                            <m:t>6−3+2</m:t>
-                          </m:r>
-                          <m:r>
-                            <a:rPr lang="hr-HR" b="0" i="1" dirty="0" smtClean="0">
-                              <a:latin typeface="Cambria Math" panose="02040503050406030204" pitchFamily="18" charset="0"/>
-                            </a:rPr>
-                            <m:t>−0</m:t>
+                            <m:t>6−3+2−0</m:t>
                           </m:r>
                         </m:num>
                         <m:den>
@@ -22423,7 +22627,7 @@
             </p:txBody>
           </p:sp>
         </mc:Choice>
-        <mc:Fallback>
+        <mc:Fallback xmlns="">
           <p:sp>
             <p:nvSpPr>
               <p:cNvPr id="5" name="TextBox 4">
@@ -28522,8 +28726,8 @@
           </a:graphicData>
         </a:graphic>
       </p:graphicFrame>
-      <mc:AlternateContent xmlns:mc="http://schemas.openxmlformats.org/markup-compatibility/2006">
-        <mc:Choice xmlns:a14="http://schemas.microsoft.com/office/drawing/2010/main" Requires="a14">
+      <mc:AlternateContent xmlns:mc="http://schemas.openxmlformats.org/markup-compatibility/2006" xmlns:a14="http://schemas.microsoft.com/office/drawing/2010/main">
+        <mc:Choice Requires="a14">
           <p:sp>
             <p:nvSpPr>
               <p:cNvPr id="13" name="TextBox 12">
@@ -28659,13 +28863,7 @@
                             <a:rPr lang="hr-HR" i="1" dirty="0">
                               <a:latin typeface="Cambria Math" panose="02040503050406030204" pitchFamily="18" charset="0"/>
                             </a:rPr>
-                            <m:t>+</m:t>
-                          </m:r>
-                          <m:r>
-                            <a:rPr lang="hr-HR" i="1" dirty="0">
-                              <a:latin typeface="Cambria Math" panose="02040503050406030204" pitchFamily="18" charset="0"/>
-                            </a:rPr>
-                            <m:t>2</m:t>
+                            <m:t>+2</m:t>
                           </m:r>
                           <m:r>
                             <a:rPr lang="hr-HR" i="1" dirty="0">
@@ -28785,13 +28983,7 @@
                             <a:rPr lang="hr-HR" b="0" i="1" dirty="0" smtClean="0">
                               <a:latin typeface="Cambria Math" panose="02040503050406030204" pitchFamily="18" charset="0"/>
                             </a:rPr>
-                            <m:t>6−3+</m:t>
-                          </m:r>
-                          <m:r>
-                            <a:rPr lang="hr-HR" b="0" i="1" dirty="0" smtClean="0">
-                              <a:latin typeface="Cambria Math" panose="02040503050406030204" pitchFamily="18" charset="0"/>
-                            </a:rPr>
-                            <m:t>0−2</m:t>
+                            <m:t>6−3+0−2</m:t>
                           </m:r>
                         </m:num>
                         <m:den>
@@ -28817,7 +29009,7 @@
             </p:txBody>
           </p:sp>
         </mc:Choice>
-        <mc:Fallback>
+        <mc:Fallback xmlns="">
           <p:sp>
             <p:nvSpPr>
               <p:cNvPr id="13" name="TextBox 12">
@@ -28862,8 +29054,8 @@
           </p:sp>
         </mc:Fallback>
       </mc:AlternateContent>
-      <mc:AlternateContent xmlns:mc="http://schemas.openxmlformats.org/markup-compatibility/2006">
-        <mc:Choice xmlns:a14="http://schemas.microsoft.com/office/drawing/2010/main" Requires="a14">
+      <mc:AlternateContent xmlns:mc="http://schemas.openxmlformats.org/markup-compatibility/2006" xmlns:a14="http://schemas.microsoft.com/office/drawing/2010/main">
+        <mc:Choice Requires="a14">
           <p:sp>
             <p:nvSpPr>
               <p:cNvPr id="14" name="TextBox 13">
@@ -28999,13 +29191,7 @@
                             <a:rPr lang="hr-HR" i="1" dirty="0">
                               <a:latin typeface="Cambria Math" panose="02040503050406030204" pitchFamily="18" charset="0"/>
                             </a:rPr>
-                            <m:t>+</m:t>
-                          </m:r>
-                          <m:r>
-                            <a:rPr lang="hr-HR" i="1" dirty="0">
-                              <a:latin typeface="Cambria Math" panose="02040503050406030204" pitchFamily="18" charset="0"/>
-                            </a:rPr>
-                            <m:t>2</m:t>
+                            <m:t>+2</m:t>
                           </m:r>
                           <m:r>
                             <a:rPr lang="hr-HR" i="1" dirty="0">
@@ -29097,13 +29283,7 @@
                             <a:rPr lang="hr-HR" b="0" i="1" dirty="0" smtClean="0">
                               <a:latin typeface="Cambria Math" panose="02040503050406030204" pitchFamily="18" charset="0"/>
                             </a:rPr>
-                            <m:t>6−3+</m:t>
-                          </m:r>
-                          <m:r>
-                            <a:rPr lang="hr-HR" b="0" i="1" dirty="0" smtClean="0">
-                              <a:latin typeface="Cambria Math" panose="02040503050406030204" pitchFamily="18" charset="0"/>
-                            </a:rPr>
-                            <m:t>0−2</m:t>
+                            <m:t>6−3+0−2</m:t>
                           </m:r>
                         </m:num>
                         <m:den>
@@ -29129,7 +29309,7 @@
             </p:txBody>
           </p:sp>
         </mc:Choice>
-        <mc:Fallback>
+        <mc:Fallback xmlns="">
           <p:sp>
             <p:nvSpPr>
               <p:cNvPr id="14" name="TextBox 13">
@@ -29399,13 +29579,13 @@
           <p:nvPr>
             <p:extLst>
               <p:ext uri="{D42A27DB-BD31-4B8C-83A1-F6EECF244321}">
-                <p14:modId xmlns:p14="http://schemas.microsoft.com/office/powerpoint/2010/main" val="2794701275"/>
+                <p14:modId xmlns:p14="http://schemas.microsoft.com/office/powerpoint/2010/main" val="1754849479"/>
               </p:ext>
             </p:extLst>
           </p:nvPr>
         </p:nvGraphicFramePr>
         <p:xfrm>
-          <a:off x="4139952" y="999034"/>
+          <a:off x="4248184" y="999034"/>
           <a:ext cx="1980000" cy="1980000"/>
         </p:xfrm>
         <a:graphic>
@@ -36123,8 +36303,8 @@
           </a:graphicData>
         </a:graphic>
       </p:graphicFrame>
-      <mc:AlternateContent xmlns:mc="http://schemas.openxmlformats.org/markup-compatibility/2006">
-        <mc:Choice xmlns:a14="http://schemas.microsoft.com/office/drawing/2010/main" Requires="a14">
+      <mc:AlternateContent xmlns:mc="http://schemas.openxmlformats.org/markup-compatibility/2006" xmlns:a14="http://schemas.microsoft.com/office/drawing/2010/main">
+        <mc:Choice Requires="a14">
           <p:sp>
             <p:nvSpPr>
               <p:cNvPr id="61" name="TextBox 60">
@@ -36153,6 +36333,7 @@
               </a:bodyPr>
               <a:lstStyle/>
               <a:p>
+                <a:pPr/>
                 <a14:m>
                   <m:oMathPara xmlns:m="http://schemas.openxmlformats.org/officeDocument/2006/math">
                     <m:oMathParaPr>
@@ -36269,7 +36450,7 @@
             </p:txBody>
           </p:sp>
         </mc:Choice>
-        <mc:Fallback>
+        <mc:Fallback xmlns="">
           <p:sp>
             <p:nvSpPr>
               <p:cNvPr id="61" name="TextBox 60">
@@ -36314,8 +36495,8 @@
           </p:sp>
         </mc:Fallback>
       </mc:AlternateContent>
-      <mc:AlternateContent xmlns:mc="http://schemas.openxmlformats.org/markup-compatibility/2006">
-        <mc:Choice xmlns:a14="http://schemas.microsoft.com/office/drawing/2010/main" Requires="a14">
+      <mc:AlternateContent xmlns:mc="http://schemas.openxmlformats.org/markup-compatibility/2006" xmlns:a14="http://schemas.microsoft.com/office/drawing/2010/main">
+        <mc:Choice Requires="a14">
           <p:sp>
             <p:nvSpPr>
               <p:cNvPr id="62" name="TextBox 61">
@@ -36344,6 +36525,7 @@
               </a:bodyPr>
               <a:lstStyle/>
               <a:p>
+                <a:pPr/>
                 <a14:m>
                   <m:oMathPara xmlns:m="http://schemas.openxmlformats.org/officeDocument/2006/math">
                     <m:oMathParaPr>
@@ -36479,7 +36661,7 @@
             </p:txBody>
           </p:sp>
         </mc:Choice>
-        <mc:Fallback>
+        <mc:Fallback xmlns="">
           <p:sp>
             <p:nvSpPr>
               <p:cNvPr id="62" name="TextBox 61">
@@ -36524,8 +36706,8 @@
           </p:sp>
         </mc:Fallback>
       </mc:AlternateContent>
-      <mc:AlternateContent xmlns:mc="http://schemas.openxmlformats.org/markup-compatibility/2006">
-        <mc:Choice xmlns:a14="http://schemas.microsoft.com/office/drawing/2010/main" Requires="a14">
+      <mc:AlternateContent xmlns:mc="http://schemas.openxmlformats.org/markup-compatibility/2006" xmlns:a14="http://schemas.microsoft.com/office/drawing/2010/main">
+        <mc:Choice Requires="a14">
           <p:sp>
             <p:nvSpPr>
               <p:cNvPr id="3" name="TextBox 2">
@@ -36843,7 +37025,7 @@
             </p:txBody>
           </p:sp>
         </mc:Choice>
-        <mc:Fallback>
+        <mc:Fallback xmlns="">
           <p:sp>
             <p:nvSpPr>
               <p:cNvPr id="3" name="TextBox 2">
@@ -36888,8 +37070,8 @@
           </p:sp>
         </mc:Fallback>
       </mc:AlternateContent>
-      <mc:AlternateContent xmlns:mc="http://schemas.openxmlformats.org/markup-compatibility/2006">
-        <mc:Choice xmlns:a14="http://schemas.microsoft.com/office/drawing/2010/main" Requires="a14">
+      <mc:AlternateContent xmlns:mc="http://schemas.openxmlformats.org/markup-compatibility/2006" xmlns:a14="http://schemas.microsoft.com/office/drawing/2010/main">
+        <mc:Choice Requires="a14">
           <p:sp>
             <p:nvSpPr>
               <p:cNvPr id="4" name="TextBox 3">
@@ -36918,6 +37100,7 @@
               </a:bodyPr>
               <a:lstStyle/>
               <a:p>
+                <a:pPr/>
                 <a14:m>
                   <m:oMathPara xmlns:m="http://schemas.openxmlformats.org/officeDocument/2006/math">
                     <m:oMathParaPr>
@@ -37034,7 +37217,7 @@
             </p:txBody>
           </p:sp>
         </mc:Choice>
-        <mc:Fallback>
+        <mc:Fallback xmlns="">
           <p:sp>
             <p:nvSpPr>
               <p:cNvPr id="4" name="TextBox 3">
@@ -37125,10 +37308,9 @@
           <a:lstStyle/>
           <a:p>
             <a:r>
-              <a:rPr lang="en-US"/>
-              <a:t>The Multilayer Perceptron</a:t>
+              <a:rPr lang="en-US" dirty="0"/>
+              <a:t>Pooling</a:t>
             </a:r>
-            <a:endParaRPr lang="en-US" dirty="0"/>
           </a:p>
         </p:txBody>
       </p:sp>
@@ -37144,39 +37326,34 @@
         </p:nvSpPr>
         <p:spPr/>
         <p:txBody>
-          <a:bodyPr/>
+          <a:bodyPr>
+            <a:normAutofit/>
+          </a:bodyPr>
           <a:lstStyle/>
           <a:p>
             <a:r>
-              <a:rPr lang="en-US"/>
-              <a:t>The multilayer perceptron is considered one of the most basic neural network building blocks. </a:t>
+              <a:rPr lang="en-US" dirty="0"/>
+              <a:t>Pooling is an operation to summarize a higher-dimensional feature map to a lower-dimensional feature map.</a:t>
             </a:r>
           </a:p>
           <a:p>
             <a:r>
-              <a:rPr lang="en-US"/>
-              <a:t>The simplest MLP is an extension to the perceptron.</a:t>
+              <a:rPr lang="en-US" dirty="0"/>
+              <a:t>The output of a convolution is a feature map. The values in the feature map summarize some region of the input. </a:t>
             </a:r>
           </a:p>
           <a:p>
             <a:r>
-              <a:rPr lang="en-US"/>
-              <a:t>The perceptron takes the data vector as input and computes a single output value. </a:t>
+              <a:rPr lang="en-US" dirty="0"/>
+              <a:t>Due to the overlapping nature of convolution computation, many of the computed features can be redundant. </a:t>
             </a:r>
-          </a:p>
-          <a:p>
-            <a:r>
-              <a:rPr lang="en-US"/>
-              <a:t>In an MLP, many perceptrons are grouped so that the output of a single layer is a new vector instead of a single output value</a:t>
-            </a:r>
-            <a:endParaRPr lang="en-US" dirty="0"/>
           </a:p>
         </p:txBody>
       </p:sp>
     </p:spTree>
     <p:extLst>
       <p:ext uri="{BB962C8B-B14F-4D97-AF65-F5344CB8AC3E}">
-        <p14:creationId xmlns:p14="http://schemas.microsoft.com/office/powerpoint/2010/main" val="860069773"/>
+        <p14:creationId xmlns:p14="http://schemas.microsoft.com/office/powerpoint/2010/main" val="335045644"/>
       </p:ext>
     </p:extLst>
   </p:cSld>
@@ -37219,10 +37396,9 @@
           <a:lstStyle/>
           <a:p>
             <a:r>
-              <a:rPr lang="en-US"/>
-              <a:t>The Multilayer Perceptron</a:t>
+              <a:rPr lang="en-US" dirty="0"/>
+              <a:t>Pooling</a:t>
             </a:r>
-            <a:endParaRPr lang="en-US" dirty="0"/>
           </a:p>
         </p:txBody>
       </p:sp>
@@ -37238,60 +37414,37 @@
         </p:nvSpPr>
         <p:spPr/>
         <p:txBody>
-          <a:bodyPr/>
+          <a:bodyPr>
+            <a:normAutofit/>
+          </a:bodyPr>
           <a:lstStyle/>
           <a:p>
             <a:r>
               <a:rPr lang="en-US" dirty="0"/>
-              <a:t>The simplest MLP is composed of </a:t>
+              <a:t>Formally, pooling is an arithmetic operator like sum, mean, or max applied over a local region in a feature map in a systematic way, and the resulting pooling operations are known as:</a:t>
             </a:r>
-          </a:p>
-          <a:p>
-            <a:pPr lvl="1"/>
+            <a:br>
+              <a:rPr lang="en-US" dirty="0"/>
+            </a:br>
             <a:r>
               <a:rPr lang="en-US" dirty="0"/>
-              <a:t>three stages of representation and </a:t>
-            </a:r>
-          </a:p>
-          <a:p>
-            <a:pPr lvl="1"/>
-            <a:r>
-              <a:rPr lang="en-US" dirty="0"/>
-              <a:t>two Linear layers</a:t>
+              <a:t>sum pooling, average pooling, and max pooling, respectively. </a:t>
             </a:r>
           </a:p>
           <a:p>
             <a:r>
               <a:rPr lang="en-US" dirty="0"/>
-              <a:t>The First stage is the input vector</a:t>
-            </a:r>
-          </a:p>
-          <a:p>
-            <a:r>
-              <a:rPr lang="en-US" dirty="0"/>
-              <a:t>The First linear layer computes a hidden vector</a:t>
-            </a:r>
-          </a:p>
-          <a:p>
-            <a:r>
-              <a:rPr lang="en-US" dirty="0"/>
-              <a:t>The Second stage is that hidden vector</a:t>
-            </a:r>
-          </a:p>
-          <a:p>
-            <a:r>
-              <a:rPr lang="en-US" dirty="0"/>
-              <a:t>The Second linear layer computes an output vector</a:t>
+              <a:t>Pooling can also function as a way to improve the statistical strength of a larger but weaker feature map into a smaller but stronger feature map.</a:t>
             </a:r>
           </a:p>
         </p:txBody>
       </p:sp>
       <p:pic>
         <p:nvPicPr>
-          <p:cNvPr id="5" name="Picture 4">
+          <p:cNvPr id="5" name="Picture 4" descr="A picture containing diagram&#10;&#10;Description automatically generated">
             <a:extLst>
               <a:ext uri="{FF2B5EF4-FFF2-40B4-BE49-F238E27FC236}">
-                <a16:creationId xmlns:a16="http://schemas.microsoft.com/office/drawing/2014/main" id="{E4674752-6E0E-6F87-4DAD-84B0CC364783}"/>
+                <a16:creationId xmlns:a16="http://schemas.microsoft.com/office/drawing/2014/main" id="{632C4355-87FF-A914-AA31-82D581524511}"/>
               </a:ext>
             </a:extLst>
           </p:cNvPr>
@@ -37301,7 +37454,7 @@
           <p:nvPr/>
         </p:nvPicPr>
         <p:blipFill>
-          <a:blip r:embed="rId2">
+          <a:blip r:embed="rId3">
             <a:extLst>
               <a:ext uri="{28A0092B-C50C-407E-A947-70E740481C1C}">
                 <a14:useLocalDpi xmlns:a14="http://schemas.microsoft.com/office/drawing/2010/main" val="0"/>
@@ -37314,8 +37467,8 @@
         </p:blipFill>
         <p:spPr>
           <a:xfrm>
-            <a:off x="2051720" y="3727447"/>
-            <a:ext cx="4392488" cy="2773387"/>
+            <a:off x="1028141" y="3773015"/>
+            <a:ext cx="7087718" cy="2711224"/>
           </a:xfrm>
           <a:prstGeom prst="rect">
             <a:avLst/>
@@ -37325,7 +37478,7 @@
     </p:spTree>
     <p:extLst>
       <p:ext uri="{BB962C8B-B14F-4D97-AF65-F5344CB8AC3E}">
-        <p14:creationId xmlns:p14="http://schemas.microsoft.com/office/powerpoint/2010/main" val="1766225639"/>
+        <p14:creationId xmlns:p14="http://schemas.microsoft.com/office/powerpoint/2010/main" val="799833687"/>
       </p:ext>
     </p:extLst>
   </p:cSld>
@@ -37368,10 +37521,9 @@
           <a:lstStyle/>
           <a:p>
             <a:r>
-              <a:rPr lang="en-US"/>
-              <a:t>A Simple Example: XOR</a:t>
+              <a:rPr lang="en-US" dirty="0"/>
+              <a:t>Batch Normalization</a:t>
             </a:r>
-            <a:endParaRPr lang="en-US" dirty="0"/>
           </a:p>
         </p:txBody>
       </p:sp>
@@ -37387,126 +37539,97 @@
         </p:nvSpPr>
         <p:spPr/>
         <p:txBody>
-          <a:bodyPr/>
+          <a:bodyPr>
+            <a:normAutofit/>
+          </a:bodyPr>
           <a:lstStyle/>
           <a:p>
             <a:r>
               <a:rPr lang="en-US" dirty="0"/>
-              <a:t>Two classes in the XOR dataset plotted as circles and stars.</a:t>
+              <a:t>Batch normalization, or </a:t>
+            </a:r>
+            <a:r>
+              <a:rPr lang="en-US" dirty="0" err="1"/>
+              <a:t>BatchNorm</a:t>
+            </a:r>
+            <a:r>
+              <a:rPr lang="en-US" dirty="0"/>
+              <a:t>, is an often-used tool in designing CNNs. </a:t>
+            </a:r>
+          </a:p>
+          <a:p>
+            <a:r>
+              <a:rPr lang="en-US" dirty="0" err="1"/>
+              <a:t>BatchNorm</a:t>
+            </a:r>
+            <a:r>
+              <a:rPr lang="en-US" dirty="0"/>
+              <a:t> applies a transformation to the output of a CNN by scaling the activations to have zero mean and unit variance. </a:t>
+            </a:r>
+          </a:p>
+          <a:p>
+            <a:r>
+              <a:rPr lang="en-US" dirty="0"/>
+              <a:t>The mean and variance values it uses for the Z-transform are updated per batch such that fluctuations in any single batch won’t shift or affect it too much. </a:t>
+            </a:r>
+          </a:p>
+          <a:p>
+            <a:r>
+              <a:rPr lang="en-US" dirty="0" err="1"/>
+              <a:t>BatchNorm</a:t>
+            </a:r>
+            <a:r>
+              <a:rPr lang="en-US" dirty="0"/>
+              <a:t> allows models to be less sensitive to initialization of the parameters and simplifies the tuning of learning rates. </a:t>
+            </a:r>
+          </a:p>
+          <a:p>
+            <a:r>
+              <a:rPr lang="en-US" dirty="0"/>
+              <a:t>In </a:t>
+            </a:r>
+            <a:r>
+              <a:rPr lang="en-US" dirty="0" err="1"/>
+              <a:t>PyTorch</a:t>
+            </a:r>
+            <a:r>
+              <a:rPr lang="en-US" dirty="0"/>
+              <a:t>, </a:t>
+            </a:r>
+            <a:r>
+              <a:rPr lang="en-US" dirty="0" err="1"/>
+              <a:t>BatchNorm</a:t>
+            </a:r>
+            <a:r>
+              <a:rPr lang="en-US" dirty="0"/>
+              <a:t> is defined in the </a:t>
+            </a:r>
+            <a:r>
+              <a:rPr lang="en-US" dirty="0" err="1">
+                <a:latin typeface="Courier New" panose="02070309020205020404" pitchFamily="49" charset="0"/>
+                <a:cs typeface="Courier New" panose="02070309020205020404" pitchFamily="49" charset="0"/>
+              </a:rPr>
+              <a:t>nn</a:t>
+            </a:r>
+            <a:r>
+              <a:rPr lang="en-US" dirty="0"/>
+              <a:t> module. Example shows how to instantiate and use </a:t>
+            </a:r>
+            <a:r>
+              <a:rPr lang="en-US" dirty="0" err="1"/>
+              <a:t>BatchNorm</a:t>
+            </a:r>
+            <a:r>
+              <a:rPr lang="en-US" dirty="0"/>
+              <a:t> with convolution and Linear layers.</a:t>
             </a:r>
           </a:p>
         </p:txBody>
       </p:sp>
-      <p:sp>
-        <p:nvSpPr>
-          <p:cNvPr id="13" name="TextBox 12">
-            <a:extLst>
-              <a:ext uri="{FF2B5EF4-FFF2-40B4-BE49-F238E27FC236}">
-                <a16:creationId xmlns:a16="http://schemas.microsoft.com/office/drawing/2014/main" id="{63F4053E-F634-40A1-F472-3D659D1BB213}"/>
-              </a:ext>
-            </a:extLst>
-          </p:cNvPr>
-          <p:cNvSpPr txBox="1"/>
-          <p:nvPr/>
-        </p:nvSpPr>
-        <p:spPr>
-          <a:xfrm>
-            <a:off x="1547664" y="4640607"/>
-            <a:ext cx="1221873" cy="369332"/>
-          </a:xfrm>
-          <a:prstGeom prst="rect">
-            <a:avLst/>
-          </a:prstGeom>
-          <a:noFill/>
-        </p:spPr>
-        <p:txBody>
-          <a:bodyPr wrap="none" rtlCol="0">
-            <a:spAutoFit/>
-          </a:bodyPr>
-          <a:lstStyle/>
-          <a:p>
-            <a:r>
-              <a:rPr lang="en-HR" dirty="0"/>
-              <a:t>Perceptron</a:t>
-            </a:r>
-          </a:p>
-        </p:txBody>
-      </p:sp>
-      <p:sp>
-        <p:nvSpPr>
-          <p:cNvPr id="14" name="TextBox 13">
-            <a:extLst>
-              <a:ext uri="{FF2B5EF4-FFF2-40B4-BE49-F238E27FC236}">
-                <a16:creationId xmlns:a16="http://schemas.microsoft.com/office/drawing/2014/main" id="{2B6BADF4-F3EE-537E-F25A-9614DFFA9D81}"/>
-              </a:ext>
-            </a:extLst>
-          </p:cNvPr>
-          <p:cNvSpPr txBox="1"/>
-          <p:nvPr/>
-        </p:nvSpPr>
-        <p:spPr>
-          <a:xfrm>
-            <a:off x="5310129" y="4640607"/>
-            <a:ext cx="598241" cy="369332"/>
-          </a:xfrm>
-          <a:prstGeom prst="rect">
-            <a:avLst/>
-          </a:prstGeom>
-          <a:noFill/>
-        </p:spPr>
-        <p:txBody>
-          <a:bodyPr wrap="none" rtlCol="0">
-            <a:spAutoFit/>
-          </a:bodyPr>
-          <a:lstStyle/>
-          <a:p>
-            <a:r>
-              <a:rPr lang="en-HR" dirty="0"/>
-              <a:t>MLP</a:t>
-            </a:r>
-          </a:p>
-        </p:txBody>
-      </p:sp>
-      <p:pic>
-        <p:nvPicPr>
-          <p:cNvPr id="5" name="Picture 4">
-            <a:extLst>
-              <a:ext uri="{FF2B5EF4-FFF2-40B4-BE49-F238E27FC236}">
-                <a16:creationId xmlns:a16="http://schemas.microsoft.com/office/drawing/2014/main" id="{3E812898-E4CA-3BF0-8E07-47E3109F50EF}"/>
-              </a:ext>
-            </a:extLst>
-          </p:cNvPr>
-          <p:cNvPicPr>
-            <a:picLocks noChangeAspect="1"/>
-          </p:cNvPicPr>
-          <p:nvPr/>
-        </p:nvPicPr>
-        <p:blipFill>
-          <a:blip r:embed="rId2">
-            <a:extLst>
-              <a:ext uri="{28A0092B-C50C-407E-A947-70E740481C1C}">
-                <a14:useLocalDpi xmlns:a14="http://schemas.microsoft.com/office/drawing/2010/main" val="0"/>
-              </a:ext>
-            </a:extLst>
-          </a:blip>
-          <a:stretch>
-            <a:fillRect/>
-          </a:stretch>
-        </p:blipFill>
-        <p:spPr>
-          <a:xfrm>
-            <a:off x="1449536" y="1412776"/>
-            <a:ext cx="6146800" cy="4584700"/>
-          </a:xfrm>
-          <a:prstGeom prst="rect">
-            <a:avLst/>
-          </a:prstGeom>
-        </p:spPr>
-      </p:pic>
     </p:spTree>
     <p:extLst>
       <p:ext uri="{BB962C8B-B14F-4D97-AF65-F5344CB8AC3E}">
-        <p14:creationId xmlns:p14="http://schemas.microsoft.com/office/powerpoint/2010/main" val="1917404122"/>
+        <p14:creationId xmlns:p14="http://schemas.microsoft.com/office/powerpoint/2010/main" val="1876770662"/>
       </p:ext>
     </p:extLst>
   </p:cSld>
@@ -37535,7 +37658,13 @@
       </p:grpSpPr>
       <p:sp>
         <p:nvSpPr>
-          <p:cNvPr id="2" name="Title 1"/>
+          <p:cNvPr id="2" name="Title 1">
+            <a:extLst>
+              <a:ext uri="{FF2B5EF4-FFF2-40B4-BE49-F238E27FC236}">
+                <a16:creationId xmlns:a16="http://schemas.microsoft.com/office/drawing/2014/main" id="{389B78C0-29F7-A316-D0FD-042AA3CA851F}"/>
+              </a:ext>
+            </a:extLst>
+          </p:cNvPr>
           <p:cNvSpPr>
             <a:spLocks noGrp="1"/>
           </p:cNvSpPr>
@@ -37549,16 +37678,21 @@
           <a:lstStyle/>
           <a:p>
             <a:r>
-              <a:rPr lang="en-US"/>
-              <a:t>A Simple Example: XOR</a:t>
+              <a:rPr lang="en-HR" dirty="0"/>
+              <a:t>Network-in-Network Connections</a:t>
             </a:r>
-            <a:endParaRPr lang="en-US" dirty="0"/>
           </a:p>
         </p:txBody>
       </p:sp>
       <p:sp>
         <p:nvSpPr>
-          <p:cNvPr id="3" name="Content Placeholder 2"/>
+          <p:cNvPr id="3" name="Content Placeholder 2">
+            <a:extLst>
+              <a:ext uri="{FF2B5EF4-FFF2-40B4-BE49-F238E27FC236}">
+                <a16:creationId xmlns:a16="http://schemas.microsoft.com/office/drawing/2014/main" id="{F6A1E320-EEE1-EB2E-F194-8E2E5C109412}"/>
+              </a:ext>
+            </a:extLst>
+          </p:cNvPr>
           <p:cNvSpPr>
             <a:spLocks noGrp="1"/>
           </p:cNvSpPr>
@@ -37569,78 +37703,58 @@
         <p:spPr/>
         <p:txBody>
           <a:bodyPr>
-            <a:normAutofit fontScale="85000" lnSpcReduction="20000"/>
+            <a:normAutofit/>
           </a:bodyPr>
           <a:lstStyle/>
           <a:p>
             <a:r>
               <a:rPr lang="en-US" dirty="0"/>
-              <a:t>The decision boundary cannot be a single straight line </a:t>
+              <a:t>Network-in-network (</a:t>
             </a:r>
-            <a:br>
-              <a:rPr lang="en-US" dirty="0"/>
-            </a:br>
+            <a:r>
+              <a:rPr lang="en-US" dirty="0" err="1"/>
+              <a:t>NiN</a:t>
+            </a:r>
             <a:r>
               <a:rPr lang="en-US" dirty="0"/>
-              <a:t>(linearly separable)</a:t>
-            </a:r>
-          </a:p>
-          <a:p>
-            <a:endParaRPr lang="en-US" dirty="0"/>
-          </a:p>
-          <a:p>
-            <a:endParaRPr lang="en-US" dirty="0"/>
-          </a:p>
-          <a:p>
-            <a:endParaRPr lang="en-US" dirty="0"/>
-          </a:p>
-          <a:p>
-            <a:endParaRPr lang="en-US" dirty="0"/>
-          </a:p>
-          <a:p>
-            <a:endParaRPr lang="en-US" dirty="0"/>
-          </a:p>
-          <a:p>
-            <a:endParaRPr lang="en-US" dirty="0"/>
-          </a:p>
-          <a:p>
-            <a:endParaRPr lang="en-US" dirty="0"/>
-          </a:p>
-          <a:p>
-            <a:endParaRPr lang="en-US" dirty="0"/>
-          </a:p>
-          <a:p>
-            <a:endParaRPr lang="en-US" dirty="0"/>
-          </a:p>
-          <a:p>
-            <a:endParaRPr lang="en-US" dirty="0"/>
-          </a:p>
-          <a:p>
-            <a:endParaRPr lang="en-US" dirty="0"/>
-          </a:p>
-          <a:p>
-            <a:endParaRPr lang="en-US" dirty="0"/>
-          </a:p>
-          <a:p>
-            <a:r>
-              <a:rPr lang="en-US" dirty="0"/>
-              <a:t>It appears that the MLP has two decision boundaries, and that is its advantage, it is actually just one decision boundary! </a:t>
+              <a:t>) connections are convolutional kernels with kernel size = 1. </a:t>
             </a:r>
           </a:p>
           <a:p>
             <a:r>
               <a:rPr lang="en-US" dirty="0"/>
-              <a:t>The decision boundary just appears that way because the intermediate representation has morphed the space to allow one hyperplane to appear in both of those positions.</a:t>
+              <a:t>A 1×1 convolution acts like a fully connected linear layer across the channels.</a:t>
             </a:r>
+          </a:p>
+          <a:p>
+            <a:r>
+              <a:rPr lang="en-US" dirty="0"/>
+              <a:t>This is useful in mapping from feature maps with many channels to shallower feature maps. </a:t>
+            </a:r>
+          </a:p>
+          <a:p>
+            <a:r>
+              <a:rPr lang="en-US" dirty="0"/>
+              <a:t>It reduces the two channels down to a single channel. Thus, </a:t>
+            </a:r>
+            <a:r>
+              <a:rPr lang="en-US" dirty="0" err="1"/>
+              <a:t>NiN</a:t>
+            </a:r>
+            <a:r>
+              <a:rPr lang="en-US" dirty="0"/>
+              <a:t> or 1×1 convolutions provide an inexpensive way to incorporate additional nonlinearity with few parameters.</a:t>
+            </a:r>
+            <a:endParaRPr lang="en-HR" dirty="0"/>
           </a:p>
         </p:txBody>
       </p:sp>
       <p:pic>
         <p:nvPicPr>
-          <p:cNvPr id="10" name="Picture 9" descr="A picture containing tree, sky&#10;&#10;Description automatically generated">
+          <p:cNvPr id="7" name="Picture 6" descr="Diagram&#10;&#10;Description automatically generated">
             <a:extLst>
               <a:ext uri="{FF2B5EF4-FFF2-40B4-BE49-F238E27FC236}">
-                <a16:creationId xmlns:a16="http://schemas.microsoft.com/office/drawing/2014/main" id="{0B15890B-234B-3291-EC91-D0476912A430}"/>
+                <a16:creationId xmlns:a16="http://schemas.microsoft.com/office/drawing/2014/main" id="{1FFE1C75-A89F-B4C0-FE77-830D905BC8C3}"/>
               </a:ext>
             </a:extLst>
           </p:cNvPr>
@@ -37663,8 +37777,8 @@
         </p:blipFill>
         <p:spPr>
           <a:xfrm>
-            <a:off x="326969" y="1516913"/>
-            <a:ext cx="4069330" cy="2643220"/>
+            <a:off x="734276" y="4365104"/>
+            <a:ext cx="7662414" cy="1181224"/>
           </a:xfrm>
           <a:prstGeom prst="rect">
             <a:avLst/>
@@ -37673,10 +37787,10 @@
       </p:pic>
       <p:pic>
         <p:nvPicPr>
-          <p:cNvPr id="12" name="Picture 11" descr="A picture containing sky, tree, orange&#10;&#10;Description automatically generated">
+          <p:cNvPr id="9" name="Picture 8">
             <a:extLst>
               <a:ext uri="{FF2B5EF4-FFF2-40B4-BE49-F238E27FC236}">
-                <a16:creationId xmlns:a16="http://schemas.microsoft.com/office/drawing/2014/main" id="{5CD3ADE7-6C49-57D2-15AA-54EE8E7D7933}"/>
+                <a16:creationId xmlns:a16="http://schemas.microsoft.com/office/drawing/2014/main" id="{94D04D4E-8880-0C08-1B9A-EA4B867FFB27}"/>
               </a:ext>
             </a:extLst>
           </p:cNvPr>
@@ -37699,88 +37813,18 @@
         </p:blipFill>
         <p:spPr>
           <a:xfrm>
-            <a:off x="4427984" y="1484784"/>
-            <a:ext cx="4032448" cy="2655515"/>
+            <a:off x="734275" y="5637499"/>
+            <a:ext cx="7942181" cy="652782"/>
           </a:xfrm>
           <a:prstGeom prst="rect">
             <a:avLst/>
           </a:prstGeom>
         </p:spPr>
       </p:pic>
-      <p:sp>
-        <p:nvSpPr>
-          <p:cNvPr id="13" name="TextBox 12">
-            <a:extLst>
-              <a:ext uri="{FF2B5EF4-FFF2-40B4-BE49-F238E27FC236}">
-                <a16:creationId xmlns:a16="http://schemas.microsoft.com/office/drawing/2014/main" id="{63F4053E-F634-40A1-F472-3D659D1BB213}"/>
-              </a:ext>
-            </a:extLst>
-          </p:cNvPr>
-          <p:cNvSpPr txBox="1"/>
-          <p:nvPr/>
-        </p:nvSpPr>
-        <p:spPr>
-          <a:xfrm>
-            <a:off x="1579446" y="4293096"/>
-            <a:ext cx="1221873" cy="369332"/>
-          </a:xfrm>
-          <a:prstGeom prst="rect">
-            <a:avLst/>
-          </a:prstGeom>
-          <a:noFill/>
-        </p:spPr>
-        <p:txBody>
-          <a:bodyPr wrap="none" rtlCol="0">
-            <a:spAutoFit/>
-          </a:bodyPr>
-          <a:lstStyle/>
-          <a:p>
-            <a:r>
-              <a:rPr lang="en-HR" dirty="0"/>
-              <a:t>Perceptron</a:t>
-            </a:r>
-          </a:p>
-        </p:txBody>
-      </p:sp>
-      <p:sp>
-        <p:nvSpPr>
-          <p:cNvPr id="14" name="TextBox 13">
-            <a:extLst>
-              <a:ext uri="{FF2B5EF4-FFF2-40B4-BE49-F238E27FC236}">
-                <a16:creationId xmlns:a16="http://schemas.microsoft.com/office/drawing/2014/main" id="{2B6BADF4-F3EE-537E-F25A-9614DFFA9D81}"/>
-              </a:ext>
-            </a:extLst>
-          </p:cNvPr>
-          <p:cNvSpPr txBox="1"/>
-          <p:nvPr/>
-        </p:nvSpPr>
-        <p:spPr>
-          <a:xfrm>
-            <a:off x="6012160" y="4293096"/>
-            <a:ext cx="598241" cy="369332"/>
-          </a:xfrm>
-          <a:prstGeom prst="rect">
-            <a:avLst/>
-          </a:prstGeom>
-          <a:noFill/>
-        </p:spPr>
-        <p:txBody>
-          <a:bodyPr wrap="none" rtlCol="0">
-            <a:spAutoFit/>
-          </a:bodyPr>
-          <a:lstStyle/>
-          <a:p>
-            <a:r>
-              <a:rPr lang="en-HR" dirty="0"/>
-              <a:t>MLP</a:t>
-            </a:r>
-          </a:p>
-        </p:txBody>
-      </p:sp>
     </p:spTree>
     <p:extLst>
       <p:ext uri="{BB962C8B-B14F-4D97-AF65-F5344CB8AC3E}">
-        <p14:creationId xmlns:p14="http://schemas.microsoft.com/office/powerpoint/2010/main" val="3187191691"/>
+        <p14:creationId xmlns:p14="http://schemas.microsoft.com/office/powerpoint/2010/main" val="3431119382"/>
       </p:ext>
     </p:extLst>
   </p:cSld>
@@ -37965,42 +38009,13 @@
       </p:grpSpPr>
       <p:sp>
         <p:nvSpPr>
-          <p:cNvPr id="3" name="Content Placeholder 2">
+          <p:cNvPr id="2" name="Title 1">
             <a:extLst>
               <a:ext uri="{FF2B5EF4-FFF2-40B4-BE49-F238E27FC236}">
-                <a16:creationId xmlns:a16="http://schemas.microsoft.com/office/drawing/2014/main" id="{801FCE30-56FD-AA4B-7226-B62C8677C06D}"/>
+                <a16:creationId xmlns:a16="http://schemas.microsoft.com/office/drawing/2014/main" id="{389B78C0-29F7-A316-D0FD-042AA3CA851F}"/>
               </a:ext>
             </a:extLst>
           </p:cNvPr>
-          <p:cNvSpPr>
-            <a:spLocks noGrp="1"/>
-          </p:cNvSpPr>
-          <p:nvPr>
-            <p:ph idx="1"/>
-          </p:nvPr>
-        </p:nvSpPr>
-        <p:spPr>
-          <a:xfrm>
-            <a:off x="71406" y="571480"/>
-            <a:ext cx="9001188" cy="5929354"/>
-          </a:xfrm>
-        </p:spPr>
-        <p:txBody>
-          <a:bodyPr>
-            <a:normAutofit/>
-          </a:bodyPr>
-          <a:lstStyle/>
-          <a:p>
-            <a:r>
-              <a:rPr lang="en-US" dirty="0"/>
-              <a:t>MLP has learned to “warp” the space in which the data lives so that it can divide the dataset with a single line by the time it passes through the final layer.</a:t>
-            </a:r>
-          </a:p>
-        </p:txBody>
-      </p:sp>
-      <p:sp>
-        <p:nvSpPr>
-          <p:cNvPr id="2" name="Title 1"/>
           <p:cNvSpPr>
             <a:spLocks noGrp="1"/>
           </p:cNvSpPr>
@@ -38014,19 +38029,69 @@
           <a:lstStyle/>
           <a:p>
             <a:r>
-              <a:rPr lang="en-US"/>
-              <a:t>A Simple Example: XOR</a:t>
+              <a:rPr lang="en-HR" dirty="0"/>
+              <a:t>Residual Connections / Residual Blocks</a:t>
             </a:r>
-            <a:endParaRPr lang="en-US" dirty="0"/>
+          </a:p>
+        </p:txBody>
+      </p:sp>
+      <p:sp>
+        <p:nvSpPr>
+          <p:cNvPr id="3" name="Content Placeholder 2">
+            <a:extLst>
+              <a:ext uri="{FF2B5EF4-FFF2-40B4-BE49-F238E27FC236}">
+                <a16:creationId xmlns:a16="http://schemas.microsoft.com/office/drawing/2014/main" id="{F6A1E320-EEE1-EB2E-F194-8E2E5C109412}"/>
+              </a:ext>
+            </a:extLst>
+          </p:cNvPr>
+          <p:cNvSpPr>
+            <a:spLocks noGrp="1"/>
+          </p:cNvSpPr>
+          <p:nvPr>
+            <p:ph idx="1"/>
+          </p:nvPr>
+        </p:nvSpPr>
+        <p:spPr/>
+        <p:txBody>
+          <a:bodyPr>
+            <a:normAutofit/>
+          </a:bodyPr>
+          <a:lstStyle/>
+          <a:p>
+            <a:r>
+              <a:rPr lang="en-US" dirty="0"/>
+              <a:t>Residual (skip) connections has enabled really deep networks (more than 100 layers).</a:t>
+            </a:r>
+          </a:p>
+          <a:p>
+            <a:pPr marL="0" indent="0">
+              <a:buNone/>
+            </a:pPr>
+            <a:r>
+              <a:rPr lang="en-US" dirty="0"/>
+              <a:t>	output = convolution(input) + input</a:t>
+            </a:r>
+          </a:p>
+          <a:p>
+            <a:r>
+              <a:rPr lang="en-US" dirty="0"/>
+              <a:t>For the input to be added to the output of the convolution, they must have the same shape. </a:t>
+            </a:r>
+          </a:p>
+          <a:p>
+            <a:r>
+              <a:rPr lang="en-US" dirty="0"/>
+              <a:t>To accomplish this, the standard practice is to apply a padding before convolution.</a:t>
+            </a:r>
           </a:p>
         </p:txBody>
       </p:sp>
       <p:pic>
         <p:nvPicPr>
-          <p:cNvPr id="5" name="Picture 4" descr="Scatter chart&#10;&#10;Description automatically generated">
+          <p:cNvPr id="5" name="Picture 4" descr="Diagram&#10;&#10;Description automatically generated">
             <a:extLst>
               <a:ext uri="{FF2B5EF4-FFF2-40B4-BE49-F238E27FC236}">
-                <a16:creationId xmlns:a16="http://schemas.microsoft.com/office/drawing/2014/main" id="{006339B5-F13F-387C-B816-DAFC1DB8A19D}"/>
+                <a16:creationId xmlns:a16="http://schemas.microsoft.com/office/drawing/2014/main" id="{FFAD4F33-F075-C9E2-05B3-08C33E19C1F9}"/>
               </a:ext>
             </a:extLst>
           </p:cNvPr>
@@ -38049,3416 +38114,18 @@
         </p:blipFill>
         <p:spPr>
           <a:xfrm>
-            <a:off x="370650" y="1749446"/>
-            <a:ext cx="3276378" cy="2203082"/>
+            <a:off x="1263650" y="3727645"/>
+            <a:ext cx="6616700" cy="2768600"/>
           </a:xfrm>
           <a:prstGeom prst="rect">
             <a:avLst/>
           </a:prstGeom>
         </p:spPr>
       </p:pic>
-      <p:pic>
-        <p:nvPicPr>
-          <p:cNvPr id="7" name="Picture 6" descr="Shape&#10;&#10;Description automatically generated">
-            <a:extLst>
-              <a:ext uri="{FF2B5EF4-FFF2-40B4-BE49-F238E27FC236}">
-                <a16:creationId xmlns:a16="http://schemas.microsoft.com/office/drawing/2014/main" id="{192D74CA-D074-C046-D8A8-0D42C3AE7909}"/>
-              </a:ext>
-            </a:extLst>
-          </p:cNvPr>
-          <p:cNvPicPr>
-            <a:picLocks noChangeAspect="1"/>
-          </p:cNvPicPr>
-          <p:nvPr/>
-        </p:nvPicPr>
-        <p:blipFill>
-          <a:blip r:embed="rId3">
-            <a:extLst>
-              <a:ext uri="{28A0092B-C50C-407E-A947-70E740481C1C}">
-                <a14:useLocalDpi xmlns:a14="http://schemas.microsoft.com/office/drawing/2010/main" val="0"/>
-              </a:ext>
-            </a:extLst>
-          </a:blip>
-          <a:stretch>
-            <a:fillRect/>
-          </a:stretch>
-        </p:blipFill>
-        <p:spPr>
-          <a:xfrm>
-            <a:off x="4738643" y="1689053"/>
-            <a:ext cx="3191645" cy="2240742"/>
-          </a:xfrm>
-          <a:prstGeom prst="rect">
-            <a:avLst/>
-          </a:prstGeom>
-        </p:spPr>
-      </p:pic>
-      <p:pic>
-        <p:nvPicPr>
-          <p:cNvPr id="9" name="Picture 8" descr="Shape&#10;&#10;Description automatically generated">
-            <a:extLst>
-              <a:ext uri="{FF2B5EF4-FFF2-40B4-BE49-F238E27FC236}">
-                <a16:creationId xmlns:a16="http://schemas.microsoft.com/office/drawing/2014/main" id="{AFDDD219-2544-A261-0198-70F3E772E63E}"/>
-              </a:ext>
-            </a:extLst>
-          </p:cNvPr>
-          <p:cNvPicPr>
-            <a:picLocks noChangeAspect="1"/>
-          </p:cNvPicPr>
-          <p:nvPr/>
-        </p:nvPicPr>
-        <p:blipFill>
-          <a:blip r:embed="rId4">
-            <a:extLst>
-              <a:ext uri="{28A0092B-C50C-407E-A947-70E740481C1C}">
-                <a14:useLocalDpi xmlns:a14="http://schemas.microsoft.com/office/drawing/2010/main" val="0"/>
-              </a:ext>
-            </a:extLst>
-          </a:blip>
-          <a:stretch>
-            <a:fillRect/>
-          </a:stretch>
-        </p:blipFill>
-        <p:spPr>
-          <a:xfrm>
-            <a:off x="375513" y="4256683"/>
-            <a:ext cx="3389357" cy="2306646"/>
-          </a:xfrm>
-          <a:prstGeom prst="rect">
-            <a:avLst/>
-          </a:prstGeom>
-        </p:spPr>
-      </p:pic>
-      <p:pic>
-        <p:nvPicPr>
-          <p:cNvPr id="15" name="Picture 14" descr="Shape&#10;&#10;Description automatically generated">
-            <a:extLst>
-              <a:ext uri="{FF2B5EF4-FFF2-40B4-BE49-F238E27FC236}">
-                <a16:creationId xmlns:a16="http://schemas.microsoft.com/office/drawing/2014/main" id="{514BE9FB-7AF9-2210-30F4-92C3AB73B195}"/>
-              </a:ext>
-            </a:extLst>
-          </p:cNvPr>
-          <p:cNvPicPr>
-            <a:picLocks noChangeAspect="1"/>
-          </p:cNvPicPr>
-          <p:nvPr/>
-        </p:nvPicPr>
-        <p:blipFill>
-          <a:blip r:embed="rId5">
-            <a:extLst>
-              <a:ext uri="{28A0092B-C50C-407E-A947-70E740481C1C}">
-                <a14:useLocalDpi xmlns:a14="http://schemas.microsoft.com/office/drawing/2010/main" val="0"/>
-              </a:ext>
-            </a:extLst>
-          </a:blip>
-          <a:stretch>
-            <a:fillRect/>
-          </a:stretch>
-        </p:blipFill>
-        <p:spPr>
-          <a:xfrm>
-            <a:off x="4572000" y="4205555"/>
-            <a:ext cx="3464676" cy="2268986"/>
-          </a:xfrm>
-          <a:prstGeom prst="rect">
-            <a:avLst/>
-          </a:prstGeom>
-        </p:spPr>
-      </p:pic>
-      <p:sp>
-        <p:nvSpPr>
-          <p:cNvPr id="16" name="TextBox 15">
-            <a:extLst>
-              <a:ext uri="{FF2B5EF4-FFF2-40B4-BE49-F238E27FC236}">
-                <a16:creationId xmlns:a16="http://schemas.microsoft.com/office/drawing/2014/main" id="{C6FA1B60-D56B-0E2E-ECE8-6394DE84ABAC}"/>
-              </a:ext>
-            </a:extLst>
-          </p:cNvPr>
-          <p:cNvSpPr txBox="1"/>
-          <p:nvPr/>
-        </p:nvSpPr>
-        <p:spPr>
-          <a:xfrm>
-            <a:off x="965119" y="3972562"/>
-            <a:ext cx="2282291" cy="369332"/>
-          </a:xfrm>
-          <a:prstGeom prst="rect">
-            <a:avLst/>
-          </a:prstGeom>
-          <a:noFill/>
-        </p:spPr>
-        <p:txBody>
-          <a:bodyPr wrap="none" rtlCol="0">
-            <a:spAutoFit/>
-          </a:bodyPr>
-          <a:lstStyle/>
-          <a:p>
-            <a:r>
-              <a:rPr lang="en-HR" dirty="0"/>
-              <a:t>1. input to the nework</a:t>
-            </a:r>
-          </a:p>
-        </p:txBody>
-      </p:sp>
-      <p:sp>
-        <p:nvSpPr>
-          <p:cNvPr id="17" name="TextBox 16">
-            <a:extLst>
-              <a:ext uri="{FF2B5EF4-FFF2-40B4-BE49-F238E27FC236}">
-                <a16:creationId xmlns:a16="http://schemas.microsoft.com/office/drawing/2014/main" id="{F5C192DD-D126-DCFF-59DA-629F282001F1}"/>
-              </a:ext>
-            </a:extLst>
-          </p:cNvPr>
-          <p:cNvSpPr txBox="1"/>
-          <p:nvPr/>
-        </p:nvSpPr>
-        <p:spPr>
-          <a:xfrm>
-            <a:off x="4738644" y="3952528"/>
-            <a:ext cx="3440237" cy="369332"/>
-          </a:xfrm>
-          <a:prstGeom prst="rect">
-            <a:avLst/>
-          </a:prstGeom>
-          <a:noFill/>
-        </p:spPr>
-        <p:txBody>
-          <a:bodyPr wrap="none" rtlCol="0">
-            <a:spAutoFit/>
-          </a:bodyPr>
-          <a:lstStyle/>
-          <a:p>
-            <a:r>
-              <a:rPr lang="en-HR" dirty="0"/>
-              <a:t>2. output of the first linear module</a:t>
-            </a:r>
-          </a:p>
-        </p:txBody>
-      </p:sp>
-      <p:sp>
-        <p:nvSpPr>
-          <p:cNvPr id="18" name="TextBox 17">
-            <a:extLst>
-              <a:ext uri="{FF2B5EF4-FFF2-40B4-BE49-F238E27FC236}">
-                <a16:creationId xmlns:a16="http://schemas.microsoft.com/office/drawing/2014/main" id="{59743620-C940-F8BF-4952-C5170734393E}"/>
-              </a:ext>
-            </a:extLst>
-          </p:cNvPr>
-          <p:cNvSpPr txBox="1"/>
-          <p:nvPr/>
-        </p:nvSpPr>
-        <p:spPr>
-          <a:xfrm>
-            <a:off x="435833" y="6468246"/>
-            <a:ext cx="3268715" cy="369332"/>
-          </a:xfrm>
-          <a:prstGeom prst="rect">
-            <a:avLst/>
-          </a:prstGeom>
-          <a:noFill/>
-        </p:spPr>
-        <p:txBody>
-          <a:bodyPr wrap="none" rtlCol="0">
-            <a:spAutoFit/>
-          </a:bodyPr>
-          <a:lstStyle/>
-          <a:p>
-            <a:r>
-              <a:rPr lang="en-HR" dirty="0"/>
-              <a:t>3. output of the first nonlinearity</a:t>
-            </a:r>
-          </a:p>
-        </p:txBody>
-      </p:sp>
-      <p:sp>
-        <p:nvSpPr>
-          <p:cNvPr id="19" name="TextBox 18">
-            <a:extLst>
-              <a:ext uri="{FF2B5EF4-FFF2-40B4-BE49-F238E27FC236}">
-                <a16:creationId xmlns:a16="http://schemas.microsoft.com/office/drawing/2014/main" id="{E6DFA47D-0F36-72E6-C32E-AA74338355FF}"/>
-              </a:ext>
-            </a:extLst>
-          </p:cNvPr>
-          <p:cNvSpPr txBox="1"/>
-          <p:nvPr/>
-        </p:nvSpPr>
-        <p:spPr>
-          <a:xfrm>
-            <a:off x="4738643" y="6516052"/>
-            <a:ext cx="3743012" cy="369332"/>
-          </a:xfrm>
-          <a:prstGeom prst="rect">
-            <a:avLst/>
-          </a:prstGeom>
-          <a:noFill/>
-        </p:spPr>
-        <p:txBody>
-          <a:bodyPr wrap="none" rtlCol="0">
-            <a:spAutoFit/>
-          </a:bodyPr>
-          <a:lstStyle/>
-          <a:p>
-            <a:r>
-              <a:rPr lang="en-HR" dirty="0"/>
-              <a:t>4. output of the second linear module</a:t>
-            </a:r>
-          </a:p>
-        </p:txBody>
-      </p:sp>
     </p:spTree>
     <p:extLst>
       <p:ext uri="{BB962C8B-B14F-4D97-AF65-F5344CB8AC3E}">
-        <p14:creationId xmlns:p14="http://schemas.microsoft.com/office/powerpoint/2010/main" val="3398116240"/>
-      </p:ext>
-    </p:extLst>
-  </p:cSld>
-  <p:clrMapOvr>
-    <a:masterClrMapping/>
-  </p:clrMapOvr>
-</p:sld>
-</file>
-
-<file path=ppt/slides/slide31.xml><?xml version="1.0" encoding="utf-8"?>
-<p:sld xmlns:a="http://schemas.openxmlformats.org/drawingml/2006/main" xmlns:r="http://schemas.openxmlformats.org/officeDocument/2006/relationships" xmlns:p="http://schemas.openxmlformats.org/presentationml/2006/main">
-  <p:cSld>
-    <p:spTree>
-      <p:nvGrpSpPr>
-        <p:cNvPr id="1" name=""/>
-        <p:cNvGrpSpPr/>
-        <p:nvPr/>
-      </p:nvGrpSpPr>
-      <p:grpSpPr>
-        <a:xfrm>
-          <a:off x="0" y="0"/>
-          <a:ext cx="0" cy="0"/>
-          <a:chOff x="0" y="0"/>
-          <a:chExt cx="0" cy="0"/>
-        </a:xfrm>
-      </p:grpSpPr>
-      <p:sp>
-        <p:nvSpPr>
-          <p:cNvPr id="2" name="Title 1"/>
-          <p:cNvSpPr>
-            <a:spLocks noGrp="1"/>
-          </p:cNvSpPr>
-          <p:nvPr>
-            <p:ph type="title"/>
-          </p:nvPr>
-        </p:nvSpPr>
-        <p:spPr/>
-        <p:txBody>
-          <a:bodyPr/>
-          <a:lstStyle/>
-          <a:p>
-            <a:r>
-              <a:rPr lang="en-US" dirty="0"/>
-              <a:t>The Multilayer Perceptron</a:t>
-            </a:r>
-          </a:p>
-        </p:txBody>
-      </p:sp>
-      <p:graphicFrame>
-        <p:nvGraphicFramePr>
-          <p:cNvPr id="16" name="Table 16">
-            <a:extLst>
-              <a:ext uri="{FF2B5EF4-FFF2-40B4-BE49-F238E27FC236}">
-                <a16:creationId xmlns:a16="http://schemas.microsoft.com/office/drawing/2014/main" id="{93F44A5E-B3CE-3BA0-3C48-A4083A6F3496}"/>
-              </a:ext>
-            </a:extLst>
-          </p:cNvPr>
-          <p:cNvGraphicFramePr>
-            <a:graphicFrameLocks noGrp="1"/>
-          </p:cNvGraphicFramePr>
-          <p:nvPr>
-            <p:extLst>
-              <p:ext uri="{D42A27DB-BD31-4B8C-83A1-F6EECF244321}">
-                <p14:modId xmlns:p14="http://schemas.microsoft.com/office/powerpoint/2010/main" val="6231068"/>
-              </p:ext>
-            </p:extLst>
-          </p:nvPr>
-        </p:nvGraphicFramePr>
-        <p:xfrm>
-          <a:off x="179512" y="548680"/>
-          <a:ext cx="8640960" cy="6096000"/>
-        </p:xfrm>
-        <a:graphic>
-          <a:graphicData uri="http://schemas.openxmlformats.org/drawingml/2006/table">
-            <a:tbl>
-              <a:tblPr>
-                <a:tableStyleId>{5C22544A-7EE6-4342-B048-85BDC9FD1C3A}</a:tableStyleId>
-              </a:tblPr>
-              <a:tblGrid>
-                <a:gridCol w="8640960">
-                  <a:extLst>
-                    <a:ext uri="{9D8B030D-6E8A-4147-A177-3AD203B41FA5}">
-                      <a16:colId xmlns:a16="http://schemas.microsoft.com/office/drawing/2014/main" val="2706851558"/>
-                    </a:ext>
-                  </a:extLst>
-                </a:gridCol>
-              </a:tblGrid>
-              <a:tr h="202515">
-                <a:tc>
-                  <a:txBody>
-                    <a:bodyPr/>
-                    <a:lstStyle/>
-                    <a:p>
-                      <a:r>
-                        <a:rPr lang="en-GB" sz="1800" b="0" noProof="1">
-                          <a:ln>
-                            <a:solidFill>
-                              <a:schemeClr val="tx1"/>
-                            </a:solidFill>
-                          </a:ln>
-                          <a:solidFill>
-                            <a:schemeClr val="tx1"/>
-                          </a:solidFill>
-                          <a:latin typeface="+mn-lt"/>
-                        </a:rPr>
-                        <a:t>Because of the </a:t>
-                      </a:r>
-                      <a:r>
-                        <a:rPr lang="en-GB" sz="1800" b="0" noProof="1">
-                          <a:ln>
-                            <a:solidFill>
-                              <a:schemeClr val="tx1"/>
-                            </a:solidFill>
-                          </a:ln>
-                          <a:solidFill>
-                            <a:schemeClr val="tx1"/>
-                          </a:solidFill>
-                          <a:latin typeface="+mn-lt"/>
-                          <a:cs typeface="MoolBoran" panose="020B0100010101010101" pitchFamily="34" charset="0"/>
-                        </a:rPr>
-                        <a:t>sequential</a:t>
-                      </a:r>
-                      <a:r>
-                        <a:rPr lang="en-GB" sz="1800" b="0" noProof="1">
-                          <a:ln>
-                            <a:solidFill>
-                              <a:schemeClr val="tx1"/>
-                            </a:solidFill>
-                          </a:ln>
-                          <a:solidFill>
-                            <a:schemeClr val="tx1"/>
-                          </a:solidFill>
-                          <a:latin typeface="+mn-lt"/>
-                        </a:rPr>
-                        <a:t> nature of the layers, you must take care to ensure that the number of outputs in a layer is equal to the number of inputs to the next layer.</a:t>
-                      </a:r>
-                    </a:p>
-                    <a:p>
-                      <a:pPr marL="342900" indent="-342900">
-                        <a:buAutoNum type="arabicParenBoth"/>
-                      </a:pPr>
-                      <a:r>
-                        <a:rPr lang="en-GB" sz="1800" b="0" i="0" kern="1200" dirty="0">
-                          <a:solidFill>
-                            <a:schemeClr val="dk1"/>
-                          </a:solidFill>
-                          <a:effectLst/>
-                          <a:latin typeface="+mn-lt"/>
-                          <a:ea typeface="+mn-ea"/>
-                          <a:cs typeface="Courier New" panose="02070309020205020404" pitchFamily="49" charset="0"/>
-                        </a:rPr>
-                        <a:t> </a:t>
-                      </a:r>
-                      <a:r>
-                        <a:rPr lang="en-GB" sz="1800" b="0" i="0" kern="1200" dirty="0" err="1">
-                          <a:solidFill>
-                            <a:schemeClr val="dk1"/>
-                          </a:solidFill>
-                          <a:effectLst/>
-                          <a:latin typeface="Courier New" panose="02070309020205020404" pitchFamily="49" charset="0"/>
-                          <a:ea typeface="+mn-ea"/>
-                          <a:cs typeface="Courier New" panose="02070309020205020404" pitchFamily="49" charset="0"/>
-                        </a:rPr>
-                        <a:t>ModuleList</a:t>
-                      </a:r>
-                      <a:r>
-                        <a:rPr lang="en-GB" sz="1800" b="0" i="0" kern="1200" dirty="0">
-                          <a:solidFill>
-                            <a:schemeClr val="dk1"/>
-                          </a:solidFill>
-                          <a:effectLst/>
-                          <a:latin typeface="+mn-lt"/>
-                          <a:ea typeface="+mn-ea"/>
-                          <a:cs typeface="Courier New" panose="02070309020205020404" pitchFamily="49" charset="0"/>
-                        </a:rPr>
-                        <a:t> will be list of input and hidden layers</a:t>
-                      </a:r>
-                    </a:p>
-                    <a:p>
-                      <a:pPr marL="342900" indent="-342900">
-                        <a:buAutoNum type="arabicParenBoth"/>
-                      </a:pPr>
-                      <a:r>
-                        <a:rPr lang="es-ES_tradnl" sz="1800" noProof="1">
-                          <a:latin typeface="+mn-lt"/>
-                          <a:cs typeface="Courier New" pitchFamily="49" charset="0"/>
-                        </a:rPr>
-                        <a:t>fully connected layer is at the end</a:t>
-                      </a:r>
-                    </a:p>
-                    <a:p>
-                      <a:pPr marL="342900" indent="-342900">
-                        <a:buAutoNum type="arabicParenBoth"/>
-                      </a:pPr>
-                      <a:r>
-                        <a:rPr lang="es-ES_tradnl" sz="1800" noProof="1">
-                          <a:latin typeface="+mn-lt"/>
-                          <a:cs typeface="Courier New" pitchFamily="49" charset="0"/>
-                        </a:rPr>
-                        <a:t> </a:t>
-                      </a:r>
-                      <a:r>
-                        <a:rPr lang="es-ES_tradnl" sz="1800" noProof="1">
-                          <a:latin typeface="Courier New" panose="02070309020205020404" pitchFamily="49" charset="0"/>
-                          <a:cs typeface="Courier New" panose="02070309020205020404" pitchFamily="49" charset="0"/>
-                        </a:rPr>
-                        <a:t>last_forward_cache</a:t>
-                      </a:r>
-                      <a:r>
-                        <a:rPr lang="es-ES_tradnl" sz="1800" noProof="1">
-                          <a:latin typeface="+mn-lt"/>
-                          <a:cs typeface="Courier New" pitchFamily="49" charset="0"/>
-                        </a:rPr>
-                        <a:t> will be used to store layer's output</a:t>
-                      </a:r>
-                    </a:p>
-                    <a:p>
-                      <a:pPr marL="342900" indent="-342900">
-                        <a:buAutoNum type="arabicParenBoth"/>
-                      </a:pPr>
-                      <a:endParaRPr lang="es-ES_tradnl" sz="1800" noProof="1">
-                        <a:latin typeface="+mn-lt"/>
-                        <a:cs typeface="Courier New" pitchFamily="49" charset="0"/>
-                      </a:endParaRPr>
-                    </a:p>
-                  </a:txBody>
-                  <a:tcPr>
-                    <a:lnL w="9525" cap="flat" cmpd="sng" algn="ctr">
-                      <a:noFill/>
-                      <a:prstDash val="solid"/>
-                      <a:round/>
-                      <a:headEnd type="none" w="med" len="med"/>
-                      <a:tailEnd type="none" w="med" len="med"/>
-                    </a:lnL>
-                    <a:lnR w="9525" cap="flat" cmpd="sng" algn="ctr">
-                      <a:noFill/>
-                      <a:prstDash val="solid"/>
-                      <a:round/>
-                      <a:headEnd type="none" w="med" len="med"/>
-                      <a:tailEnd type="none" w="med" len="med"/>
-                    </a:lnR>
-                    <a:lnT w="9525" cap="flat" cmpd="sng" algn="ctr">
-                      <a:noFill/>
-                      <a:prstDash val="solid"/>
-                      <a:round/>
-                      <a:headEnd type="none" w="med" len="med"/>
-                      <a:tailEnd type="none" w="med" len="med"/>
-                    </a:lnT>
-                    <a:lnB w="9525" cap="flat" cmpd="sng" algn="ctr">
-                      <a:solidFill>
-                        <a:schemeClr val="accent1"/>
-                      </a:solidFill>
-                      <a:prstDash val="solid"/>
-                      <a:round/>
-                      <a:headEnd type="none" w="med" len="med"/>
-                      <a:tailEnd type="none" w="med" len="med"/>
-                    </a:lnB>
-                    <a:noFill/>
-                  </a:tcPr>
-                </a:tc>
-                <a:extLst>
-                  <a:ext uri="{0D108BD9-81ED-4DB2-BD59-A6C34878D82A}">
-                    <a16:rowId xmlns:a16="http://schemas.microsoft.com/office/drawing/2014/main" val="533612861"/>
-                  </a:ext>
-                </a:extLst>
-              </a:tr>
-              <a:tr h="202515">
-                <a:tc>
-                  <a:txBody>
-                    <a:bodyPr/>
-                    <a:lstStyle/>
-                    <a:p>
-                      <a:r>
-                        <a:rPr lang="en-GB" sz="1400" b="0" noProof="1">
-                          <a:solidFill>
-                            <a:srgbClr val="AF00DB"/>
-                          </a:solidFill>
-                          <a:effectLst/>
-                          <a:latin typeface="Courier New" panose="02070309020205020404" pitchFamily="49" charset="0"/>
-                        </a:rPr>
-                        <a:t>import</a:t>
-                      </a:r>
-                      <a:r>
-                        <a:rPr lang="en-GB" sz="1400" b="0" noProof="1">
-                          <a:solidFill>
-                            <a:srgbClr val="000000"/>
-                          </a:solidFill>
-                          <a:effectLst/>
-                          <a:latin typeface="Courier New" panose="02070309020205020404" pitchFamily="49" charset="0"/>
-                        </a:rPr>
-                        <a:t> torch</a:t>
-                      </a:r>
-                    </a:p>
-                    <a:p>
-                      <a:br>
-                        <a:rPr lang="en-GB" sz="1400" b="0" noProof="1">
-                          <a:solidFill>
-                            <a:srgbClr val="000000"/>
-                          </a:solidFill>
-                          <a:effectLst/>
-                          <a:latin typeface="Courier New" panose="02070309020205020404" pitchFamily="49" charset="0"/>
-                        </a:rPr>
-                      </a:br>
-                      <a:r>
-                        <a:rPr lang="en-GB" sz="1400" b="0" noProof="1">
-                          <a:solidFill>
-                            <a:srgbClr val="0000FF"/>
-                          </a:solidFill>
-                          <a:effectLst/>
-                          <a:latin typeface="Courier New" panose="02070309020205020404" pitchFamily="49" charset="0"/>
-                        </a:rPr>
-                        <a:t>class</a:t>
-                      </a:r>
-                      <a:r>
-                        <a:rPr lang="en-GB" sz="1400" b="0" noProof="1">
-                          <a:solidFill>
-                            <a:srgbClr val="000000"/>
-                          </a:solidFill>
-                          <a:effectLst/>
-                          <a:latin typeface="Courier New" panose="02070309020205020404" pitchFamily="49" charset="0"/>
-                        </a:rPr>
-                        <a:t> </a:t>
-                      </a:r>
-                      <a:r>
-                        <a:rPr lang="en-GB" sz="1400" b="0" noProof="1">
-                          <a:solidFill>
-                            <a:srgbClr val="267F99"/>
-                          </a:solidFill>
-                          <a:effectLst/>
-                          <a:latin typeface="Courier New" panose="02070309020205020404" pitchFamily="49" charset="0"/>
-                        </a:rPr>
-                        <a:t>MultilayerPerceptron</a:t>
-                      </a:r>
-                      <a:r>
-                        <a:rPr lang="en-GB" sz="1400" b="0" noProof="1">
-                          <a:solidFill>
-                            <a:srgbClr val="000000"/>
-                          </a:solidFill>
-                          <a:effectLst/>
-                          <a:latin typeface="Courier New" panose="02070309020205020404" pitchFamily="49" charset="0"/>
-                        </a:rPr>
-                        <a:t>(</a:t>
-                      </a:r>
-                      <a:r>
-                        <a:rPr lang="en-GB" sz="1400" b="0" noProof="1">
-                          <a:solidFill>
-                            <a:srgbClr val="267F99"/>
-                          </a:solidFill>
-                          <a:effectLst/>
-                          <a:latin typeface="Courier New" panose="02070309020205020404" pitchFamily="49" charset="0"/>
-                        </a:rPr>
-                        <a:t>torch</a:t>
-                      </a:r>
-                      <a:r>
-                        <a:rPr lang="en-GB" sz="1400" b="0" noProof="1">
-                          <a:solidFill>
-                            <a:srgbClr val="000000"/>
-                          </a:solidFill>
-                          <a:effectLst/>
-                          <a:latin typeface="Courier New" panose="02070309020205020404" pitchFamily="49" charset="0"/>
-                        </a:rPr>
-                        <a:t>.</a:t>
-                      </a:r>
-                      <a:r>
-                        <a:rPr lang="en-GB" sz="1400" b="0" noProof="1">
-                          <a:solidFill>
-                            <a:srgbClr val="267F99"/>
-                          </a:solidFill>
-                          <a:effectLst/>
-                          <a:latin typeface="Courier New" panose="02070309020205020404" pitchFamily="49" charset="0"/>
-                        </a:rPr>
-                        <a:t>nn</a:t>
-                      </a:r>
-                      <a:r>
-                        <a:rPr lang="en-GB" sz="1400" b="0" noProof="1">
-                          <a:solidFill>
-                            <a:srgbClr val="000000"/>
-                          </a:solidFill>
-                          <a:effectLst/>
-                          <a:latin typeface="Courier New" panose="02070309020205020404" pitchFamily="49" charset="0"/>
-                        </a:rPr>
-                        <a:t>.</a:t>
-                      </a:r>
-                      <a:r>
-                        <a:rPr lang="en-GB" sz="1400" b="0" noProof="1">
-                          <a:solidFill>
-                            <a:srgbClr val="267F99"/>
-                          </a:solidFill>
-                          <a:effectLst/>
-                          <a:latin typeface="Courier New" panose="02070309020205020404" pitchFamily="49" charset="0"/>
-                        </a:rPr>
-                        <a:t>Module</a:t>
-                      </a:r>
-                      <a:r>
-                        <a:rPr lang="en-GB" sz="1400" b="0" noProof="1">
-                          <a:solidFill>
-                            <a:srgbClr val="000000"/>
-                          </a:solidFill>
-                          <a:effectLst/>
-                          <a:latin typeface="Courier New" panose="02070309020205020404" pitchFamily="49" charset="0"/>
-                        </a:rPr>
-                        <a:t>):</a:t>
-                      </a:r>
-                    </a:p>
-                    <a:p>
-                      <a:r>
-                        <a:rPr lang="en-GB" sz="1400" b="0" noProof="1">
-                          <a:solidFill>
-                            <a:srgbClr val="0000FF"/>
-                          </a:solidFill>
-                          <a:effectLst/>
-                          <a:latin typeface="Courier New" panose="02070309020205020404" pitchFamily="49" charset="0"/>
-                        </a:rPr>
-                        <a:t>    def</a:t>
-                      </a:r>
-                      <a:r>
-                        <a:rPr lang="en-GB" sz="1400" b="0" noProof="1">
-                          <a:solidFill>
-                            <a:srgbClr val="000000"/>
-                          </a:solidFill>
-                          <a:effectLst/>
-                          <a:latin typeface="Courier New" panose="02070309020205020404" pitchFamily="49" charset="0"/>
-                        </a:rPr>
-                        <a:t> </a:t>
-                      </a:r>
-                      <a:r>
-                        <a:rPr lang="en-GB" sz="1400" b="0" noProof="1">
-                          <a:solidFill>
-                            <a:srgbClr val="795E26"/>
-                          </a:solidFill>
-                          <a:effectLst/>
-                          <a:latin typeface="Courier New" panose="02070309020205020404" pitchFamily="49" charset="0"/>
-                        </a:rPr>
-                        <a:t>__init__</a:t>
-                      </a:r>
-                      <a:r>
-                        <a:rPr lang="en-GB" sz="1400" b="0" noProof="1">
-                          <a:solidFill>
-                            <a:srgbClr val="000000"/>
-                          </a:solidFill>
-                          <a:effectLst/>
-                          <a:latin typeface="Courier New" panose="02070309020205020404" pitchFamily="49" charset="0"/>
-                        </a:rPr>
-                        <a:t>(</a:t>
-                      </a:r>
-                      <a:r>
-                        <a:rPr lang="en-GB" sz="1400" b="0" noProof="1">
-                          <a:solidFill>
-                            <a:srgbClr val="001080"/>
-                          </a:solidFill>
-                          <a:effectLst/>
-                          <a:latin typeface="Courier New" panose="02070309020205020404" pitchFamily="49" charset="0"/>
-                        </a:rPr>
-                        <a:t>self</a:t>
-                      </a:r>
-                      <a:r>
-                        <a:rPr lang="en-GB" sz="1400" b="0" noProof="1">
-                          <a:solidFill>
-                            <a:srgbClr val="000000"/>
-                          </a:solidFill>
-                          <a:effectLst/>
-                          <a:latin typeface="Courier New" panose="02070309020205020404" pitchFamily="49" charset="0"/>
-                        </a:rPr>
-                        <a:t>, </a:t>
-                      </a:r>
-                      <a:r>
-                        <a:rPr lang="en-GB" sz="1400" b="0" noProof="1">
-                          <a:solidFill>
-                            <a:srgbClr val="001080"/>
-                          </a:solidFill>
-                          <a:effectLst/>
-                          <a:latin typeface="Courier New" panose="02070309020205020404" pitchFamily="49" charset="0"/>
-                        </a:rPr>
-                        <a:t>input_size</a:t>
-                      </a:r>
-                      <a:r>
-                        <a:rPr lang="en-GB" sz="1400" b="0" noProof="1">
-                          <a:solidFill>
-                            <a:srgbClr val="000000"/>
-                          </a:solidFill>
-                          <a:effectLst/>
-                          <a:latin typeface="Courier New" panose="02070309020205020404" pitchFamily="49" charset="0"/>
-                        </a:rPr>
-                        <a:t>, </a:t>
-                      </a:r>
-                      <a:r>
-                        <a:rPr lang="en-GB" sz="1400" b="0" noProof="1">
-                          <a:solidFill>
-                            <a:srgbClr val="001080"/>
-                          </a:solidFill>
-                          <a:effectLst/>
-                          <a:latin typeface="Courier New" panose="02070309020205020404" pitchFamily="49" charset="0"/>
-                        </a:rPr>
-                        <a:t>hidden_size</a:t>
-                      </a:r>
-                      <a:r>
-                        <a:rPr lang="en-GB" sz="1400" b="0" noProof="1">
-                          <a:solidFill>
-                            <a:srgbClr val="000000"/>
-                          </a:solidFill>
-                          <a:effectLst/>
-                          <a:latin typeface="Courier New" panose="02070309020205020404" pitchFamily="49" charset="0"/>
-                        </a:rPr>
-                        <a:t>=</a:t>
-                      </a:r>
-                      <a:r>
-                        <a:rPr lang="en-GB" sz="1400" b="0" noProof="1">
-                          <a:solidFill>
-                            <a:srgbClr val="09885A"/>
-                          </a:solidFill>
-                          <a:effectLst/>
-                          <a:latin typeface="Courier New" panose="02070309020205020404" pitchFamily="49" charset="0"/>
-                        </a:rPr>
-                        <a:t>2</a:t>
-                      </a:r>
-                      <a:r>
-                        <a:rPr lang="en-GB" sz="1400" b="0" noProof="1">
-                          <a:solidFill>
-                            <a:srgbClr val="000000"/>
-                          </a:solidFill>
-                          <a:effectLst/>
-                          <a:latin typeface="Courier New" panose="02070309020205020404" pitchFamily="49" charset="0"/>
-                        </a:rPr>
-                        <a:t>, </a:t>
-                      </a:r>
-                      <a:r>
-                        <a:rPr lang="en-GB" sz="1400" b="0" noProof="1">
-                          <a:solidFill>
-                            <a:srgbClr val="001080"/>
-                          </a:solidFill>
-                          <a:effectLst/>
-                          <a:latin typeface="Courier New" panose="02070309020205020404" pitchFamily="49" charset="0"/>
-                        </a:rPr>
-                        <a:t>output_size</a:t>
-                      </a:r>
-                      <a:r>
-                        <a:rPr lang="en-GB" sz="1400" b="0" noProof="1">
-                          <a:solidFill>
-                            <a:srgbClr val="000000"/>
-                          </a:solidFill>
-                          <a:effectLst/>
-                          <a:latin typeface="Courier New" panose="02070309020205020404" pitchFamily="49" charset="0"/>
-                        </a:rPr>
-                        <a:t>=</a:t>
-                      </a:r>
-                      <a:r>
-                        <a:rPr lang="en-GB" sz="1400" b="0" noProof="1">
-                          <a:solidFill>
-                            <a:srgbClr val="09885A"/>
-                          </a:solidFill>
-                          <a:effectLst/>
-                          <a:latin typeface="Courier New" panose="02070309020205020404" pitchFamily="49" charset="0"/>
-                        </a:rPr>
-                        <a:t>3</a:t>
-                      </a:r>
-                      <a:r>
-                        <a:rPr lang="en-GB" sz="1400" b="0" noProof="1">
-                          <a:solidFill>
-                            <a:srgbClr val="000000"/>
-                          </a:solidFill>
-                          <a:effectLst/>
-                          <a:latin typeface="Courier New" panose="02070309020205020404" pitchFamily="49" charset="0"/>
-                        </a:rPr>
-                        <a:t>, </a:t>
-                      </a:r>
-                    </a:p>
-                    <a:p>
-                      <a:r>
-                        <a:rPr lang="en-GB" sz="1400" b="0" noProof="1">
-                          <a:solidFill>
-                            <a:srgbClr val="001080"/>
-                          </a:solidFill>
-                          <a:effectLst/>
-                          <a:latin typeface="Courier New" panose="02070309020205020404" pitchFamily="49" charset="0"/>
-                        </a:rPr>
-                        <a:t>                 num_hidden_layers</a:t>
-                      </a:r>
-                      <a:r>
-                        <a:rPr lang="en-GB" sz="1400" b="0" noProof="1">
-                          <a:solidFill>
-                            <a:srgbClr val="000000"/>
-                          </a:solidFill>
-                          <a:effectLst/>
-                          <a:latin typeface="Courier New" panose="02070309020205020404" pitchFamily="49" charset="0"/>
-                        </a:rPr>
-                        <a:t>=</a:t>
-                      </a:r>
-                      <a:r>
-                        <a:rPr lang="en-GB" sz="1400" b="0" noProof="1">
-                          <a:solidFill>
-                            <a:srgbClr val="09885A"/>
-                          </a:solidFill>
-                          <a:effectLst/>
-                          <a:latin typeface="Courier New" panose="02070309020205020404" pitchFamily="49" charset="0"/>
-                        </a:rPr>
-                        <a:t>1</a:t>
-                      </a:r>
-                      <a:r>
-                        <a:rPr lang="en-GB" sz="1400" b="0" noProof="1">
-                          <a:solidFill>
-                            <a:srgbClr val="000000"/>
-                          </a:solidFill>
-                          <a:effectLst/>
-                          <a:latin typeface="Courier New" panose="02070309020205020404" pitchFamily="49" charset="0"/>
-                        </a:rPr>
-                        <a:t>, </a:t>
-                      </a:r>
-                      <a:r>
-                        <a:rPr lang="en-GB" sz="1400" b="0" noProof="1">
-                          <a:solidFill>
-                            <a:srgbClr val="001080"/>
-                          </a:solidFill>
-                          <a:effectLst/>
-                          <a:latin typeface="Courier New" panose="02070309020205020404" pitchFamily="49" charset="0"/>
-                        </a:rPr>
-                        <a:t>hidden_activation</a:t>
-                      </a:r>
-                      <a:r>
-                        <a:rPr lang="en-GB" sz="1400" b="0" noProof="1">
-                          <a:solidFill>
-                            <a:srgbClr val="000000"/>
-                          </a:solidFill>
-                          <a:effectLst/>
-                          <a:latin typeface="Courier New" panose="02070309020205020404" pitchFamily="49" charset="0"/>
-                        </a:rPr>
-                        <a:t>=torch.nn.Sigmoid):</a:t>
-                      </a:r>
-                    </a:p>
-                    <a:p>
-                      <a:endParaRPr lang="en-GB" sz="1400" b="0" noProof="1">
-                        <a:solidFill>
-                          <a:srgbClr val="000000"/>
-                        </a:solidFill>
-                        <a:effectLst/>
-                        <a:latin typeface="Courier New" panose="02070309020205020404" pitchFamily="49" charset="0"/>
-                      </a:endParaRPr>
-                    </a:p>
-                    <a:p>
-                      <a:r>
-                        <a:rPr lang="en-GB" sz="1400" b="0" noProof="1">
-                          <a:solidFill>
-                            <a:srgbClr val="000000"/>
-                          </a:solidFill>
-                          <a:effectLst/>
-                          <a:latin typeface="Courier New" panose="02070309020205020404" pitchFamily="49" charset="0"/>
-                        </a:rPr>
-                        <a:t>        super(MultilayerPerceptron, </a:t>
-                      </a:r>
-                      <a:r>
-                        <a:rPr lang="en-GB" sz="1400" b="0" noProof="1">
-                          <a:solidFill>
-                            <a:srgbClr val="001080"/>
-                          </a:solidFill>
-                          <a:effectLst/>
-                          <a:latin typeface="Courier New" panose="02070309020205020404" pitchFamily="49" charset="0"/>
-                        </a:rPr>
-                        <a:t>self</a:t>
-                      </a:r>
-                      <a:r>
-                        <a:rPr lang="en-GB" sz="1400" b="0" noProof="1">
-                          <a:solidFill>
-                            <a:srgbClr val="000000"/>
-                          </a:solidFill>
-                          <a:effectLst/>
-                          <a:latin typeface="Courier New" panose="02070309020205020404" pitchFamily="49" charset="0"/>
-                        </a:rPr>
-                        <a:t>).</a:t>
-                      </a:r>
-                      <a:r>
-                        <a:rPr lang="en-GB" sz="1400" b="0" noProof="1">
-                          <a:solidFill>
-                            <a:srgbClr val="795E26"/>
-                          </a:solidFill>
-                          <a:effectLst/>
-                          <a:latin typeface="Courier New" panose="02070309020205020404" pitchFamily="49" charset="0"/>
-                        </a:rPr>
-                        <a:t>__init__</a:t>
-                      </a:r>
-                      <a:r>
-                        <a:rPr lang="en-GB" sz="1400" b="0" noProof="1">
-                          <a:solidFill>
-                            <a:srgbClr val="000000"/>
-                          </a:solidFill>
-                          <a:effectLst/>
-                          <a:latin typeface="Courier New" panose="02070309020205020404" pitchFamily="49" charset="0"/>
-                        </a:rPr>
-                        <a:t>()</a:t>
-                      </a:r>
-                    </a:p>
-                    <a:p>
-                      <a:endParaRPr lang="en-GB" sz="1400" b="0" noProof="1">
-                        <a:solidFill>
-                          <a:srgbClr val="000000"/>
-                        </a:solidFill>
-                        <a:effectLst/>
-                        <a:latin typeface="Courier New" panose="02070309020205020404" pitchFamily="49" charset="0"/>
-                      </a:endParaRPr>
-                    </a:p>
-                    <a:p>
-                      <a:r>
-                        <a:rPr lang="en-GB" sz="1400" b="0" noProof="1">
-                          <a:solidFill>
-                            <a:srgbClr val="001080"/>
-                          </a:solidFill>
-                          <a:effectLst/>
-                          <a:latin typeface="Courier New" panose="02070309020205020404" pitchFamily="49" charset="0"/>
-                        </a:rPr>
-                        <a:t>        self</a:t>
-                      </a:r>
-                      <a:r>
-                        <a:rPr lang="en-GB" sz="1400" b="0" noProof="1">
-                          <a:solidFill>
-                            <a:srgbClr val="000000"/>
-                          </a:solidFill>
-                          <a:effectLst/>
-                          <a:latin typeface="Courier New" panose="02070309020205020404" pitchFamily="49" charset="0"/>
-                        </a:rPr>
-                        <a:t>.module_list = torch.nn.ModuleList()  # </a:t>
-                      </a:r>
-                      <a:r>
-                        <a:rPr lang="en-GB" sz="1400" b="0" noProof="1">
-                          <a:solidFill>
-                            <a:srgbClr val="000000"/>
-                          </a:solidFill>
-                          <a:effectLst/>
-                          <a:highlight>
-                            <a:srgbClr val="FFFF00"/>
-                          </a:highlight>
-                          <a:latin typeface="Courier New" panose="02070309020205020404" pitchFamily="49" charset="0"/>
-                        </a:rPr>
-                        <a:t>(1)</a:t>
-                      </a:r>
-                    </a:p>
-                    <a:p>
-                      <a:r>
-                        <a:rPr lang="en-GB" sz="1400" b="0" noProof="1">
-                          <a:solidFill>
-                            <a:srgbClr val="000000"/>
-                          </a:solidFill>
-                          <a:effectLst/>
-                          <a:latin typeface="Courier New" panose="02070309020205020404" pitchFamily="49" charset="0"/>
-                        </a:rPr>
-                        <a:t>        interim_input_size = input_size</a:t>
-                      </a:r>
-                    </a:p>
-                    <a:p>
-                      <a:r>
-                        <a:rPr lang="en-GB" sz="1400" b="0" noProof="1">
-                          <a:solidFill>
-                            <a:srgbClr val="000000"/>
-                          </a:solidFill>
-                          <a:effectLst/>
-                          <a:latin typeface="Courier New" panose="02070309020205020404" pitchFamily="49" charset="0"/>
-                        </a:rPr>
-                        <a:t>        interim_output_size = hidden_size</a:t>
-                      </a:r>
-                    </a:p>
-                    <a:p>
-                      <a:endParaRPr lang="en-GB" sz="1400" b="0" noProof="1">
-                        <a:solidFill>
-                          <a:srgbClr val="000000"/>
-                        </a:solidFill>
-                        <a:effectLst/>
-                        <a:latin typeface="Courier New" panose="02070309020205020404" pitchFamily="49" charset="0"/>
-                      </a:endParaRPr>
-                    </a:p>
-                    <a:p>
-                      <a:r>
-                        <a:rPr lang="en-GB" sz="1400" b="0" noProof="1">
-                          <a:solidFill>
-                            <a:srgbClr val="AF00DB"/>
-                          </a:solidFill>
-                          <a:effectLst/>
-                          <a:latin typeface="Courier New" panose="02070309020205020404" pitchFamily="49" charset="0"/>
-                        </a:rPr>
-                        <a:t>        for</a:t>
-                      </a:r>
-                      <a:r>
-                        <a:rPr lang="en-GB" sz="1400" b="0" noProof="1">
-                          <a:solidFill>
-                            <a:srgbClr val="000000"/>
-                          </a:solidFill>
-                          <a:effectLst/>
-                          <a:latin typeface="Courier New" panose="02070309020205020404" pitchFamily="49" charset="0"/>
-                        </a:rPr>
-                        <a:t> _ </a:t>
-                      </a:r>
-                      <a:r>
-                        <a:rPr lang="en-GB" sz="1400" b="0" noProof="1">
-                          <a:solidFill>
-                            <a:srgbClr val="0000FF"/>
-                          </a:solidFill>
-                          <a:effectLst/>
-                          <a:latin typeface="Courier New" panose="02070309020205020404" pitchFamily="49" charset="0"/>
-                        </a:rPr>
-                        <a:t>in</a:t>
-                      </a:r>
-                      <a:r>
-                        <a:rPr lang="en-GB" sz="1400" b="0" noProof="1">
-                          <a:solidFill>
-                            <a:srgbClr val="000000"/>
-                          </a:solidFill>
-                          <a:effectLst/>
-                          <a:latin typeface="Courier New" panose="02070309020205020404" pitchFamily="49" charset="0"/>
-                        </a:rPr>
-                        <a:t> </a:t>
-                      </a:r>
-                      <a:r>
-                        <a:rPr lang="en-GB" sz="1400" b="0" noProof="1">
-                          <a:solidFill>
-                            <a:srgbClr val="795E26"/>
-                          </a:solidFill>
-                          <a:effectLst/>
-                          <a:latin typeface="Courier New" panose="02070309020205020404" pitchFamily="49" charset="0"/>
-                        </a:rPr>
-                        <a:t>range</a:t>
-                      </a:r>
-                      <a:r>
-                        <a:rPr lang="en-GB" sz="1400" b="0" noProof="1">
-                          <a:solidFill>
-                            <a:srgbClr val="000000"/>
-                          </a:solidFill>
-                          <a:effectLst/>
-                          <a:latin typeface="Courier New" panose="02070309020205020404" pitchFamily="49" charset="0"/>
-                        </a:rPr>
-                        <a:t>(num_hidden_layers):</a:t>
-                      </a:r>
-                    </a:p>
-                    <a:p>
-                      <a:r>
-                        <a:rPr lang="en-GB" sz="1400" b="0" noProof="1">
-                          <a:solidFill>
-                            <a:srgbClr val="001080"/>
-                          </a:solidFill>
-                          <a:effectLst/>
-                          <a:latin typeface="Courier New" panose="02070309020205020404" pitchFamily="49" charset="0"/>
-                        </a:rPr>
-                        <a:t>            self</a:t>
-                      </a:r>
-                      <a:r>
-                        <a:rPr lang="en-GB" sz="1400" b="0" noProof="1">
-                          <a:solidFill>
-                            <a:srgbClr val="000000"/>
-                          </a:solidFill>
-                          <a:effectLst/>
-                          <a:latin typeface="Courier New" panose="02070309020205020404" pitchFamily="49" charset="0"/>
-                        </a:rPr>
-                        <a:t>.module_list.append(torch.nn.Linear(interim_input_size,</a:t>
-                      </a:r>
-                    </a:p>
-                    <a:p>
-                      <a:r>
-                        <a:rPr lang="en-GB" sz="1400" b="0" noProof="1">
-                          <a:solidFill>
-                            <a:srgbClr val="000000"/>
-                          </a:solidFill>
-                          <a:effectLst/>
-                          <a:latin typeface="Courier New" panose="02070309020205020404" pitchFamily="49" charset="0"/>
-                        </a:rPr>
-                        <a:t>                                                    interim_output_size))</a:t>
-                      </a:r>
-                    </a:p>
-                    <a:p>
-                      <a:r>
-                        <a:rPr lang="en-GB" sz="1400" b="0" noProof="1">
-                          <a:solidFill>
-                            <a:srgbClr val="001080"/>
-                          </a:solidFill>
-                          <a:effectLst/>
-                          <a:latin typeface="Courier New" panose="02070309020205020404" pitchFamily="49" charset="0"/>
-                        </a:rPr>
-                        <a:t>            self</a:t>
-                      </a:r>
-                      <a:r>
-                        <a:rPr lang="en-GB" sz="1400" b="0" noProof="1">
-                          <a:solidFill>
-                            <a:srgbClr val="000000"/>
-                          </a:solidFill>
-                          <a:effectLst/>
-                          <a:latin typeface="Courier New" panose="02070309020205020404" pitchFamily="49" charset="0"/>
-                        </a:rPr>
-                        <a:t>.module_list.append(hidden_activation())</a:t>
-                      </a:r>
-                    </a:p>
-                    <a:p>
-                      <a:r>
-                        <a:rPr lang="en-GB" sz="1400" b="0" noProof="1">
-                          <a:solidFill>
-                            <a:srgbClr val="000000"/>
-                          </a:solidFill>
-                          <a:effectLst/>
-                          <a:latin typeface="Courier New" panose="02070309020205020404" pitchFamily="49" charset="0"/>
-                        </a:rPr>
-                        <a:t>            interim_input_size = interim_output_size</a:t>
-                      </a:r>
-                    </a:p>
-                    <a:p>
-                      <a:br>
-                        <a:rPr lang="en-GB" sz="1400" b="0" noProof="1">
-                          <a:solidFill>
-                            <a:srgbClr val="000000"/>
-                          </a:solidFill>
-                          <a:effectLst/>
-                          <a:latin typeface="Courier New" panose="02070309020205020404" pitchFamily="49" charset="0"/>
-                        </a:rPr>
-                      </a:br>
-                      <a:r>
-                        <a:rPr lang="en-GB" sz="1400" b="0" noProof="1">
-                          <a:solidFill>
-                            <a:srgbClr val="000000"/>
-                          </a:solidFill>
-                          <a:effectLst/>
-                          <a:latin typeface="Courier New" panose="02070309020205020404" pitchFamily="49" charset="0"/>
-                        </a:rPr>
-                        <a:t>        </a:t>
-                      </a:r>
-                      <a:r>
-                        <a:rPr lang="en-GB" sz="1400" b="0" noProof="1">
-                          <a:solidFill>
-                            <a:srgbClr val="001080"/>
-                          </a:solidFill>
-                          <a:effectLst/>
-                          <a:latin typeface="Courier New" panose="02070309020205020404" pitchFamily="49" charset="0"/>
-                        </a:rPr>
-                        <a:t>self</a:t>
-                      </a:r>
-                      <a:r>
-                        <a:rPr lang="en-GB" sz="1400" b="0" noProof="1">
-                          <a:solidFill>
-                            <a:srgbClr val="000000"/>
-                          </a:solidFill>
-                          <a:effectLst/>
-                          <a:latin typeface="Courier New" panose="02070309020205020404" pitchFamily="49" charset="0"/>
-                        </a:rPr>
-                        <a:t>.fc_final = torch.nn.Linear(interim_input_size, output_size)  # </a:t>
-                      </a:r>
-                      <a:r>
-                        <a:rPr lang="en-GB" sz="1400" b="0" noProof="1">
-                          <a:solidFill>
-                            <a:srgbClr val="000000"/>
-                          </a:solidFill>
-                          <a:effectLst/>
-                          <a:highlight>
-                            <a:srgbClr val="FFFF00"/>
-                          </a:highlight>
-                          <a:latin typeface="Courier New" panose="02070309020205020404" pitchFamily="49" charset="0"/>
-                        </a:rPr>
-                        <a:t>(2)</a:t>
-                      </a:r>
-                    </a:p>
-                    <a:p>
-                      <a:r>
-                        <a:rPr lang="en-GB" sz="1400" b="0" noProof="1">
-                          <a:solidFill>
-                            <a:srgbClr val="001080"/>
-                          </a:solidFill>
-                          <a:effectLst/>
-                          <a:latin typeface="Courier New" panose="02070309020205020404" pitchFamily="49" charset="0"/>
-                        </a:rPr>
-                        <a:t>        self</a:t>
-                      </a:r>
-                      <a:r>
-                        <a:rPr lang="en-GB" sz="1400" b="0" noProof="1">
-                          <a:solidFill>
-                            <a:srgbClr val="000000"/>
-                          </a:solidFill>
-                          <a:effectLst/>
-                          <a:latin typeface="Courier New" panose="02070309020205020404" pitchFamily="49" charset="0"/>
-                        </a:rPr>
-                        <a:t>.last_forward_cache = []  # </a:t>
-                      </a:r>
-                      <a:r>
-                        <a:rPr lang="en-GB" sz="1400" b="0" noProof="1">
-                          <a:solidFill>
-                            <a:srgbClr val="000000"/>
-                          </a:solidFill>
-                          <a:effectLst/>
-                          <a:highlight>
-                            <a:srgbClr val="FFFF00"/>
-                          </a:highlight>
-                          <a:latin typeface="Courier New" panose="02070309020205020404" pitchFamily="49" charset="0"/>
-                        </a:rPr>
-                        <a:t>(3)</a:t>
-                      </a:r>
-                      <a:endParaRPr lang="en-GB" sz="1100" b="0" noProof="1">
-                        <a:solidFill>
-                          <a:srgbClr val="000000"/>
-                        </a:solidFill>
-                        <a:effectLst/>
-                        <a:highlight>
-                          <a:srgbClr val="FFFF00"/>
-                        </a:highlight>
-                        <a:latin typeface="Courier New" panose="02070309020205020404" pitchFamily="49" charset="0"/>
-                      </a:endParaRPr>
-                    </a:p>
-                  </a:txBody>
-                  <a:tcPr>
-                    <a:lnL w="9525" cap="flat" cmpd="sng" algn="ctr">
-                      <a:solidFill>
-                        <a:schemeClr val="accent1"/>
-                      </a:solidFill>
-                      <a:prstDash val="solid"/>
-                      <a:round/>
-                      <a:headEnd type="none" w="med" len="med"/>
-                      <a:tailEnd type="none" w="med" len="med"/>
-                    </a:lnL>
-                    <a:lnR w="9525" cap="flat" cmpd="sng" algn="ctr">
-                      <a:solidFill>
-                        <a:schemeClr val="accent1"/>
-                      </a:solidFill>
-                      <a:prstDash val="solid"/>
-                      <a:round/>
-                      <a:headEnd type="none" w="med" len="med"/>
-                      <a:tailEnd type="none" w="med" len="med"/>
-                    </a:lnR>
-                    <a:lnT w="9525" cap="flat" cmpd="sng" algn="ctr">
-                      <a:solidFill>
-                        <a:schemeClr val="accent1"/>
-                      </a:solidFill>
-                      <a:prstDash val="solid"/>
-                      <a:round/>
-                      <a:headEnd type="none" w="med" len="med"/>
-                      <a:tailEnd type="none" w="med" len="med"/>
-                    </a:lnT>
-                    <a:lnB w="12700" cap="flat" cmpd="sng" algn="ctr">
-                      <a:noFill/>
-                      <a:prstDash val="solid"/>
-                      <a:round/>
-                      <a:headEnd type="none" w="med" len="med"/>
-                      <a:tailEnd type="none" w="med" len="med"/>
-                    </a:lnB>
-                    <a:solidFill>
-                      <a:schemeClr val="bg1">
-                        <a:lumMod val="95000"/>
-                      </a:schemeClr>
-                    </a:solidFill>
-                  </a:tcPr>
-                </a:tc>
-                <a:extLst>
-                  <a:ext uri="{0D108BD9-81ED-4DB2-BD59-A6C34878D82A}">
-                    <a16:rowId xmlns:a16="http://schemas.microsoft.com/office/drawing/2014/main" val="2014089395"/>
-                  </a:ext>
-                </a:extLst>
-              </a:tr>
-            </a:tbl>
-          </a:graphicData>
-        </a:graphic>
-      </p:graphicFrame>
-    </p:spTree>
-    <p:extLst>
-      <p:ext uri="{BB962C8B-B14F-4D97-AF65-F5344CB8AC3E}">
-        <p14:creationId xmlns:p14="http://schemas.microsoft.com/office/powerpoint/2010/main" val="1213862209"/>
-      </p:ext>
-    </p:extLst>
-  </p:cSld>
-  <p:clrMapOvr>
-    <a:masterClrMapping/>
-  </p:clrMapOvr>
-</p:sld>
-</file>
-
-<file path=ppt/slides/slide32.xml><?xml version="1.0" encoding="utf-8"?>
-<p:sld xmlns:a="http://schemas.openxmlformats.org/drawingml/2006/main" xmlns:r="http://schemas.openxmlformats.org/officeDocument/2006/relationships" xmlns:p="http://schemas.openxmlformats.org/presentationml/2006/main">
-  <p:cSld>
-    <p:spTree>
-      <p:nvGrpSpPr>
-        <p:cNvPr id="1" name=""/>
-        <p:cNvGrpSpPr/>
-        <p:nvPr/>
-      </p:nvGrpSpPr>
-      <p:grpSpPr>
-        <a:xfrm>
-          <a:off x="0" y="0"/>
-          <a:ext cx="0" cy="0"/>
-          <a:chOff x="0" y="0"/>
-          <a:chExt cx="0" cy="0"/>
-        </a:xfrm>
-      </p:grpSpPr>
-      <p:sp>
-        <p:nvSpPr>
-          <p:cNvPr id="2" name="Title 1"/>
-          <p:cNvSpPr>
-            <a:spLocks noGrp="1"/>
-          </p:cNvSpPr>
-          <p:nvPr>
-            <p:ph type="title"/>
-          </p:nvPr>
-        </p:nvSpPr>
-        <p:spPr/>
-        <p:txBody>
-          <a:bodyPr/>
-          <a:lstStyle/>
-          <a:p>
-            <a:r>
-              <a:rPr lang="en-US" dirty="0"/>
-              <a:t>The Multilayer Perceptron</a:t>
-            </a:r>
-          </a:p>
-        </p:txBody>
-      </p:sp>
-      <p:graphicFrame>
-        <p:nvGraphicFramePr>
-          <p:cNvPr id="16" name="Table 16">
-            <a:extLst>
-              <a:ext uri="{FF2B5EF4-FFF2-40B4-BE49-F238E27FC236}">
-                <a16:creationId xmlns:a16="http://schemas.microsoft.com/office/drawing/2014/main" id="{93F44A5E-B3CE-3BA0-3C48-A4083A6F3496}"/>
-              </a:ext>
-            </a:extLst>
-          </p:cNvPr>
-          <p:cNvGraphicFramePr>
-            <a:graphicFrameLocks noGrp="1"/>
-          </p:cNvGraphicFramePr>
-          <p:nvPr>
-            <p:extLst>
-              <p:ext uri="{D42A27DB-BD31-4B8C-83A1-F6EECF244321}">
-                <p14:modId xmlns:p14="http://schemas.microsoft.com/office/powerpoint/2010/main" val="4162791573"/>
-              </p:ext>
-            </p:extLst>
-          </p:nvPr>
-        </p:nvGraphicFramePr>
-        <p:xfrm>
-          <a:off x="179512" y="548680"/>
-          <a:ext cx="8640960" cy="5303520"/>
-        </p:xfrm>
-        <a:graphic>
-          <a:graphicData uri="http://schemas.openxmlformats.org/drawingml/2006/table">
-            <a:tbl>
-              <a:tblPr>
-                <a:tableStyleId>{5C22544A-7EE6-4342-B048-85BDC9FD1C3A}</a:tableStyleId>
-              </a:tblPr>
-              <a:tblGrid>
-                <a:gridCol w="8640960">
-                  <a:extLst>
-                    <a:ext uri="{9D8B030D-6E8A-4147-A177-3AD203B41FA5}">
-                      <a16:colId xmlns:a16="http://schemas.microsoft.com/office/drawing/2014/main" val="2706851558"/>
-                    </a:ext>
-                  </a:extLst>
-                </a:gridCol>
-              </a:tblGrid>
-              <a:tr h="202515">
-                <a:tc>
-                  <a:txBody>
-                    <a:bodyPr/>
-                    <a:lstStyle/>
-                    <a:p>
-                      <a:r>
-                        <a:rPr lang="en-GB" sz="1800" b="0" noProof="1">
-                          <a:ln>
-                            <a:solidFill>
-                              <a:schemeClr val="tx1"/>
-                            </a:solidFill>
-                          </a:ln>
-                          <a:solidFill>
-                            <a:schemeClr val="tx1"/>
-                          </a:solidFill>
-                          <a:latin typeface="+mn-lt"/>
-                        </a:rPr>
-                        <a:t>Because of the </a:t>
-                      </a:r>
-                      <a:r>
-                        <a:rPr lang="en-GB" sz="1800" b="0" noProof="1">
-                          <a:ln>
-                            <a:solidFill>
-                              <a:schemeClr val="tx1"/>
-                            </a:solidFill>
-                          </a:ln>
-                          <a:solidFill>
-                            <a:schemeClr val="tx1"/>
-                          </a:solidFill>
-                          <a:latin typeface="+mn-lt"/>
-                          <a:cs typeface="MoolBoran" panose="020B0100010101010101" pitchFamily="34" charset="0"/>
-                        </a:rPr>
-                        <a:t>sequential</a:t>
-                      </a:r>
-                      <a:r>
-                        <a:rPr lang="en-GB" sz="1800" b="0" noProof="1">
-                          <a:ln>
-                            <a:solidFill>
-                              <a:schemeClr val="tx1"/>
-                            </a:solidFill>
-                          </a:ln>
-                          <a:solidFill>
-                            <a:schemeClr val="tx1"/>
-                          </a:solidFill>
-                          <a:latin typeface="+mn-lt"/>
-                        </a:rPr>
-                        <a:t> nature of the layers, you must take care to ensure that the number of outputs in a layer is equal to the number of inputs to the next layer.</a:t>
-                      </a:r>
-                    </a:p>
-                    <a:p>
-                      <a:pPr marL="342900" indent="-342900">
-                        <a:buAutoNum type="arabicParenBoth"/>
-                      </a:pPr>
-                      <a:r>
-                        <a:rPr lang="en-GB" sz="1800" b="0" i="0" kern="1200" dirty="0">
-                          <a:solidFill>
-                            <a:schemeClr val="dk1"/>
-                          </a:solidFill>
-                          <a:effectLst/>
-                          <a:latin typeface="+mn-lt"/>
-                          <a:ea typeface="+mn-ea"/>
-                          <a:cs typeface="Courier New" panose="02070309020205020404" pitchFamily="49" charset="0"/>
-                        </a:rPr>
-                        <a:t>store input data</a:t>
-                      </a:r>
-                    </a:p>
-                    <a:p>
-                      <a:pPr marL="342900" indent="-342900">
-                        <a:buAutoNum type="arabicParenBoth"/>
-                      </a:pPr>
-                      <a:r>
-                        <a:rPr lang="es-ES_tradnl" sz="1800" noProof="1">
-                          <a:latin typeface="+mn-lt"/>
-                          <a:cs typeface="Courier New" pitchFamily="49" charset="0"/>
-                        </a:rPr>
-                        <a:t>store outputs of first n – 1 layers</a:t>
-                      </a:r>
-                    </a:p>
-                    <a:p>
-                      <a:pPr marL="342900" indent="-342900">
-                        <a:buAutoNum type="arabicParenBoth"/>
-                      </a:pPr>
-                      <a:r>
-                        <a:rPr lang="es-ES_tradnl" sz="1800" noProof="1">
-                          <a:latin typeface="+mn-lt"/>
-                          <a:cs typeface="Courier New" pitchFamily="49" charset="0"/>
-                        </a:rPr>
-                        <a:t>store outputs of final layer</a:t>
-                      </a:r>
-                    </a:p>
-                    <a:p>
-                      <a:pPr marL="342900" indent="-342900">
-                        <a:buAutoNum type="arabicParenBoth"/>
-                      </a:pPr>
-                      <a:r>
-                        <a:rPr lang="es-ES_tradnl" sz="1800" noProof="1">
-                          <a:latin typeface="+mn-lt"/>
-                          <a:cs typeface="Courier New" pitchFamily="49" charset="0"/>
-                        </a:rPr>
-                        <a:t>apply softmax</a:t>
-                      </a:r>
-                    </a:p>
-                    <a:p>
-                      <a:pPr marL="342900" indent="-342900">
-                        <a:buAutoNum type="arabicParenBoth"/>
-                      </a:pPr>
-                      <a:endParaRPr lang="es-ES_tradnl" sz="1800" noProof="1">
-                        <a:latin typeface="+mn-lt"/>
-                        <a:cs typeface="Courier New" pitchFamily="49" charset="0"/>
-                      </a:endParaRPr>
-                    </a:p>
-                  </a:txBody>
-                  <a:tcPr>
-                    <a:lnL w="9525" cap="flat" cmpd="sng" algn="ctr">
-                      <a:noFill/>
-                      <a:prstDash val="solid"/>
-                      <a:round/>
-                      <a:headEnd type="none" w="med" len="med"/>
-                      <a:tailEnd type="none" w="med" len="med"/>
-                    </a:lnL>
-                    <a:lnR w="9525" cap="flat" cmpd="sng" algn="ctr">
-                      <a:noFill/>
-                      <a:prstDash val="solid"/>
-                      <a:round/>
-                      <a:headEnd type="none" w="med" len="med"/>
-                      <a:tailEnd type="none" w="med" len="med"/>
-                    </a:lnR>
-                    <a:lnT w="9525" cap="flat" cmpd="sng" algn="ctr">
-                      <a:noFill/>
-                      <a:prstDash val="solid"/>
-                      <a:round/>
-                      <a:headEnd type="none" w="med" len="med"/>
-                      <a:tailEnd type="none" w="med" len="med"/>
-                    </a:lnT>
-                    <a:lnB w="12700" cap="flat" cmpd="sng" algn="ctr">
-                      <a:noFill/>
-                      <a:prstDash val="solid"/>
-                      <a:round/>
-                      <a:headEnd type="none" w="med" len="med"/>
-                      <a:tailEnd type="none" w="med" len="med"/>
-                    </a:lnB>
-                    <a:noFill/>
-                  </a:tcPr>
-                </a:tc>
-                <a:extLst>
-                  <a:ext uri="{0D108BD9-81ED-4DB2-BD59-A6C34878D82A}">
-                    <a16:rowId xmlns:a16="http://schemas.microsoft.com/office/drawing/2014/main" val="533612861"/>
-                  </a:ext>
-                </a:extLst>
-              </a:tr>
-              <a:tr h="202515">
-                <a:tc>
-                  <a:txBody>
-                    <a:bodyPr/>
-                    <a:lstStyle/>
-                    <a:p>
-                      <a:r>
-                        <a:rPr lang="en-GB" sz="1400" b="0" dirty="0">
-                          <a:solidFill>
-                            <a:srgbClr val="0000FF"/>
-                          </a:solidFill>
-                          <a:effectLst/>
-                          <a:latin typeface="Courier New" panose="02070309020205020404" pitchFamily="49" charset="0"/>
-                        </a:rPr>
-                        <a:t>def</a:t>
-                      </a:r>
-                      <a:r>
-                        <a:rPr lang="en-GB" sz="1400" b="0" dirty="0">
-                          <a:solidFill>
-                            <a:srgbClr val="000000"/>
-                          </a:solidFill>
-                          <a:effectLst/>
-                          <a:latin typeface="Courier New" panose="02070309020205020404" pitchFamily="49" charset="0"/>
-                        </a:rPr>
-                        <a:t> </a:t>
-                      </a:r>
-                      <a:r>
-                        <a:rPr lang="en-GB" sz="1400" b="0" dirty="0">
-                          <a:solidFill>
-                            <a:srgbClr val="795E26"/>
-                          </a:solidFill>
-                          <a:effectLst/>
-                          <a:latin typeface="Courier New" panose="02070309020205020404" pitchFamily="49" charset="0"/>
-                        </a:rPr>
-                        <a:t>forward</a:t>
-                      </a:r>
-                      <a:r>
-                        <a:rPr lang="en-GB" sz="1400" b="0" dirty="0">
-                          <a:solidFill>
-                            <a:srgbClr val="000000"/>
-                          </a:solidFill>
-                          <a:effectLst/>
-                          <a:latin typeface="Courier New" panose="02070309020205020404" pitchFamily="49" charset="0"/>
-                        </a:rPr>
-                        <a:t>(</a:t>
-                      </a:r>
-                      <a:r>
-                        <a:rPr lang="en-GB" sz="1400" b="0" dirty="0">
-                          <a:solidFill>
-                            <a:srgbClr val="001080"/>
-                          </a:solidFill>
-                          <a:effectLst/>
-                          <a:latin typeface="Courier New" panose="02070309020205020404" pitchFamily="49" charset="0"/>
-                        </a:rPr>
-                        <a:t>self</a:t>
-                      </a:r>
-                      <a:r>
-                        <a:rPr lang="en-GB" sz="1400" b="0" dirty="0">
-                          <a:solidFill>
-                            <a:srgbClr val="000000"/>
-                          </a:solidFill>
-                          <a:effectLst/>
-                          <a:latin typeface="Courier New" panose="02070309020205020404" pitchFamily="49" charset="0"/>
-                        </a:rPr>
-                        <a:t>, </a:t>
-                      </a:r>
-                      <a:r>
-                        <a:rPr lang="en-GB" sz="1400" b="0" dirty="0">
-                          <a:solidFill>
-                            <a:srgbClr val="001080"/>
-                          </a:solidFill>
-                          <a:effectLst/>
-                          <a:latin typeface="Courier New" panose="02070309020205020404" pitchFamily="49" charset="0"/>
-                        </a:rPr>
-                        <a:t>x</a:t>
-                      </a:r>
-                      <a:r>
-                        <a:rPr lang="en-GB" sz="1400" b="0" dirty="0">
-                          <a:solidFill>
-                            <a:srgbClr val="000000"/>
-                          </a:solidFill>
-                          <a:effectLst/>
-                          <a:latin typeface="Courier New" panose="02070309020205020404" pitchFamily="49" charset="0"/>
-                        </a:rPr>
-                        <a:t>, </a:t>
-                      </a:r>
-                      <a:r>
-                        <a:rPr lang="en-GB" sz="1400" b="0" dirty="0" err="1">
-                          <a:solidFill>
-                            <a:srgbClr val="001080"/>
-                          </a:solidFill>
-                          <a:effectLst/>
-                          <a:latin typeface="Courier New" panose="02070309020205020404" pitchFamily="49" charset="0"/>
-                        </a:rPr>
-                        <a:t>apply_softmax</a:t>
-                      </a:r>
-                      <a:r>
-                        <a:rPr lang="en-GB" sz="1400" b="0" dirty="0">
-                          <a:solidFill>
-                            <a:srgbClr val="000000"/>
-                          </a:solidFill>
-                          <a:effectLst/>
-                          <a:latin typeface="Courier New" panose="02070309020205020404" pitchFamily="49" charset="0"/>
-                        </a:rPr>
-                        <a:t>=</a:t>
-                      </a:r>
-                      <a:r>
-                        <a:rPr lang="en-GB" sz="1400" b="0" dirty="0">
-                          <a:solidFill>
-                            <a:srgbClr val="0000FF"/>
-                          </a:solidFill>
-                          <a:effectLst/>
-                          <a:latin typeface="Courier New" panose="02070309020205020404" pitchFamily="49" charset="0"/>
-                        </a:rPr>
-                        <a:t>False</a:t>
-                      </a:r>
-                      <a:r>
-                        <a:rPr lang="en-GB" sz="1400" b="0" dirty="0">
-                          <a:solidFill>
-                            <a:srgbClr val="000000"/>
-                          </a:solidFill>
-                          <a:effectLst/>
-                          <a:latin typeface="Courier New" panose="02070309020205020404" pitchFamily="49" charset="0"/>
-                        </a:rPr>
-                        <a:t>):</a:t>
-                      </a:r>
-                    </a:p>
-                    <a:p>
-                      <a:r>
-                        <a:rPr lang="en-GB" sz="1400" b="0" dirty="0">
-                          <a:solidFill>
-                            <a:srgbClr val="001080"/>
-                          </a:solidFill>
-                          <a:effectLst/>
-                          <a:latin typeface="Courier New" panose="02070309020205020404" pitchFamily="49" charset="0"/>
-                        </a:rPr>
-                        <a:t>    </a:t>
-                      </a:r>
-                      <a:r>
-                        <a:rPr lang="en-GB" sz="1400" b="0" dirty="0" err="1">
-                          <a:solidFill>
-                            <a:srgbClr val="001080"/>
-                          </a:solidFill>
-                          <a:effectLst/>
-                          <a:latin typeface="Courier New" panose="02070309020205020404" pitchFamily="49" charset="0"/>
-                        </a:rPr>
-                        <a:t>self</a:t>
-                      </a:r>
-                      <a:r>
-                        <a:rPr lang="en-GB" sz="1400" b="0" dirty="0" err="1">
-                          <a:solidFill>
-                            <a:srgbClr val="000000"/>
-                          </a:solidFill>
-                          <a:effectLst/>
-                          <a:latin typeface="Courier New" panose="02070309020205020404" pitchFamily="49" charset="0"/>
-                        </a:rPr>
-                        <a:t>.last_forward_cache</a:t>
-                      </a:r>
-                      <a:r>
-                        <a:rPr lang="en-GB" sz="1400" b="0" dirty="0">
-                          <a:solidFill>
-                            <a:srgbClr val="000000"/>
-                          </a:solidFill>
-                          <a:effectLst/>
-                          <a:latin typeface="Courier New" panose="02070309020205020404" pitchFamily="49" charset="0"/>
-                        </a:rPr>
-                        <a:t> = []</a:t>
-                      </a:r>
-                    </a:p>
-                    <a:p>
-                      <a:r>
-                        <a:rPr lang="en-GB" sz="1400" b="0" dirty="0">
-                          <a:solidFill>
-                            <a:srgbClr val="001080"/>
-                          </a:solidFill>
-                          <a:effectLst/>
-                          <a:latin typeface="Courier New" panose="02070309020205020404" pitchFamily="49" charset="0"/>
-                        </a:rPr>
-                        <a:t>    </a:t>
-                      </a:r>
-                      <a:r>
-                        <a:rPr lang="en-GB" sz="1400" b="0" dirty="0" err="1">
-                          <a:solidFill>
-                            <a:srgbClr val="001080"/>
-                          </a:solidFill>
-                          <a:effectLst/>
-                          <a:latin typeface="Courier New" panose="02070309020205020404" pitchFamily="49" charset="0"/>
-                        </a:rPr>
-                        <a:t>self</a:t>
-                      </a:r>
-                      <a:r>
-                        <a:rPr lang="en-GB" sz="1400" b="0" dirty="0" err="1">
-                          <a:solidFill>
-                            <a:srgbClr val="000000"/>
-                          </a:solidFill>
-                          <a:effectLst/>
-                          <a:latin typeface="Courier New" panose="02070309020205020404" pitchFamily="49" charset="0"/>
-                        </a:rPr>
-                        <a:t>.last_forward_cache.append</a:t>
-                      </a:r>
-                      <a:r>
-                        <a:rPr lang="en-GB" sz="1400" b="0" dirty="0">
-                          <a:solidFill>
-                            <a:srgbClr val="000000"/>
-                          </a:solidFill>
-                          <a:effectLst/>
-                          <a:latin typeface="Courier New" panose="02070309020205020404" pitchFamily="49" charset="0"/>
-                        </a:rPr>
-                        <a:t>(</a:t>
-                      </a:r>
-                      <a:r>
-                        <a:rPr lang="en-GB" sz="1400" b="0" dirty="0" err="1">
-                          <a:solidFill>
-                            <a:srgbClr val="000000"/>
-                          </a:solidFill>
-                          <a:effectLst/>
-                          <a:latin typeface="Courier New" panose="02070309020205020404" pitchFamily="49" charset="0"/>
-                        </a:rPr>
-                        <a:t>x.to</a:t>
-                      </a:r>
-                      <a:r>
-                        <a:rPr lang="en-GB" sz="1400" b="0" dirty="0">
-                          <a:solidFill>
-                            <a:srgbClr val="000000"/>
-                          </a:solidFill>
-                          <a:effectLst/>
-                          <a:latin typeface="Courier New" panose="02070309020205020404" pitchFamily="49" charset="0"/>
-                        </a:rPr>
-                        <a:t>(</a:t>
-                      </a:r>
-                      <a:r>
-                        <a:rPr lang="en-GB" sz="1400" b="0" dirty="0">
-                          <a:solidFill>
-                            <a:srgbClr val="A31515"/>
-                          </a:solidFill>
-                          <a:effectLst/>
-                          <a:latin typeface="Courier New" panose="02070309020205020404" pitchFamily="49" charset="0"/>
-                        </a:rPr>
-                        <a:t>"</a:t>
-                      </a:r>
-                      <a:r>
-                        <a:rPr lang="en-GB" sz="1400" b="0" dirty="0" err="1">
-                          <a:solidFill>
-                            <a:srgbClr val="A31515"/>
-                          </a:solidFill>
-                          <a:effectLst/>
-                          <a:latin typeface="Courier New" panose="02070309020205020404" pitchFamily="49" charset="0"/>
-                        </a:rPr>
-                        <a:t>cpu</a:t>
-                      </a:r>
-                      <a:r>
-                        <a:rPr lang="en-GB" sz="1400" b="0" dirty="0">
-                          <a:solidFill>
-                            <a:srgbClr val="A31515"/>
-                          </a:solidFill>
-                          <a:effectLst/>
-                          <a:latin typeface="Courier New" panose="02070309020205020404" pitchFamily="49" charset="0"/>
-                        </a:rPr>
-                        <a:t>"</a:t>
-                      </a:r>
-                      <a:r>
-                        <a:rPr lang="en-GB" sz="1400" b="0" dirty="0">
-                          <a:solidFill>
-                            <a:srgbClr val="000000"/>
-                          </a:solidFill>
-                          <a:effectLst/>
-                          <a:latin typeface="Courier New" panose="02070309020205020404" pitchFamily="49" charset="0"/>
-                        </a:rPr>
-                        <a:t>).</a:t>
-                      </a:r>
-                      <a:r>
-                        <a:rPr lang="en-GB" sz="1400" b="0" dirty="0" err="1">
-                          <a:solidFill>
-                            <a:srgbClr val="000000"/>
-                          </a:solidFill>
-                          <a:effectLst/>
-                          <a:latin typeface="Courier New" panose="02070309020205020404" pitchFamily="49" charset="0"/>
-                        </a:rPr>
-                        <a:t>numpy</a:t>
-                      </a:r>
-                      <a:r>
-                        <a:rPr lang="en-GB" sz="1400" b="0" dirty="0">
-                          <a:solidFill>
-                            <a:srgbClr val="000000"/>
-                          </a:solidFill>
-                          <a:effectLst/>
-                          <a:latin typeface="Courier New" panose="02070309020205020404" pitchFamily="49" charset="0"/>
-                        </a:rPr>
-                        <a:t>())  # </a:t>
-                      </a:r>
-                      <a:r>
-                        <a:rPr lang="en-GB" sz="1400" b="0" dirty="0">
-                          <a:solidFill>
-                            <a:srgbClr val="000000"/>
-                          </a:solidFill>
-                          <a:effectLst/>
-                          <a:highlight>
-                            <a:srgbClr val="FFFF00"/>
-                          </a:highlight>
-                          <a:latin typeface="Courier New" panose="02070309020205020404" pitchFamily="49" charset="0"/>
-                        </a:rPr>
-                        <a:t>(1)</a:t>
-                      </a:r>
-                    </a:p>
-                    <a:p>
-                      <a:br>
-                        <a:rPr lang="en-GB" sz="1400" b="0" dirty="0">
-                          <a:solidFill>
-                            <a:srgbClr val="000000"/>
-                          </a:solidFill>
-                          <a:effectLst/>
-                          <a:latin typeface="Courier New" panose="02070309020205020404" pitchFamily="49" charset="0"/>
-                        </a:rPr>
-                      </a:br>
-                      <a:r>
-                        <a:rPr lang="en-GB" sz="1400" b="0" dirty="0">
-                          <a:solidFill>
-                            <a:srgbClr val="000000"/>
-                          </a:solidFill>
-                          <a:effectLst/>
-                          <a:latin typeface="Courier New" panose="02070309020205020404" pitchFamily="49" charset="0"/>
-                        </a:rPr>
-                        <a:t>    </a:t>
-                      </a:r>
-                      <a:r>
-                        <a:rPr lang="en-GB" sz="1400" b="0" dirty="0">
-                          <a:solidFill>
-                            <a:srgbClr val="AF00DB"/>
-                          </a:solidFill>
-                          <a:effectLst/>
-                          <a:latin typeface="Courier New" panose="02070309020205020404" pitchFamily="49" charset="0"/>
-                        </a:rPr>
-                        <a:t>for</a:t>
-                      </a:r>
-                      <a:r>
-                        <a:rPr lang="en-GB" sz="1400" b="0" dirty="0">
-                          <a:solidFill>
-                            <a:srgbClr val="000000"/>
-                          </a:solidFill>
-                          <a:effectLst/>
-                          <a:latin typeface="Courier New" panose="02070309020205020404" pitchFamily="49" charset="0"/>
-                        </a:rPr>
-                        <a:t> module </a:t>
-                      </a:r>
-                      <a:r>
-                        <a:rPr lang="en-GB" sz="1400" b="0" dirty="0">
-                          <a:solidFill>
-                            <a:srgbClr val="0000FF"/>
-                          </a:solidFill>
-                          <a:effectLst/>
-                          <a:latin typeface="Courier New" panose="02070309020205020404" pitchFamily="49" charset="0"/>
-                        </a:rPr>
-                        <a:t>in</a:t>
-                      </a:r>
-                      <a:r>
-                        <a:rPr lang="en-GB" sz="1400" b="0" dirty="0">
-                          <a:solidFill>
-                            <a:srgbClr val="000000"/>
-                          </a:solidFill>
-                          <a:effectLst/>
-                          <a:latin typeface="Courier New" panose="02070309020205020404" pitchFamily="49" charset="0"/>
-                        </a:rPr>
-                        <a:t> </a:t>
-                      </a:r>
-                      <a:r>
-                        <a:rPr lang="en-GB" sz="1400" b="0" dirty="0" err="1">
-                          <a:solidFill>
-                            <a:srgbClr val="001080"/>
-                          </a:solidFill>
-                          <a:effectLst/>
-                          <a:latin typeface="Courier New" panose="02070309020205020404" pitchFamily="49" charset="0"/>
-                        </a:rPr>
-                        <a:t>self</a:t>
-                      </a:r>
-                      <a:r>
-                        <a:rPr lang="en-GB" sz="1400" b="0" dirty="0" err="1">
-                          <a:solidFill>
-                            <a:srgbClr val="000000"/>
-                          </a:solidFill>
-                          <a:effectLst/>
-                          <a:latin typeface="Courier New" panose="02070309020205020404" pitchFamily="49" charset="0"/>
-                        </a:rPr>
-                        <a:t>.module_list</a:t>
-                      </a:r>
-                      <a:r>
-                        <a:rPr lang="en-GB" sz="1400" b="0" dirty="0">
-                          <a:solidFill>
-                            <a:srgbClr val="000000"/>
-                          </a:solidFill>
-                          <a:effectLst/>
-                          <a:latin typeface="Courier New" panose="02070309020205020404" pitchFamily="49" charset="0"/>
-                        </a:rPr>
-                        <a:t>:</a:t>
-                      </a:r>
-                    </a:p>
-                    <a:p>
-                      <a:r>
-                        <a:rPr lang="en-GB" sz="1400" b="0" dirty="0">
-                          <a:solidFill>
-                            <a:srgbClr val="000000"/>
-                          </a:solidFill>
-                          <a:effectLst/>
-                          <a:latin typeface="Courier New" panose="02070309020205020404" pitchFamily="49" charset="0"/>
-                        </a:rPr>
-                        <a:t>        x = module(x) # </a:t>
-                      </a:r>
-                      <a:r>
-                        <a:rPr lang="en-GB" sz="1400" b="0" dirty="0">
-                          <a:solidFill>
-                            <a:srgbClr val="000000"/>
-                          </a:solidFill>
-                          <a:effectLst/>
-                          <a:highlight>
-                            <a:srgbClr val="FFFF00"/>
-                          </a:highlight>
-                          <a:latin typeface="Courier New" panose="02070309020205020404" pitchFamily="49" charset="0"/>
-                        </a:rPr>
-                        <a:t>(2)</a:t>
-                      </a:r>
-                    </a:p>
-                    <a:p>
-                      <a:r>
-                        <a:rPr lang="en-GB" sz="1400" b="0" dirty="0">
-                          <a:solidFill>
-                            <a:srgbClr val="001080"/>
-                          </a:solidFill>
-                          <a:effectLst/>
-                          <a:latin typeface="Courier New" panose="02070309020205020404" pitchFamily="49" charset="0"/>
-                        </a:rPr>
-                        <a:t>        </a:t>
-                      </a:r>
-                      <a:r>
-                        <a:rPr lang="en-GB" sz="1400" b="0" dirty="0" err="1">
-                          <a:solidFill>
-                            <a:srgbClr val="001080"/>
-                          </a:solidFill>
-                          <a:effectLst/>
-                          <a:latin typeface="Courier New" panose="02070309020205020404" pitchFamily="49" charset="0"/>
-                        </a:rPr>
-                        <a:t>self</a:t>
-                      </a:r>
-                      <a:r>
-                        <a:rPr lang="en-GB" sz="1400" b="0" dirty="0" err="1">
-                          <a:solidFill>
-                            <a:srgbClr val="000000"/>
-                          </a:solidFill>
-                          <a:effectLst/>
-                          <a:latin typeface="Courier New" panose="02070309020205020404" pitchFamily="49" charset="0"/>
-                        </a:rPr>
-                        <a:t>.last_forward_cache.append</a:t>
-                      </a:r>
-                      <a:r>
-                        <a:rPr lang="en-GB" sz="1400" b="0" dirty="0">
-                          <a:solidFill>
-                            <a:srgbClr val="000000"/>
-                          </a:solidFill>
-                          <a:effectLst/>
-                          <a:latin typeface="Courier New" panose="02070309020205020404" pitchFamily="49" charset="0"/>
-                        </a:rPr>
-                        <a:t>(</a:t>
-                      </a:r>
-                      <a:r>
-                        <a:rPr lang="en-GB" sz="1400" b="0" dirty="0" err="1">
-                          <a:solidFill>
-                            <a:srgbClr val="000000"/>
-                          </a:solidFill>
-                          <a:effectLst/>
-                          <a:latin typeface="Courier New" panose="02070309020205020404" pitchFamily="49" charset="0"/>
-                        </a:rPr>
-                        <a:t>x.to</a:t>
-                      </a:r>
-                      <a:r>
-                        <a:rPr lang="en-GB" sz="1400" b="0" dirty="0">
-                          <a:solidFill>
-                            <a:srgbClr val="000000"/>
-                          </a:solidFill>
-                          <a:effectLst/>
-                          <a:latin typeface="Courier New" panose="02070309020205020404" pitchFamily="49" charset="0"/>
-                        </a:rPr>
-                        <a:t>(</a:t>
-                      </a:r>
-                      <a:r>
-                        <a:rPr lang="en-GB" sz="1400" b="0" dirty="0">
-                          <a:solidFill>
-                            <a:srgbClr val="A31515"/>
-                          </a:solidFill>
-                          <a:effectLst/>
-                          <a:latin typeface="Courier New" panose="02070309020205020404" pitchFamily="49" charset="0"/>
-                        </a:rPr>
-                        <a:t>"</a:t>
-                      </a:r>
-                      <a:r>
-                        <a:rPr lang="en-GB" sz="1400" b="0" dirty="0" err="1">
-                          <a:solidFill>
-                            <a:srgbClr val="A31515"/>
-                          </a:solidFill>
-                          <a:effectLst/>
-                          <a:latin typeface="Courier New" panose="02070309020205020404" pitchFamily="49" charset="0"/>
-                        </a:rPr>
-                        <a:t>cpu</a:t>
-                      </a:r>
-                      <a:r>
-                        <a:rPr lang="en-GB" sz="1400" b="0" dirty="0">
-                          <a:solidFill>
-                            <a:srgbClr val="A31515"/>
-                          </a:solidFill>
-                          <a:effectLst/>
-                          <a:latin typeface="Courier New" panose="02070309020205020404" pitchFamily="49" charset="0"/>
-                        </a:rPr>
-                        <a:t>"</a:t>
-                      </a:r>
-                      <a:r>
-                        <a:rPr lang="en-GB" sz="1400" b="0" dirty="0">
-                          <a:solidFill>
-                            <a:srgbClr val="000000"/>
-                          </a:solidFill>
-                          <a:effectLst/>
-                          <a:latin typeface="Courier New" panose="02070309020205020404" pitchFamily="49" charset="0"/>
-                        </a:rPr>
-                        <a:t>).</a:t>
-                      </a:r>
-                      <a:r>
-                        <a:rPr lang="en-GB" sz="1400" b="0" dirty="0" err="1">
-                          <a:solidFill>
-                            <a:srgbClr val="000000"/>
-                          </a:solidFill>
-                          <a:effectLst/>
-                          <a:latin typeface="Courier New" panose="02070309020205020404" pitchFamily="49" charset="0"/>
-                        </a:rPr>
-                        <a:t>data.numpy</a:t>
-                      </a:r>
-                      <a:r>
-                        <a:rPr lang="en-GB" sz="1400" b="0" dirty="0">
-                          <a:solidFill>
-                            <a:srgbClr val="000000"/>
-                          </a:solidFill>
-                          <a:effectLst/>
-                          <a:latin typeface="Courier New" panose="02070309020205020404" pitchFamily="49" charset="0"/>
-                        </a:rPr>
-                        <a:t>())</a:t>
-                      </a:r>
-                    </a:p>
-                    <a:p>
-                      <a:r>
-                        <a:rPr lang="en-GB" sz="1400" b="0" dirty="0">
-                          <a:solidFill>
-                            <a:srgbClr val="000000"/>
-                          </a:solidFill>
-                          <a:effectLst/>
-                          <a:latin typeface="Courier New" panose="02070309020205020404" pitchFamily="49" charset="0"/>
-                        </a:rPr>
-                        <a:t>    </a:t>
-                      </a:r>
-                    </a:p>
-                    <a:p>
-                      <a:r>
-                        <a:rPr lang="en-GB" sz="1400" b="0" dirty="0">
-                          <a:solidFill>
-                            <a:srgbClr val="000000"/>
-                          </a:solidFill>
-                          <a:effectLst/>
-                          <a:latin typeface="Courier New" panose="02070309020205020404" pitchFamily="49" charset="0"/>
-                        </a:rPr>
-                        <a:t>    output = </a:t>
-                      </a:r>
-                      <a:r>
-                        <a:rPr lang="en-GB" sz="1400" b="0" dirty="0" err="1">
-                          <a:solidFill>
-                            <a:srgbClr val="001080"/>
-                          </a:solidFill>
-                          <a:effectLst/>
-                          <a:latin typeface="Courier New" panose="02070309020205020404" pitchFamily="49" charset="0"/>
-                        </a:rPr>
-                        <a:t>self</a:t>
-                      </a:r>
-                      <a:r>
-                        <a:rPr lang="en-GB" sz="1400" b="0" dirty="0" err="1">
-                          <a:solidFill>
-                            <a:srgbClr val="000000"/>
-                          </a:solidFill>
-                          <a:effectLst/>
-                          <a:latin typeface="Courier New" panose="02070309020205020404" pitchFamily="49" charset="0"/>
-                        </a:rPr>
-                        <a:t>.fc_final</a:t>
-                      </a:r>
-                      <a:r>
-                        <a:rPr lang="en-GB" sz="1400" b="0" dirty="0">
-                          <a:solidFill>
-                            <a:srgbClr val="000000"/>
-                          </a:solidFill>
-                          <a:effectLst/>
-                          <a:latin typeface="Courier New" panose="02070309020205020404" pitchFamily="49" charset="0"/>
-                        </a:rPr>
-                        <a:t>(x)</a:t>
-                      </a:r>
-                    </a:p>
-                    <a:p>
-                      <a:r>
-                        <a:rPr lang="en-GB" sz="1400" b="0" dirty="0">
-                          <a:solidFill>
-                            <a:srgbClr val="001080"/>
-                          </a:solidFill>
-                          <a:effectLst/>
-                          <a:latin typeface="Courier New" panose="02070309020205020404" pitchFamily="49" charset="0"/>
-                        </a:rPr>
-                        <a:t>    </a:t>
-                      </a:r>
-                      <a:r>
-                        <a:rPr lang="en-GB" sz="1400" b="0" dirty="0" err="1">
-                          <a:solidFill>
-                            <a:srgbClr val="001080"/>
-                          </a:solidFill>
-                          <a:effectLst/>
-                          <a:latin typeface="Courier New" panose="02070309020205020404" pitchFamily="49" charset="0"/>
-                        </a:rPr>
-                        <a:t>self</a:t>
-                      </a:r>
-                      <a:r>
-                        <a:rPr lang="en-GB" sz="1400" b="0" dirty="0" err="1">
-                          <a:solidFill>
-                            <a:srgbClr val="000000"/>
-                          </a:solidFill>
-                          <a:effectLst/>
-                          <a:latin typeface="Courier New" panose="02070309020205020404" pitchFamily="49" charset="0"/>
-                        </a:rPr>
-                        <a:t>.last_forward_cache.append</a:t>
-                      </a:r>
-                      <a:r>
-                        <a:rPr lang="en-GB" sz="1400" b="0" dirty="0">
-                          <a:solidFill>
-                            <a:srgbClr val="000000"/>
-                          </a:solidFill>
-                          <a:effectLst/>
-                          <a:latin typeface="Courier New" panose="02070309020205020404" pitchFamily="49" charset="0"/>
-                        </a:rPr>
-                        <a:t>(</a:t>
-                      </a:r>
-                      <a:r>
-                        <a:rPr lang="en-GB" sz="1400" b="0" dirty="0" err="1">
-                          <a:solidFill>
-                            <a:srgbClr val="000000"/>
-                          </a:solidFill>
-                          <a:effectLst/>
-                          <a:latin typeface="Courier New" panose="02070309020205020404" pitchFamily="49" charset="0"/>
-                        </a:rPr>
-                        <a:t>output.to</a:t>
-                      </a:r>
-                      <a:r>
-                        <a:rPr lang="en-GB" sz="1400" b="0" dirty="0">
-                          <a:solidFill>
-                            <a:srgbClr val="000000"/>
-                          </a:solidFill>
-                          <a:effectLst/>
-                          <a:latin typeface="Courier New" panose="02070309020205020404" pitchFamily="49" charset="0"/>
-                        </a:rPr>
-                        <a:t>(</a:t>
-                      </a:r>
-                      <a:r>
-                        <a:rPr lang="en-GB" sz="1400" b="0" dirty="0">
-                          <a:solidFill>
-                            <a:srgbClr val="A31515"/>
-                          </a:solidFill>
-                          <a:effectLst/>
-                          <a:latin typeface="Courier New" panose="02070309020205020404" pitchFamily="49" charset="0"/>
-                        </a:rPr>
-                        <a:t>"</a:t>
-                      </a:r>
-                      <a:r>
-                        <a:rPr lang="en-GB" sz="1400" b="0" dirty="0" err="1">
-                          <a:solidFill>
-                            <a:srgbClr val="A31515"/>
-                          </a:solidFill>
-                          <a:effectLst/>
-                          <a:latin typeface="Courier New" panose="02070309020205020404" pitchFamily="49" charset="0"/>
-                        </a:rPr>
-                        <a:t>cpu</a:t>
-                      </a:r>
-                      <a:r>
-                        <a:rPr lang="en-GB" sz="1400" b="0" dirty="0">
-                          <a:solidFill>
-                            <a:srgbClr val="A31515"/>
-                          </a:solidFill>
-                          <a:effectLst/>
-                          <a:latin typeface="Courier New" panose="02070309020205020404" pitchFamily="49" charset="0"/>
-                        </a:rPr>
-                        <a:t>"</a:t>
-                      </a:r>
-                      <a:r>
-                        <a:rPr lang="en-GB" sz="1400" b="0" dirty="0">
-                          <a:solidFill>
-                            <a:srgbClr val="000000"/>
-                          </a:solidFill>
-                          <a:effectLst/>
-                          <a:latin typeface="Courier New" panose="02070309020205020404" pitchFamily="49" charset="0"/>
-                        </a:rPr>
-                        <a:t>).</a:t>
-                      </a:r>
-                      <a:r>
-                        <a:rPr lang="en-GB" sz="1400" b="0" dirty="0" err="1">
-                          <a:solidFill>
-                            <a:srgbClr val="000000"/>
-                          </a:solidFill>
-                          <a:effectLst/>
-                          <a:latin typeface="Courier New" panose="02070309020205020404" pitchFamily="49" charset="0"/>
-                        </a:rPr>
-                        <a:t>data.numpy</a:t>
-                      </a:r>
-                      <a:r>
-                        <a:rPr lang="en-GB" sz="1400" b="0" dirty="0">
-                          <a:solidFill>
-                            <a:srgbClr val="000000"/>
-                          </a:solidFill>
-                          <a:effectLst/>
-                          <a:latin typeface="Courier New" panose="02070309020205020404" pitchFamily="49" charset="0"/>
-                        </a:rPr>
-                        <a:t>()) # </a:t>
-                      </a:r>
-                      <a:r>
-                        <a:rPr lang="en-GB" sz="1400" b="0" dirty="0">
-                          <a:solidFill>
-                            <a:srgbClr val="000000"/>
-                          </a:solidFill>
-                          <a:effectLst/>
-                          <a:highlight>
-                            <a:srgbClr val="FFFF00"/>
-                          </a:highlight>
-                          <a:latin typeface="Courier New" panose="02070309020205020404" pitchFamily="49" charset="0"/>
-                        </a:rPr>
-                        <a:t>(3)</a:t>
-                      </a:r>
-                    </a:p>
-                    <a:p>
-                      <a:br>
-                        <a:rPr lang="en-GB" sz="1400" b="0" dirty="0">
-                          <a:solidFill>
-                            <a:srgbClr val="000000"/>
-                          </a:solidFill>
-                          <a:effectLst/>
-                          <a:latin typeface="Courier New" panose="02070309020205020404" pitchFamily="49" charset="0"/>
-                        </a:rPr>
-                      </a:br>
-                      <a:r>
-                        <a:rPr lang="en-GB" sz="1400" b="0" dirty="0">
-                          <a:solidFill>
-                            <a:srgbClr val="000000"/>
-                          </a:solidFill>
-                          <a:effectLst/>
-                          <a:latin typeface="Courier New" panose="02070309020205020404" pitchFamily="49" charset="0"/>
-                        </a:rPr>
-                        <a:t>    </a:t>
-                      </a:r>
-                      <a:r>
-                        <a:rPr lang="en-GB" sz="1400" b="0" dirty="0">
-                          <a:solidFill>
-                            <a:srgbClr val="AF00DB"/>
-                          </a:solidFill>
-                          <a:effectLst/>
-                          <a:latin typeface="Courier New" panose="02070309020205020404" pitchFamily="49" charset="0"/>
-                        </a:rPr>
-                        <a:t>if</a:t>
-                      </a:r>
-                      <a:r>
-                        <a:rPr lang="en-GB" sz="1400" b="0" dirty="0">
-                          <a:solidFill>
-                            <a:srgbClr val="000000"/>
-                          </a:solidFill>
-                          <a:effectLst/>
-                          <a:latin typeface="Courier New" panose="02070309020205020404" pitchFamily="49" charset="0"/>
-                        </a:rPr>
-                        <a:t> </a:t>
-                      </a:r>
-                      <a:r>
-                        <a:rPr lang="en-GB" sz="1400" b="0" dirty="0" err="1">
-                          <a:solidFill>
-                            <a:srgbClr val="000000"/>
-                          </a:solidFill>
-                          <a:effectLst/>
-                          <a:latin typeface="Courier New" panose="02070309020205020404" pitchFamily="49" charset="0"/>
-                        </a:rPr>
-                        <a:t>apply_softmax</a:t>
-                      </a:r>
-                      <a:r>
-                        <a:rPr lang="en-GB" sz="1400" b="0" dirty="0">
-                          <a:solidFill>
-                            <a:srgbClr val="000000"/>
-                          </a:solidFill>
-                          <a:effectLst/>
-                          <a:latin typeface="Courier New" panose="02070309020205020404" pitchFamily="49" charset="0"/>
-                        </a:rPr>
-                        <a:t>:</a:t>
-                      </a:r>
-                    </a:p>
-                    <a:p>
-                      <a:r>
-                        <a:rPr lang="en-GB" sz="1400" b="0" dirty="0">
-                          <a:solidFill>
-                            <a:srgbClr val="000000"/>
-                          </a:solidFill>
-                          <a:effectLst/>
-                          <a:latin typeface="Courier New" panose="02070309020205020404" pitchFamily="49" charset="0"/>
-                        </a:rPr>
-                        <a:t>        output = </a:t>
-                      </a:r>
-                      <a:r>
-                        <a:rPr lang="en-GB" sz="1400" b="0" dirty="0" err="1">
-                          <a:solidFill>
-                            <a:srgbClr val="000000"/>
-                          </a:solidFill>
-                          <a:effectLst/>
-                          <a:latin typeface="Courier New" panose="02070309020205020404" pitchFamily="49" charset="0"/>
-                        </a:rPr>
-                        <a:t>F.softmax</a:t>
-                      </a:r>
-                      <a:r>
-                        <a:rPr lang="en-GB" sz="1400" b="0" dirty="0">
-                          <a:solidFill>
-                            <a:srgbClr val="000000"/>
-                          </a:solidFill>
-                          <a:effectLst/>
-                          <a:latin typeface="Courier New" panose="02070309020205020404" pitchFamily="49" charset="0"/>
-                        </a:rPr>
-                        <a:t>(output, dim=</a:t>
-                      </a:r>
-                      <a:r>
-                        <a:rPr lang="en-GB" sz="1400" b="0" dirty="0">
-                          <a:solidFill>
-                            <a:srgbClr val="09885A"/>
-                          </a:solidFill>
-                          <a:effectLst/>
-                          <a:latin typeface="Courier New" panose="02070309020205020404" pitchFamily="49" charset="0"/>
-                        </a:rPr>
-                        <a:t>1</a:t>
-                      </a:r>
-                      <a:r>
-                        <a:rPr lang="en-GB" sz="1400" b="0" dirty="0">
-                          <a:solidFill>
-                            <a:srgbClr val="000000"/>
-                          </a:solidFill>
-                          <a:effectLst/>
-                          <a:latin typeface="Courier New" panose="02070309020205020404" pitchFamily="49" charset="0"/>
-                        </a:rPr>
-                        <a:t>)  # </a:t>
-                      </a:r>
-                      <a:r>
-                        <a:rPr lang="en-GB" sz="1400" b="0" dirty="0">
-                          <a:solidFill>
-                            <a:srgbClr val="000000"/>
-                          </a:solidFill>
-                          <a:effectLst/>
-                          <a:highlight>
-                            <a:srgbClr val="FFFF00"/>
-                          </a:highlight>
-                          <a:latin typeface="Courier New" panose="02070309020205020404" pitchFamily="49" charset="0"/>
-                        </a:rPr>
-                        <a:t>(4)</a:t>
-                      </a:r>
-                    </a:p>
-                    <a:p>
-                      <a:br>
-                        <a:rPr lang="en-GB" sz="1400" b="0" dirty="0">
-                          <a:solidFill>
-                            <a:srgbClr val="000000"/>
-                          </a:solidFill>
-                          <a:effectLst/>
-                          <a:latin typeface="Courier New" panose="02070309020205020404" pitchFamily="49" charset="0"/>
-                        </a:rPr>
-                      </a:br>
-                      <a:r>
-                        <a:rPr lang="en-GB" sz="1400" b="0" dirty="0">
-                          <a:solidFill>
-                            <a:srgbClr val="000000"/>
-                          </a:solidFill>
-                          <a:effectLst/>
-                          <a:latin typeface="Courier New" panose="02070309020205020404" pitchFamily="49" charset="0"/>
-                        </a:rPr>
-                        <a:t>    </a:t>
-                      </a:r>
-                      <a:r>
-                        <a:rPr lang="en-GB" sz="1400" b="0" dirty="0">
-                          <a:solidFill>
-                            <a:srgbClr val="AF00DB"/>
-                          </a:solidFill>
-                          <a:effectLst/>
-                          <a:latin typeface="Courier New" panose="02070309020205020404" pitchFamily="49" charset="0"/>
-                        </a:rPr>
-                        <a:t>return</a:t>
-                      </a:r>
-                      <a:r>
-                        <a:rPr lang="en-GB" sz="1400" b="0" dirty="0">
-                          <a:solidFill>
-                            <a:srgbClr val="000000"/>
-                          </a:solidFill>
-                          <a:effectLst/>
-                          <a:latin typeface="Courier New" panose="02070309020205020404" pitchFamily="49" charset="0"/>
-                        </a:rPr>
-                        <a:t> output</a:t>
-                      </a:r>
-                      <a:endParaRPr lang="en-GB" sz="2000" b="0" dirty="0">
-                        <a:solidFill>
-                          <a:srgbClr val="000000"/>
-                        </a:solidFill>
-                        <a:effectLst/>
-                        <a:latin typeface="Courier New" panose="02070309020205020404" pitchFamily="49" charset="0"/>
-                      </a:endParaRPr>
-                    </a:p>
-                  </a:txBody>
-                  <a:tcPr>
-                    <a:lnL w="9525" cap="flat" cmpd="sng" algn="ctr">
-                      <a:solidFill>
-                        <a:schemeClr val="accent1"/>
-                      </a:solidFill>
-                      <a:prstDash val="solid"/>
-                      <a:round/>
-                      <a:headEnd type="none" w="med" len="med"/>
-                      <a:tailEnd type="none" w="med" len="med"/>
-                    </a:lnL>
-                    <a:lnR w="9525" cap="flat" cmpd="sng" algn="ctr">
-                      <a:solidFill>
-                        <a:schemeClr val="accent1"/>
-                      </a:solidFill>
-                      <a:prstDash val="solid"/>
-                      <a:round/>
-                      <a:headEnd type="none" w="med" len="med"/>
-                      <a:tailEnd type="none" w="med" len="med"/>
-                    </a:lnR>
-                    <a:lnT w="12700" cap="flat" cmpd="sng" algn="ctr">
-                      <a:noFill/>
-                      <a:prstDash val="solid"/>
-                      <a:round/>
-                      <a:headEnd type="none" w="med" len="med"/>
-                      <a:tailEnd type="none" w="med" len="med"/>
-                    </a:lnT>
-                    <a:lnB w="9525" cap="flat" cmpd="sng" algn="ctr">
-                      <a:solidFill>
-                        <a:schemeClr val="accent1"/>
-                      </a:solidFill>
-                      <a:prstDash val="solid"/>
-                      <a:round/>
-                      <a:headEnd type="none" w="med" len="med"/>
-                      <a:tailEnd type="none" w="med" len="med"/>
-                    </a:lnB>
-                    <a:solidFill>
-                      <a:schemeClr val="bg1">
-                        <a:lumMod val="95000"/>
-                      </a:schemeClr>
-                    </a:solidFill>
-                  </a:tcPr>
-                </a:tc>
-                <a:extLst>
-                  <a:ext uri="{0D108BD9-81ED-4DB2-BD59-A6C34878D82A}">
-                    <a16:rowId xmlns:a16="http://schemas.microsoft.com/office/drawing/2014/main" val="2014089395"/>
-                  </a:ext>
-                </a:extLst>
-              </a:tr>
-            </a:tbl>
-          </a:graphicData>
-        </a:graphic>
-      </p:graphicFrame>
-    </p:spTree>
-    <p:extLst>
-      <p:ext uri="{BB962C8B-B14F-4D97-AF65-F5344CB8AC3E}">
-        <p14:creationId xmlns:p14="http://schemas.microsoft.com/office/powerpoint/2010/main" val="3907678775"/>
-      </p:ext>
-    </p:extLst>
-  </p:cSld>
-  <p:clrMapOvr>
-    <a:masterClrMapping/>
-  </p:clrMapOvr>
-</p:sld>
-</file>
-
-<file path=ppt/slides/slide33.xml><?xml version="1.0" encoding="utf-8"?>
-<p:sld xmlns:a="http://schemas.openxmlformats.org/drawingml/2006/main" xmlns:r="http://schemas.openxmlformats.org/officeDocument/2006/relationships" xmlns:p="http://schemas.openxmlformats.org/presentationml/2006/main">
-  <p:cSld>
-    <p:spTree>
-      <p:nvGrpSpPr>
-        <p:cNvPr id="1" name=""/>
-        <p:cNvGrpSpPr/>
-        <p:nvPr/>
-      </p:nvGrpSpPr>
-      <p:grpSpPr>
-        <a:xfrm>
-          <a:off x="0" y="0"/>
-          <a:ext cx="0" cy="0"/>
-          <a:chOff x="0" y="0"/>
-          <a:chExt cx="0" cy="0"/>
-        </a:xfrm>
-      </p:grpSpPr>
-      <p:sp>
-        <p:nvSpPr>
-          <p:cNvPr id="2" name="Title 1"/>
-          <p:cNvSpPr>
-            <a:spLocks noGrp="1"/>
-          </p:cNvSpPr>
-          <p:nvPr>
-            <p:ph type="title"/>
-          </p:nvPr>
-        </p:nvSpPr>
-        <p:spPr/>
-        <p:txBody>
-          <a:bodyPr/>
-          <a:lstStyle/>
-          <a:p>
-            <a:r>
-              <a:rPr lang="en-US" dirty="0"/>
-              <a:t>The Multilayer Perceptron</a:t>
-            </a:r>
-          </a:p>
-        </p:txBody>
-      </p:sp>
-      <p:graphicFrame>
-        <p:nvGraphicFramePr>
-          <p:cNvPr id="16" name="Table 16">
-            <a:extLst>
-              <a:ext uri="{FF2B5EF4-FFF2-40B4-BE49-F238E27FC236}">
-                <a16:creationId xmlns:a16="http://schemas.microsoft.com/office/drawing/2014/main" id="{93F44A5E-B3CE-3BA0-3C48-A4083A6F3496}"/>
-              </a:ext>
-            </a:extLst>
-          </p:cNvPr>
-          <p:cNvGraphicFramePr>
-            <a:graphicFrameLocks noGrp="1"/>
-          </p:cNvGraphicFramePr>
-          <p:nvPr>
-            <p:extLst>
-              <p:ext uri="{D42A27DB-BD31-4B8C-83A1-F6EECF244321}">
-                <p14:modId xmlns:p14="http://schemas.microsoft.com/office/powerpoint/2010/main" val="3829547738"/>
-              </p:ext>
-            </p:extLst>
-          </p:nvPr>
-        </p:nvGraphicFramePr>
-        <p:xfrm>
-          <a:off x="179512" y="548680"/>
-          <a:ext cx="8640960" cy="3383280"/>
-        </p:xfrm>
-        <a:graphic>
-          <a:graphicData uri="http://schemas.openxmlformats.org/drawingml/2006/table">
-            <a:tbl>
-              <a:tblPr>
-                <a:tableStyleId>{5C22544A-7EE6-4342-B048-85BDC9FD1C3A}</a:tableStyleId>
-              </a:tblPr>
-              <a:tblGrid>
-                <a:gridCol w="8640960">
-                  <a:extLst>
-                    <a:ext uri="{9D8B030D-6E8A-4147-A177-3AD203B41FA5}">
-                      <a16:colId xmlns:a16="http://schemas.microsoft.com/office/drawing/2014/main" val="2706851558"/>
-                    </a:ext>
-                  </a:extLst>
-                </a:gridCol>
-              </a:tblGrid>
-              <a:tr h="202515">
-                <a:tc>
-                  <a:txBody>
-                    <a:bodyPr/>
-                    <a:lstStyle/>
-                    <a:p>
-                      <a:r>
-                        <a:rPr lang="hr-HR" sz="1800" b="0" noProof="1">
-                          <a:ln>
-                            <a:solidFill>
-                              <a:schemeClr val="tx1"/>
-                            </a:solidFill>
-                          </a:ln>
-                          <a:solidFill>
-                            <a:schemeClr val="tx1"/>
-                          </a:solidFill>
-                          <a:latin typeface="+mn-lt"/>
-                        </a:rPr>
-                        <a:t>Multilayer perceptron with 1 hidden layer</a:t>
-                      </a:r>
-                      <a:endParaRPr lang="es-ES_tradnl" sz="1800" b="0" noProof="1">
-                        <a:ln>
-                          <a:solidFill>
-                            <a:schemeClr val="tx1"/>
-                          </a:solidFill>
-                        </a:ln>
-                        <a:solidFill>
-                          <a:schemeClr val="tx1"/>
-                        </a:solidFill>
-                        <a:latin typeface="+mn-lt"/>
-                        <a:cs typeface="Courier New" pitchFamily="49" charset="0"/>
-                      </a:endParaRPr>
-                    </a:p>
-                    <a:p>
-                      <a:endParaRPr lang="es-ES_tradnl" sz="1800" noProof="1">
-                        <a:latin typeface="+mn-lt"/>
-                        <a:cs typeface="Courier New" pitchFamily="49" charset="0"/>
-                      </a:endParaRPr>
-                    </a:p>
-                  </a:txBody>
-                  <a:tcPr>
-                    <a:lnL w="9525" cap="flat" cmpd="sng" algn="ctr">
-                      <a:noFill/>
-                      <a:prstDash val="solid"/>
-                      <a:round/>
-                      <a:headEnd type="none" w="med" len="med"/>
-                      <a:tailEnd type="none" w="med" len="med"/>
-                    </a:lnL>
-                    <a:lnR w="9525" cap="flat" cmpd="sng" algn="ctr">
-                      <a:noFill/>
-                      <a:prstDash val="solid"/>
-                      <a:round/>
-                      <a:headEnd type="none" w="med" len="med"/>
-                      <a:tailEnd type="none" w="med" len="med"/>
-                    </a:lnR>
-                    <a:lnT w="9525" cap="flat" cmpd="sng" algn="ctr">
-                      <a:noFill/>
-                      <a:prstDash val="solid"/>
-                      <a:round/>
-                      <a:headEnd type="none" w="med" len="med"/>
-                      <a:tailEnd type="none" w="med" len="med"/>
-                    </a:lnT>
-                    <a:lnB w="12700" cap="flat" cmpd="sng" algn="ctr">
-                      <a:solidFill>
-                        <a:schemeClr val="accent1"/>
-                      </a:solidFill>
-                      <a:prstDash val="solid"/>
-                      <a:round/>
-                      <a:headEnd type="none" w="med" len="med"/>
-                      <a:tailEnd type="none" w="med" len="med"/>
-                    </a:lnB>
-                    <a:noFill/>
-                  </a:tcPr>
-                </a:tc>
-                <a:extLst>
-                  <a:ext uri="{0D108BD9-81ED-4DB2-BD59-A6C34878D82A}">
-                    <a16:rowId xmlns:a16="http://schemas.microsoft.com/office/drawing/2014/main" val="533612861"/>
-                  </a:ext>
-                </a:extLst>
-              </a:tr>
-              <a:tr h="202515">
-                <a:tc>
-                  <a:txBody>
-                    <a:bodyPr/>
-                    <a:lstStyle/>
-                    <a:p>
-                      <a:pPr algn="l"/>
-                      <a:r>
-                        <a:rPr lang="en-GB" sz="1400" b="0" i="0" u="none" strike="noStrike" dirty="0" err="1">
-                          <a:solidFill>
-                            <a:srgbClr val="000000"/>
-                          </a:solidFill>
-                          <a:effectLst/>
-                          <a:latin typeface="Courier New" panose="02070309020205020404" pitchFamily="49" charset="0"/>
-                        </a:rPr>
-                        <a:t>mlp</a:t>
-                      </a:r>
-                      <a:r>
-                        <a:rPr lang="en-GB" sz="1400" b="0" i="0" u="none" strike="noStrike" dirty="0">
-                          <a:solidFill>
-                            <a:srgbClr val="000000"/>
-                          </a:solidFill>
-                          <a:effectLst/>
-                          <a:latin typeface="Courier New" panose="02070309020205020404" pitchFamily="49" charset="0"/>
-                        </a:rPr>
-                        <a:t> = </a:t>
-                      </a:r>
-                      <a:r>
-                        <a:rPr lang="en-GB" sz="1400" b="0" i="0" u="none" strike="noStrike" dirty="0" err="1">
-                          <a:solidFill>
-                            <a:srgbClr val="000000"/>
-                          </a:solidFill>
-                          <a:effectLst/>
-                          <a:latin typeface="Courier New" panose="02070309020205020404" pitchFamily="49" charset="0"/>
-                        </a:rPr>
-                        <a:t>MultilayerPerceptron</a:t>
-                      </a:r>
-                      <a:r>
-                        <a:rPr lang="en-GB" sz="1400" b="0" i="0" u="none" strike="noStrike" dirty="0">
-                          <a:solidFill>
-                            <a:srgbClr val="000000"/>
-                          </a:solidFill>
-                          <a:effectLst/>
-                          <a:latin typeface="Courier New" panose="02070309020205020404" pitchFamily="49" charset="0"/>
-                        </a:rPr>
-                        <a:t>(</a:t>
-                      </a:r>
-                      <a:r>
-                        <a:rPr lang="en-GB" sz="1400" b="0" i="0" u="none" strike="noStrike" dirty="0" err="1">
-                          <a:solidFill>
-                            <a:srgbClr val="000000"/>
-                          </a:solidFill>
-                          <a:effectLst/>
-                          <a:latin typeface="Courier New" panose="02070309020205020404" pitchFamily="49" charset="0"/>
-                        </a:rPr>
-                        <a:t>input_size</a:t>
-                      </a:r>
-                      <a:r>
-                        <a:rPr lang="en-GB" sz="1400" b="0" i="0" u="none" strike="noStrike" dirty="0">
-                          <a:solidFill>
-                            <a:srgbClr val="000000"/>
-                          </a:solidFill>
-                          <a:effectLst/>
-                          <a:latin typeface="Courier New" panose="02070309020205020404" pitchFamily="49" charset="0"/>
-                        </a:rPr>
-                        <a:t>=</a:t>
-                      </a:r>
-                      <a:r>
-                        <a:rPr lang="en-GB" sz="1400" b="0" i="0" u="none" strike="noStrike" dirty="0">
-                          <a:solidFill>
-                            <a:srgbClr val="09885A"/>
-                          </a:solidFill>
-                          <a:effectLst/>
-                          <a:latin typeface="Courier New" panose="02070309020205020404" pitchFamily="49" charset="0"/>
-                        </a:rPr>
-                        <a:t>2</a:t>
-                      </a:r>
-                      <a:r>
-                        <a:rPr lang="en-GB" sz="1400" b="0" i="0" u="none" strike="noStrike" dirty="0">
-                          <a:solidFill>
-                            <a:srgbClr val="000000"/>
-                          </a:solidFill>
-                          <a:effectLst/>
-                          <a:latin typeface="Courier New" panose="02070309020205020404" pitchFamily="49" charset="0"/>
-                        </a:rPr>
-                        <a:t>, </a:t>
-                      </a:r>
-                    </a:p>
-                    <a:p>
-                      <a:pPr algn="l"/>
-                      <a:r>
-                        <a:rPr lang="en-GB" sz="1400" b="0" i="0" u="none" strike="noStrike" dirty="0">
-                          <a:solidFill>
-                            <a:srgbClr val="000000"/>
-                          </a:solidFill>
-                          <a:effectLst/>
-                          <a:latin typeface="Courier New" panose="02070309020205020404" pitchFamily="49" charset="0"/>
-                        </a:rPr>
-                        <a:t>                           </a:t>
-                      </a:r>
-                      <a:r>
-                        <a:rPr lang="en-GB" sz="1400" b="0" i="0" u="none" strike="noStrike" dirty="0" err="1">
-                          <a:solidFill>
-                            <a:srgbClr val="000000"/>
-                          </a:solidFill>
-                          <a:effectLst/>
-                          <a:latin typeface="Courier New" panose="02070309020205020404" pitchFamily="49" charset="0"/>
-                        </a:rPr>
-                        <a:t>hidden_size</a:t>
-                      </a:r>
-                      <a:r>
-                        <a:rPr lang="en-GB" sz="1400" b="0" i="0" u="none" strike="noStrike" dirty="0">
-                          <a:solidFill>
-                            <a:srgbClr val="000000"/>
-                          </a:solidFill>
-                          <a:effectLst/>
-                          <a:latin typeface="Courier New" panose="02070309020205020404" pitchFamily="49" charset="0"/>
-                        </a:rPr>
-                        <a:t>=</a:t>
-                      </a:r>
-                      <a:r>
-                        <a:rPr lang="en-GB" sz="1400" b="0" i="0" u="none" strike="noStrike" dirty="0">
-                          <a:solidFill>
-                            <a:srgbClr val="09885A"/>
-                          </a:solidFill>
-                          <a:effectLst/>
-                          <a:latin typeface="Courier New" panose="02070309020205020404" pitchFamily="49" charset="0"/>
-                        </a:rPr>
-                        <a:t>2</a:t>
-                      </a:r>
-                      <a:r>
-                        <a:rPr lang="en-GB" sz="1400" b="0" i="0" u="none" strike="noStrike" dirty="0">
-                          <a:solidFill>
-                            <a:srgbClr val="000000"/>
-                          </a:solidFill>
-                          <a:effectLst/>
-                          <a:latin typeface="Courier New" panose="02070309020205020404" pitchFamily="49" charset="0"/>
-                        </a:rPr>
-                        <a:t>, </a:t>
-                      </a:r>
-                    </a:p>
-                    <a:p>
-                      <a:pPr algn="l"/>
-                      <a:r>
-                        <a:rPr lang="en-GB" sz="1400" b="0" i="0" u="none" strike="noStrike" dirty="0">
-                          <a:solidFill>
-                            <a:srgbClr val="000000"/>
-                          </a:solidFill>
-                          <a:effectLst/>
-                          <a:latin typeface="Courier New" panose="02070309020205020404" pitchFamily="49" charset="0"/>
-                        </a:rPr>
-                        <a:t>                           </a:t>
-                      </a:r>
-                      <a:r>
-                        <a:rPr lang="en-GB" sz="1400" b="0" i="0" u="none" strike="noStrike" dirty="0" err="1">
-                          <a:solidFill>
-                            <a:srgbClr val="000000"/>
-                          </a:solidFill>
-                          <a:effectLst/>
-                          <a:latin typeface="Courier New" panose="02070309020205020404" pitchFamily="49" charset="0"/>
-                        </a:rPr>
-                        <a:t>num_hidden_layers</a:t>
-                      </a:r>
-                      <a:r>
-                        <a:rPr lang="en-GB" sz="1400" b="0" i="0" u="none" strike="noStrike" dirty="0">
-                          <a:solidFill>
-                            <a:srgbClr val="000000"/>
-                          </a:solidFill>
-                          <a:effectLst/>
-                          <a:latin typeface="Courier New" panose="02070309020205020404" pitchFamily="49" charset="0"/>
-                        </a:rPr>
-                        <a:t>=</a:t>
-                      </a:r>
-                      <a:r>
-                        <a:rPr lang="en-GB" sz="1400" b="0" i="0" u="none" strike="noStrike" dirty="0">
-                          <a:solidFill>
-                            <a:srgbClr val="09885A"/>
-                          </a:solidFill>
-                          <a:effectLst/>
-                          <a:latin typeface="Courier New" panose="02070309020205020404" pitchFamily="49" charset="0"/>
-                        </a:rPr>
-                        <a:t>1</a:t>
-                      </a:r>
-                      <a:r>
-                        <a:rPr lang="en-GB" sz="1400" b="0" i="0" u="none" strike="noStrike" dirty="0">
-                          <a:solidFill>
-                            <a:srgbClr val="000000"/>
-                          </a:solidFill>
-                          <a:effectLst/>
-                          <a:latin typeface="Courier New" panose="02070309020205020404" pitchFamily="49" charset="0"/>
-                        </a:rPr>
-                        <a:t>, </a:t>
-                      </a:r>
-                    </a:p>
-                    <a:p>
-                      <a:pPr algn="l"/>
-                      <a:r>
-                        <a:rPr lang="en-GB" sz="1400" b="0" i="0" u="none" strike="noStrike" dirty="0">
-                          <a:solidFill>
-                            <a:srgbClr val="000000"/>
-                          </a:solidFill>
-                          <a:effectLst/>
-                          <a:latin typeface="Courier New" panose="02070309020205020404" pitchFamily="49" charset="0"/>
-                        </a:rPr>
-                        <a:t>                           </a:t>
-                      </a:r>
-                      <a:r>
-                        <a:rPr lang="en-GB" sz="1400" b="0" i="0" u="none" strike="noStrike" dirty="0" err="1">
-                          <a:solidFill>
-                            <a:srgbClr val="000000"/>
-                          </a:solidFill>
-                          <a:effectLst/>
-                          <a:latin typeface="Courier New" panose="02070309020205020404" pitchFamily="49" charset="0"/>
-                        </a:rPr>
-                        <a:t>output_size</a:t>
-                      </a:r>
-                      <a:r>
-                        <a:rPr lang="en-GB" sz="1400" b="0" i="0" u="none" strike="noStrike" dirty="0">
-                          <a:solidFill>
-                            <a:srgbClr val="000000"/>
-                          </a:solidFill>
-                          <a:effectLst/>
-                          <a:latin typeface="Courier New" panose="02070309020205020404" pitchFamily="49" charset="0"/>
-                        </a:rPr>
-                        <a:t>=</a:t>
-                      </a:r>
-                      <a:r>
-                        <a:rPr lang="en-GB" sz="1400" b="0" i="0" u="none" strike="noStrike" dirty="0">
-                          <a:solidFill>
-                            <a:srgbClr val="09885A"/>
-                          </a:solidFill>
-                          <a:effectLst/>
-                          <a:latin typeface="Courier New" panose="02070309020205020404" pitchFamily="49" charset="0"/>
-                        </a:rPr>
-                        <a:t>2</a:t>
-                      </a:r>
-                      <a:r>
-                        <a:rPr lang="en-GB" sz="1400" b="0" i="0" u="none" strike="noStrike" dirty="0">
-                          <a:solidFill>
-                            <a:srgbClr val="000000"/>
-                          </a:solidFill>
-                          <a:effectLst/>
-                          <a:latin typeface="Courier New" panose="02070309020205020404" pitchFamily="49" charset="0"/>
-                        </a:rPr>
-                        <a:t>)</a:t>
-                      </a:r>
-                    </a:p>
-                    <a:p>
-                      <a:pPr algn="l"/>
-                      <a:r>
-                        <a:rPr lang="en-GB" sz="1400" b="0" i="0" u="none" strike="noStrike" dirty="0" err="1">
-                          <a:solidFill>
-                            <a:srgbClr val="000000"/>
-                          </a:solidFill>
-                          <a:effectLst/>
-                          <a:latin typeface="Courier New" panose="02070309020205020404" pitchFamily="49" charset="0"/>
-                        </a:rPr>
-                        <a:t>mlp</a:t>
-                      </a:r>
-                      <a:endParaRPr lang="en-GB" sz="1400" b="0" i="0" u="none" strike="noStrike" dirty="0">
-                        <a:solidFill>
-                          <a:srgbClr val="000000"/>
-                        </a:solidFill>
-                        <a:effectLst/>
-                        <a:latin typeface="Courier New" panose="02070309020205020404" pitchFamily="49" charset="0"/>
-                      </a:endParaRPr>
-                    </a:p>
-                  </a:txBody>
-                  <a:tcPr>
-                    <a:lnL w="9525" cap="flat" cmpd="sng" algn="ctr">
-                      <a:solidFill>
-                        <a:schemeClr val="accent1"/>
-                      </a:solidFill>
-                      <a:prstDash val="solid"/>
-                      <a:round/>
-                      <a:headEnd type="none" w="med" len="med"/>
-                      <a:tailEnd type="none" w="med" len="med"/>
-                    </a:lnL>
-                    <a:lnR w="9525" cap="flat" cmpd="sng" algn="ctr">
-                      <a:solidFill>
-                        <a:schemeClr val="accent1"/>
-                      </a:solidFill>
-                      <a:prstDash val="solid"/>
-                      <a:round/>
-                      <a:headEnd type="none" w="med" len="med"/>
-                      <a:tailEnd type="none" w="med" len="med"/>
-                    </a:lnR>
-                    <a:lnT w="12700" cap="flat" cmpd="sng" algn="ctr">
-                      <a:solidFill>
-                        <a:schemeClr val="accent1"/>
-                      </a:solidFill>
-                      <a:prstDash val="solid"/>
-                      <a:round/>
-                      <a:headEnd type="none" w="med" len="med"/>
-                      <a:tailEnd type="none" w="med" len="med"/>
-                    </a:lnT>
-                    <a:lnB w="12700" cap="flat" cmpd="sng" algn="ctr">
-                      <a:solidFill>
-                        <a:schemeClr val="accent1"/>
-                      </a:solidFill>
-                      <a:prstDash val="solid"/>
-                      <a:round/>
-                      <a:headEnd type="none" w="med" len="med"/>
-                      <a:tailEnd type="none" w="med" len="med"/>
-                    </a:lnB>
-                    <a:solidFill>
-                      <a:schemeClr val="bg1">
-                        <a:lumMod val="95000"/>
-                      </a:schemeClr>
-                    </a:solidFill>
-                  </a:tcPr>
-                </a:tc>
-                <a:extLst>
-                  <a:ext uri="{0D108BD9-81ED-4DB2-BD59-A6C34878D82A}">
-                    <a16:rowId xmlns:a16="http://schemas.microsoft.com/office/drawing/2014/main" val="2014089395"/>
-                  </a:ext>
-                </a:extLst>
-              </a:tr>
-              <a:tr h="202515">
-                <a:tc>
-                  <a:txBody>
-                    <a:bodyPr/>
-                    <a:lstStyle/>
-                    <a:p>
-                      <a:pPr marL="0" marR="0" indent="0" algn="l" defTabSz="914400" rtl="0" eaLnBrk="1" fontAlgn="auto" latinLnBrk="0" hangingPunct="1">
-                        <a:lnSpc>
-                          <a:spcPct val="100000"/>
-                        </a:lnSpc>
-                        <a:spcBef>
-                          <a:spcPts val="0"/>
-                        </a:spcBef>
-                        <a:spcAft>
-                          <a:spcPts val="0"/>
-                        </a:spcAft>
-                        <a:buClrTx/>
-                        <a:buSzTx/>
-                        <a:buFontTx/>
-                        <a:buNone/>
-                        <a:tabLst/>
-                        <a:defRPr/>
-                      </a:pPr>
-                      <a:r>
-                        <a:rPr lang="en-GB" sz="1400" b="0" i="0" u="none" strike="noStrike" dirty="0" err="1">
-                          <a:solidFill>
-                            <a:srgbClr val="000000"/>
-                          </a:solidFill>
-                          <a:effectLst/>
-                          <a:latin typeface="Courier New" panose="02070309020205020404" pitchFamily="49" charset="0"/>
-                        </a:rPr>
-                        <a:t>MultilayerPerceptron</a:t>
-                      </a:r>
-                      <a:r>
-                        <a:rPr lang="en-GB" sz="1400" b="0" i="0" u="none" strike="noStrike" dirty="0">
-                          <a:solidFill>
-                            <a:srgbClr val="000000"/>
-                          </a:solidFill>
-                          <a:effectLst/>
-                          <a:latin typeface="Courier New" panose="02070309020205020404" pitchFamily="49" charset="0"/>
-                        </a:rPr>
-                        <a:t>( </a:t>
-                      </a:r>
-                    </a:p>
-                    <a:p>
-                      <a:pPr marL="0" marR="0" indent="0" algn="l" defTabSz="914400" rtl="0" eaLnBrk="1" fontAlgn="auto" latinLnBrk="0" hangingPunct="1">
-                        <a:lnSpc>
-                          <a:spcPct val="100000"/>
-                        </a:lnSpc>
-                        <a:spcBef>
-                          <a:spcPts val="0"/>
-                        </a:spcBef>
-                        <a:spcAft>
-                          <a:spcPts val="0"/>
-                        </a:spcAft>
-                        <a:buClrTx/>
-                        <a:buSzTx/>
-                        <a:buFontTx/>
-                        <a:buNone/>
-                        <a:tabLst/>
-                        <a:defRPr/>
-                      </a:pPr>
-                      <a:r>
-                        <a:rPr lang="en-GB" sz="1400" b="0" i="0" u="none" strike="noStrike" dirty="0">
-                          <a:solidFill>
-                            <a:srgbClr val="000000"/>
-                          </a:solidFill>
-                          <a:effectLst/>
-                          <a:latin typeface="Courier New" panose="02070309020205020404" pitchFamily="49" charset="0"/>
-                        </a:rPr>
-                        <a:t>  (</a:t>
-                      </a:r>
-                      <a:r>
-                        <a:rPr lang="en-GB" sz="1400" b="0" i="0" u="none" strike="noStrike" dirty="0" err="1">
-                          <a:solidFill>
-                            <a:srgbClr val="000000"/>
-                          </a:solidFill>
-                          <a:effectLst/>
-                          <a:latin typeface="Courier New" panose="02070309020205020404" pitchFamily="49" charset="0"/>
-                        </a:rPr>
-                        <a:t>module_list</a:t>
-                      </a:r>
-                      <a:r>
-                        <a:rPr lang="en-GB" sz="1400" b="0" i="0" u="none" strike="noStrike" dirty="0">
-                          <a:solidFill>
-                            <a:srgbClr val="000000"/>
-                          </a:solidFill>
-                          <a:effectLst/>
-                          <a:latin typeface="Courier New" panose="02070309020205020404" pitchFamily="49" charset="0"/>
-                        </a:rPr>
-                        <a:t>): </a:t>
-                      </a:r>
-                      <a:r>
-                        <a:rPr lang="en-GB" sz="1400" b="0" i="0" u="none" strike="noStrike" dirty="0" err="1">
-                          <a:solidFill>
-                            <a:srgbClr val="000000"/>
-                          </a:solidFill>
-                          <a:effectLst/>
-                          <a:latin typeface="Courier New" panose="02070309020205020404" pitchFamily="49" charset="0"/>
-                        </a:rPr>
-                        <a:t>ModuleList</a:t>
-                      </a:r>
-                      <a:r>
-                        <a:rPr lang="en-GB" sz="1400" b="0" i="0" u="none" strike="noStrike" dirty="0">
-                          <a:solidFill>
-                            <a:srgbClr val="000000"/>
-                          </a:solidFill>
-                          <a:effectLst/>
-                          <a:latin typeface="Courier New" panose="02070309020205020404" pitchFamily="49" charset="0"/>
-                        </a:rPr>
-                        <a:t>( </a:t>
-                      </a:r>
-                    </a:p>
-                    <a:p>
-                      <a:pPr marL="0" marR="0" indent="0" algn="l" defTabSz="914400" rtl="0" eaLnBrk="1" fontAlgn="auto" latinLnBrk="0" hangingPunct="1">
-                        <a:lnSpc>
-                          <a:spcPct val="100000"/>
-                        </a:lnSpc>
-                        <a:spcBef>
-                          <a:spcPts val="0"/>
-                        </a:spcBef>
-                        <a:spcAft>
-                          <a:spcPts val="0"/>
-                        </a:spcAft>
-                        <a:buClrTx/>
-                        <a:buSzTx/>
-                        <a:buFontTx/>
-                        <a:buNone/>
-                        <a:tabLst/>
-                        <a:defRPr/>
-                      </a:pPr>
-                      <a:r>
-                        <a:rPr lang="en-GB" sz="1400" b="0" i="0" u="none" strike="noStrike" dirty="0">
-                          <a:solidFill>
-                            <a:srgbClr val="000000"/>
-                          </a:solidFill>
-                          <a:effectLst/>
-                          <a:latin typeface="Courier New" panose="02070309020205020404" pitchFamily="49" charset="0"/>
-                        </a:rPr>
-                        <a:t>      (0): Linear(</a:t>
-                      </a:r>
-                      <a:r>
-                        <a:rPr lang="en-GB" sz="1400" b="0" i="0" u="none" strike="noStrike" dirty="0" err="1">
-                          <a:solidFill>
-                            <a:srgbClr val="000000"/>
-                          </a:solidFill>
-                          <a:effectLst/>
-                          <a:latin typeface="Courier New" panose="02070309020205020404" pitchFamily="49" charset="0"/>
-                        </a:rPr>
-                        <a:t>in_features</a:t>
-                      </a:r>
-                      <a:r>
-                        <a:rPr lang="en-GB" sz="1400" b="0" i="0" u="none" strike="noStrike" dirty="0">
-                          <a:solidFill>
-                            <a:srgbClr val="000000"/>
-                          </a:solidFill>
-                          <a:effectLst/>
-                          <a:latin typeface="Courier New" panose="02070309020205020404" pitchFamily="49" charset="0"/>
-                        </a:rPr>
-                        <a:t>=2, </a:t>
-                      </a:r>
-                      <a:r>
-                        <a:rPr lang="en-GB" sz="1400" b="0" i="0" u="none" strike="noStrike" dirty="0" err="1">
-                          <a:solidFill>
-                            <a:srgbClr val="000000"/>
-                          </a:solidFill>
-                          <a:effectLst/>
-                          <a:latin typeface="Courier New" panose="02070309020205020404" pitchFamily="49" charset="0"/>
-                        </a:rPr>
-                        <a:t>out_features</a:t>
-                      </a:r>
-                      <a:r>
-                        <a:rPr lang="en-GB" sz="1400" b="0" i="0" u="none" strike="noStrike" dirty="0">
-                          <a:solidFill>
-                            <a:srgbClr val="000000"/>
-                          </a:solidFill>
-                          <a:effectLst/>
-                          <a:latin typeface="Courier New" panose="02070309020205020404" pitchFamily="49" charset="0"/>
-                        </a:rPr>
-                        <a:t>=2, bias=True) </a:t>
-                      </a:r>
-                    </a:p>
-                    <a:p>
-                      <a:pPr marL="0" marR="0" indent="0" algn="l" defTabSz="914400" rtl="0" eaLnBrk="1" fontAlgn="auto" latinLnBrk="0" hangingPunct="1">
-                        <a:lnSpc>
-                          <a:spcPct val="100000"/>
-                        </a:lnSpc>
-                        <a:spcBef>
-                          <a:spcPts val="0"/>
-                        </a:spcBef>
-                        <a:spcAft>
-                          <a:spcPts val="0"/>
-                        </a:spcAft>
-                        <a:buClrTx/>
-                        <a:buSzTx/>
-                        <a:buFontTx/>
-                        <a:buNone/>
-                        <a:tabLst/>
-                        <a:defRPr/>
-                      </a:pPr>
-                      <a:r>
-                        <a:rPr lang="en-GB" sz="1400" b="0" i="0" u="none" strike="noStrike" dirty="0">
-                          <a:solidFill>
-                            <a:srgbClr val="000000"/>
-                          </a:solidFill>
-                          <a:effectLst/>
-                          <a:latin typeface="Courier New" panose="02070309020205020404" pitchFamily="49" charset="0"/>
-                        </a:rPr>
-                        <a:t>      (1): Sigmoid() </a:t>
-                      </a:r>
-                    </a:p>
-                    <a:p>
-                      <a:pPr marL="0" marR="0" indent="0" algn="l" defTabSz="914400" rtl="0" eaLnBrk="1" fontAlgn="auto" latinLnBrk="0" hangingPunct="1">
-                        <a:lnSpc>
-                          <a:spcPct val="100000"/>
-                        </a:lnSpc>
-                        <a:spcBef>
-                          <a:spcPts val="0"/>
-                        </a:spcBef>
-                        <a:spcAft>
-                          <a:spcPts val="0"/>
-                        </a:spcAft>
-                        <a:buClrTx/>
-                        <a:buSzTx/>
-                        <a:buFontTx/>
-                        <a:buNone/>
-                        <a:tabLst/>
-                        <a:defRPr/>
-                      </a:pPr>
-                      <a:r>
-                        <a:rPr lang="en-GB" sz="1400" b="0" i="0" u="none" strike="noStrike" dirty="0">
-                          <a:solidFill>
-                            <a:srgbClr val="000000"/>
-                          </a:solidFill>
-                          <a:effectLst/>
-                          <a:latin typeface="Courier New" panose="02070309020205020404" pitchFamily="49" charset="0"/>
-                        </a:rPr>
-                        <a:t>  ) </a:t>
-                      </a:r>
-                    </a:p>
-                    <a:p>
-                      <a:pPr marL="0" marR="0" indent="0" algn="l" defTabSz="914400" rtl="0" eaLnBrk="1" fontAlgn="auto" latinLnBrk="0" hangingPunct="1">
-                        <a:lnSpc>
-                          <a:spcPct val="100000"/>
-                        </a:lnSpc>
-                        <a:spcBef>
-                          <a:spcPts val="0"/>
-                        </a:spcBef>
-                        <a:spcAft>
-                          <a:spcPts val="0"/>
-                        </a:spcAft>
-                        <a:buClrTx/>
-                        <a:buSzTx/>
-                        <a:buFontTx/>
-                        <a:buNone/>
-                        <a:tabLst/>
-                        <a:defRPr/>
-                      </a:pPr>
-                      <a:r>
-                        <a:rPr lang="en-GB" sz="1400" b="0" i="0" u="none" strike="noStrike" dirty="0">
-                          <a:solidFill>
-                            <a:srgbClr val="000000"/>
-                          </a:solidFill>
-                          <a:effectLst/>
-                          <a:latin typeface="Courier New" panose="02070309020205020404" pitchFamily="49" charset="0"/>
-                        </a:rPr>
-                        <a:t>  (</a:t>
-                      </a:r>
-                      <a:r>
-                        <a:rPr lang="en-GB" sz="1400" b="0" i="0" u="none" strike="noStrike" dirty="0" err="1">
-                          <a:solidFill>
-                            <a:srgbClr val="000000"/>
-                          </a:solidFill>
-                          <a:effectLst/>
-                          <a:latin typeface="Courier New" panose="02070309020205020404" pitchFamily="49" charset="0"/>
-                        </a:rPr>
-                        <a:t>fc_final</a:t>
-                      </a:r>
-                      <a:r>
-                        <a:rPr lang="en-GB" sz="1400" b="0" i="0" u="none" strike="noStrike" dirty="0">
-                          <a:solidFill>
-                            <a:srgbClr val="000000"/>
-                          </a:solidFill>
-                          <a:effectLst/>
-                          <a:latin typeface="Courier New" panose="02070309020205020404" pitchFamily="49" charset="0"/>
-                        </a:rPr>
-                        <a:t>): Linear(</a:t>
-                      </a:r>
-                      <a:r>
-                        <a:rPr lang="en-GB" sz="1400" b="0" i="0" u="none" strike="noStrike" dirty="0" err="1">
-                          <a:solidFill>
-                            <a:srgbClr val="000000"/>
-                          </a:solidFill>
-                          <a:effectLst/>
-                          <a:latin typeface="Courier New" panose="02070309020205020404" pitchFamily="49" charset="0"/>
-                        </a:rPr>
-                        <a:t>in_features</a:t>
-                      </a:r>
-                      <a:r>
-                        <a:rPr lang="en-GB" sz="1400" b="0" i="0" u="none" strike="noStrike" dirty="0">
-                          <a:solidFill>
-                            <a:srgbClr val="000000"/>
-                          </a:solidFill>
-                          <a:effectLst/>
-                          <a:latin typeface="Courier New" panose="02070309020205020404" pitchFamily="49" charset="0"/>
-                        </a:rPr>
-                        <a:t>=2, </a:t>
-                      </a:r>
-                      <a:r>
-                        <a:rPr lang="en-GB" sz="1400" b="0" i="0" u="none" strike="noStrike" dirty="0" err="1">
-                          <a:solidFill>
-                            <a:srgbClr val="000000"/>
-                          </a:solidFill>
-                          <a:effectLst/>
-                          <a:latin typeface="Courier New" panose="02070309020205020404" pitchFamily="49" charset="0"/>
-                        </a:rPr>
-                        <a:t>out_features</a:t>
-                      </a:r>
-                      <a:r>
-                        <a:rPr lang="en-GB" sz="1400" b="0" i="0" u="none" strike="noStrike" dirty="0">
-                          <a:solidFill>
-                            <a:srgbClr val="000000"/>
-                          </a:solidFill>
-                          <a:effectLst/>
-                          <a:latin typeface="Courier New" panose="02070309020205020404" pitchFamily="49" charset="0"/>
-                        </a:rPr>
-                        <a:t>=2, bias=True) </a:t>
-                      </a:r>
-                    </a:p>
-                    <a:p>
-                      <a:pPr marL="0" marR="0" indent="0" algn="l" defTabSz="914400" rtl="0" eaLnBrk="1" fontAlgn="auto" latinLnBrk="0" hangingPunct="1">
-                        <a:lnSpc>
-                          <a:spcPct val="100000"/>
-                        </a:lnSpc>
-                        <a:spcBef>
-                          <a:spcPts val="0"/>
-                        </a:spcBef>
-                        <a:spcAft>
-                          <a:spcPts val="0"/>
-                        </a:spcAft>
-                        <a:buClrTx/>
-                        <a:buSzTx/>
-                        <a:buFontTx/>
-                        <a:buNone/>
-                        <a:tabLst/>
-                        <a:defRPr/>
-                      </a:pPr>
-                      <a:r>
-                        <a:rPr lang="en-GB" sz="1400" b="0" i="0" u="none" strike="noStrike" dirty="0">
-                          <a:solidFill>
-                            <a:srgbClr val="000000"/>
-                          </a:solidFill>
-                          <a:effectLst/>
-                          <a:latin typeface="Courier New" panose="02070309020205020404" pitchFamily="49" charset="0"/>
-                        </a:rPr>
-                        <a:t>)</a:t>
-                      </a:r>
-                    </a:p>
-                  </a:txBody>
-                  <a:tcPr>
-                    <a:lnL w="9525" cap="flat" cmpd="sng" algn="ctr">
-                      <a:solidFill>
-                        <a:schemeClr val="accent1"/>
-                      </a:solidFill>
-                      <a:prstDash val="solid"/>
-                      <a:round/>
-                      <a:headEnd type="none" w="med" len="med"/>
-                      <a:tailEnd type="none" w="med" len="med"/>
-                    </a:lnL>
-                    <a:lnR w="9525" cap="flat" cmpd="sng" algn="ctr">
-                      <a:solidFill>
-                        <a:schemeClr val="accent1"/>
-                      </a:solidFill>
-                      <a:prstDash val="solid"/>
-                      <a:round/>
-                      <a:headEnd type="none" w="med" len="med"/>
-                      <a:tailEnd type="none" w="med" len="med"/>
-                    </a:lnR>
-                    <a:lnT w="12700" cap="flat" cmpd="sng" algn="ctr">
-                      <a:solidFill>
-                        <a:schemeClr val="accent1"/>
-                      </a:solidFill>
-                      <a:prstDash val="solid"/>
-                      <a:round/>
-                      <a:headEnd type="none" w="med" len="med"/>
-                      <a:tailEnd type="none" w="med" len="med"/>
-                    </a:lnT>
-                    <a:lnB w="9525" cap="flat" cmpd="sng" algn="ctr">
-                      <a:solidFill>
-                        <a:schemeClr val="accent1"/>
-                      </a:solidFill>
-                      <a:prstDash val="solid"/>
-                      <a:round/>
-                      <a:headEnd type="none" w="med" len="med"/>
-                      <a:tailEnd type="none" w="med" len="med"/>
-                    </a:lnB>
-                    <a:noFill/>
-                  </a:tcPr>
-                </a:tc>
-                <a:extLst>
-                  <a:ext uri="{0D108BD9-81ED-4DB2-BD59-A6C34878D82A}">
-                    <a16:rowId xmlns:a16="http://schemas.microsoft.com/office/drawing/2014/main" val="2029310397"/>
-                  </a:ext>
-                </a:extLst>
-              </a:tr>
-            </a:tbl>
-          </a:graphicData>
-        </a:graphic>
-      </p:graphicFrame>
-    </p:spTree>
-    <p:extLst>
-      <p:ext uri="{BB962C8B-B14F-4D97-AF65-F5344CB8AC3E}">
-        <p14:creationId xmlns:p14="http://schemas.microsoft.com/office/powerpoint/2010/main" val="2740371495"/>
+        <p14:creationId xmlns:p14="http://schemas.microsoft.com/office/powerpoint/2010/main" val="1827770005"/>
       </p:ext>
     </p:extLst>
   </p:cSld>
@@ -41580,8 +38247,8 @@
           </a:p>
         </p:txBody>
       </p:sp>
-      <mc:AlternateContent xmlns:mc="http://schemas.openxmlformats.org/markup-compatibility/2006">
-        <mc:Choice xmlns:a14="http://schemas.microsoft.com/office/drawing/2010/main" Requires="a14">
+      <mc:AlternateContent xmlns:mc="http://schemas.openxmlformats.org/markup-compatibility/2006" xmlns:a14="http://schemas.microsoft.com/office/drawing/2010/main">
+        <mc:Choice Requires="a14">
           <p:sp>
             <p:nvSpPr>
               <p:cNvPr id="6" name="TextBox 5">
@@ -41885,7 +38552,7 @@
             </p:txBody>
           </p:sp>
         </mc:Choice>
-        <mc:Fallback>
+        <mc:Fallback xmlns="">
           <p:sp>
             <p:nvSpPr>
               <p:cNvPr id="6" name="TextBox 5">
@@ -41930,8 +38597,8 @@
           </p:sp>
         </mc:Fallback>
       </mc:AlternateContent>
-      <mc:AlternateContent xmlns:mc="http://schemas.openxmlformats.org/markup-compatibility/2006">
-        <mc:Choice xmlns:a14="http://schemas.microsoft.com/office/drawing/2010/main" Requires="a14">
+      <mc:AlternateContent xmlns:mc="http://schemas.openxmlformats.org/markup-compatibility/2006" xmlns:a14="http://schemas.microsoft.com/office/drawing/2010/main">
+        <mc:Choice Requires="a14">
           <p:sp>
             <p:nvSpPr>
               <p:cNvPr id="8" name="TextBox 7">
@@ -42159,7 +38826,7 @@
             </p:txBody>
           </p:sp>
         </mc:Choice>
-        <mc:Fallback>
+        <mc:Fallback xmlns="">
           <p:sp>
             <p:nvSpPr>
               <p:cNvPr id="8" name="TextBox 7">
@@ -42204,8 +38871,8 @@
           </p:sp>
         </mc:Fallback>
       </mc:AlternateContent>
-      <mc:AlternateContent xmlns:mc="http://schemas.openxmlformats.org/markup-compatibility/2006">
-        <mc:Choice xmlns:a14="http://schemas.microsoft.com/office/drawing/2010/main" Requires="a14">
+      <mc:AlternateContent xmlns:mc="http://schemas.openxmlformats.org/markup-compatibility/2006" xmlns:a14="http://schemas.microsoft.com/office/drawing/2010/main">
+        <mc:Choice Requires="a14">
           <p:sp>
             <p:nvSpPr>
               <p:cNvPr id="9" name="TextBox 8">
@@ -42433,7 +39100,7 @@
             </p:txBody>
           </p:sp>
         </mc:Choice>
-        <mc:Fallback>
+        <mc:Fallback xmlns="">
           <p:sp>
             <p:nvSpPr>
               <p:cNvPr id="9" name="TextBox 8">
@@ -44706,8 +41373,8 @@
           </a:graphicData>
         </a:graphic>
       </p:graphicFrame>
-      <mc:AlternateContent xmlns:mc="http://schemas.openxmlformats.org/markup-compatibility/2006">
-        <mc:Choice xmlns:a14="http://schemas.microsoft.com/office/drawing/2010/main" Requires="a14">
+      <mc:AlternateContent xmlns:mc="http://schemas.openxmlformats.org/markup-compatibility/2006" xmlns:a14="http://schemas.microsoft.com/office/drawing/2010/main">
+        <mc:Choice Requires="a14">
           <p:sp>
             <p:nvSpPr>
               <p:cNvPr id="4" name="TextBox 3">
@@ -44843,13 +41510,7 @@
                             <a:rPr lang="hr-HR" i="1" dirty="0">
                               <a:latin typeface="Cambria Math" panose="02040503050406030204" pitchFamily="18" charset="0"/>
                             </a:rPr>
-                            <m:t>+</m:t>
-                          </m:r>
-                          <m:r>
-                            <a:rPr lang="hr-HR" i="1" dirty="0">
-                              <a:latin typeface="Cambria Math" panose="02040503050406030204" pitchFamily="18" charset="0"/>
-                            </a:rPr>
-                            <m:t>2</m:t>
+                            <m:t>+2</m:t>
                           </m:r>
                           <m:r>
                             <a:rPr lang="hr-HR" i="1" dirty="0">
@@ -44969,13 +41630,7 @@
                             <a:rPr lang="hr-HR" b="0" i="1" dirty="0" smtClean="0">
                               <a:latin typeface="Cambria Math" panose="02040503050406030204" pitchFamily="18" charset="0"/>
                             </a:rPr>
-                            <m:t>6−3+</m:t>
-                          </m:r>
-                          <m:r>
-                            <a:rPr lang="hr-HR" b="0" i="1" dirty="0" smtClean="0">
-                              <a:latin typeface="Cambria Math" panose="02040503050406030204" pitchFamily="18" charset="0"/>
-                            </a:rPr>
-                            <m:t>0−0</m:t>
+                            <m:t>6−3+0−0</m:t>
                           </m:r>
                         </m:num>
                         <m:den>
@@ -45001,7 +41656,7 @@
             </p:txBody>
           </p:sp>
         </mc:Choice>
-        <mc:Fallback>
+        <mc:Fallback xmlns="">
           <p:sp>
             <p:nvSpPr>
               <p:cNvPr id="4" name="TextBox 3">
@@ -45046,8 +41701,8 @@
           </p:sp>
         </mc:Fallback>
       </mc:AlternateContent>
-      <mc:AlternateContent xmlns:mc="http://schemas.openxmlformats.org/markup-compatibility/2006">
-        <mc:Choice xmlns:a14="http://schemas.microsoft.com/office/drawing/2010/main" Requires="a14">
+      <mc:AlternateContent xmlns:mc="http://schemas.openxmlformats.org/markup-compatibility/2006" xmlns:a14="http://schemas.microsoft.com/office/drawing/2010/main">
+        <mc:Choice Requires="a14">
           <p:sp>
             <p:nvSpPr>
               <p:cNvPr id="5" name="TextBox 4">
@@ -45183,13 +41838,7 @@
                             <a:rPr lang="hr-HR" i="1" dirty="0">
                               <a:latin typeface="Cambria Math" panose="02040503050406030204" pitchFamily="18" charset="0"/>
                             </a:rPr>
-                            <m:t>+</m:t>
-                          </m:r>
-                          <m:r>
-                            <a:rPr lang="hr-HR" i="1" dirty="0">
-                              <a:latin typeface="Cambria Math" panose="02040503050406030204" pitchFamily="18" charset="0"/>
-                            </a:rPr>
-                            <m:t>2</m:t>
+                            <m:t>+2</m:t>
                           </m:r>
                           <m:r>
                             <a:rPr lang="hr-HR" i="1" dirty="0">
@@ -45281,13 +41930,7 @@
                             <a:rPr lang="hr-HR" b="0" i="1" dirty="0" smtClean="0">
                               <a:latin typeface="Cambria Math" panose="02040503050406030204" pitchFamily="18" charset="0"/>
                             </a:rPr>
-                            <m:t>6−3+</m:t>
-                          </m:r>
-                          <m:r>
-                            <a:rPr lang="hr-HR" b="0" i="1" dirty="0" smtClean="0">
-                              <a:latin typeface="Cambria Math" panose="02040503050406030204" pitchFamily="18" charset="0"/>
-                            </a:rPr>
-                            <m:t>0−0</m:t>
+                            <m:t>6−3+0−0</m:t>
                           </m:r>
                         </m:num>
                         <m:den>
@@ -45313,7 +41956,7 @@
             </p:txBody>
           </p:sp>
         </mc:Choice>
-        <mc:Fallback>
+        <mc:Fallback xmlns="">
           <p:sp>
             <p:nvSpPr>
               <p:cNvPr id="5" name="TextBox 4">

--- a/slides/nlp p03 feed forward networks/nlp p03.4 convolutional neural network.pptx
+++ b/slides/nlp p03 feed forward networks/nlp p03.4 convolutional neural network.pptx
@@ -238,7 +238,7 @@
             <a:fld id="{C9C2CC2B-07F5-486B-80F8-D7AC8876AF81}" type="datetimeFigureOut">
               <a:rPr lang="sr-Latn-CS" smtClean="0"/>
               <a:pPr/>
-              <a:t>7.11.22.</a:t>
+              <a:t>9.11.22.</a:t>
             </a:fld>
             <a:endParaRPr lang="hr-HR" dirty="0"/>
           </a:p>
@@ -1369,7 +1369,7 @@
             <a:fld id="{DA765C48-E28F-491B-A6FC-AD0BFE4ABDB2}" type="datetimeFigureOut">
               <a:rPr lang="sr-Latn-CS" smtClean="0"/>
               <a:pPr/>
-              <a:t>7.11.22.</a:t>
+              <a:t>9.11.22.</a:t>
             </a:fld>
             <a:endParaRPr lang="hr-HR" dirty="0"/>
           </a:p>
@@ -1540,7 +1540,7 @@
             <a:fld id="{DA765C48-E28F-491B-A6FC-AD0BFE4ABDB2}" type="datetimeFigureOut">
               <a:rPr lang="sr-Latn-CS" smtClean="0"/>
               <a:pPr/>
-              <a:t>7.11.22.</a:t>
+              <a:t>9.11.22.</a:t>
             </a:fld>
             <a:endParaRPr lang="hr-HR" dirty="0"/>
           </a:p>
@@ -1717,7 +1717,7 @@
             <a:fld id="{DA765C48-E28F-491B-A6FC-AD0BFE4ABDB2}" type="datetimeFigureOut">
               <a:rPr lang="sr-Latn-CS" smtClean="0"/>
               <a:pPr/>
-              <a:t>7.11.22.</a:t>
+              <a:t>9.11.22.</a:t>
             </a:fld>
             <a:endParaRPr lang="hr-HR" dirty="0"/>
           </a:p>
@@ -1888,7 +1888,7 @@
             <a:fld id="{DA765C48-E28F-491B-A6FC-AD0BFE4ABDB2}" type="datetimeFigureOut">
               <a:rPr lang="sr-Latn-CS" smtClean="0"/>
               <a:pPr/>
-              <a:t>7.11.22.</a:t>
+              <a:t>9.11.22.</a:t>
             </a:fld>
             <a:endParaRPr lang="hr-HR" dirty="0"/>
           </a:p>
@@ -2129,7 +2129,7 @@
             <a:fld id="{DA765C48-E28F-491B-A6FC-AD0BFE4ABDB2}" type="datetimeFigureOut">
               <a:rPr lang="sr-Latn-CS" smtClean="0"/>
               <a:pPr/>
-              <a:t>7.11.22.</a:t>
+              <a:t>9.11.22.</a:t>
             </a:fld>
             <a:endParaRPr lang="hr-HR" dirty="0"/>
           </a:p>
@@ -2418,7 +2418,7 @@
             <a:fld id="{DA765C48-E28F-491B-A6FC-AD0BFE4ABDB2}" type="datetimeFigureOut">
               <a:rPr lang="sr-Latn-CS" smtClean="0"/>
               <a:pPr/>
-              <a:t>7.11.22.</a:t>
+              <a:t>9.11.22.</a:t>
             </a:fld>
             <a:endParaRPr lang="hr-HR" dirty="0"/>
           </a:p>
@@ -2837,7 +2837,7 @@
             <a:fld id="{DA765C48-E28F-491B-A6FC-AD0BFE4ABDB2}" type="datetimeFigureOut">
               <a:rPr lang="sr-Latn-CS" smtClean="0"/>
               <a:pPr/>
-              <a:t>7.11.22.</a:t>
+              <a:t>9.11.22.</a:t>
             </a:fld>
             <a:endParaRPr lang="hr-HR" dirty="0"/>
           </a:p>
@@ -2956,7 +2956,7 @@
             <a:fld id="{DA765C48-E28F-491B-A6FC-AD0BFE4ABDB2}" type="datetimeFigureOut">
               <a:rPr lang="sr-Latn-CS" smtClean="0"/>
               <a:pPr/>
-              <a:t>7.11.22.</a:t>
+              <a:t>9.11.22.</a:t>
             </a:fld>
             <a:endParaRPr lang="hr-HR" dirty="0"/>
           </a:p>
@@ -3048,7 +3048,7 @@
             <a:fld id="{DA765C48-E28F-491B-A6FC-AD0BFE4ABDB2}" type="datetimeFigureOut">
               <a:rPr lang="sr-Latn-CS" smtClean="0"/>
               <a:pPr/>
-              <a:t>7.11.22.</a:t>
+              <a:t>9.11.22.</a:t>
             </a:fld>
             <a:endParaRPr lang="hr-HR" dirty="0"/>
           </a:p>
@@ -3322,7 +3322,7 @@
             <a:fld id="{DA765C48-E28F-491B-A6FC-AD0BFE4ABDB2}" type="datetimeFigureOut">
               <a:rPr lang="sr-Latn-CS" smtClean="0"/>
               <a:pPr/>
-              <a:t>7.11.22.</a:t>
+              <a:t>9.11.22.</a:t>
             </a:fld>
             <a:endParaRPr lang="hr-HR" dirty="0"/>
           </a:p>
@@ -3576,7 +3576,7 @@
             <a:fld id="{DA765C48-E28F-491B-A6FC-AD0BFE4ABDB2}" type="datetimeFigureOut">
               <a:rPr lang="sr-Latn-CS" smtClean="0"/>
               <a:pPr/>
-              <a:t>7.11.22.</a:t>
+              <a:t>9.11.22.</a:t>
             </a:fld>
             <a:endParaRPr lang="hr-HR" dirty="0"/>
           </a:p>
@@ -3794,7 +3794,7 @@
             <a:fld id="{DA765C48-E28F-491B-A6FC-AD0BFE4ABDB2}" type="datetimeFigureOut">
               <a:rPr lang="sr-Latn-CS" smtClean="0"/>
               <a:pPr/>
-              <a:t>7.11.22.</a:t>
+              <a:t>9.11.22.</a:t>
             </a:fld>
             <a:endParaRPr lang="hr-HR" dirty="0"/>
           </a:p>
@@ -37613,19 +37613,229 @@
             </a:r>
             <a:r>
               <a:rPr lang="en-US" dirty="0"/>
-              <a:t> module. Example shows how to instantiate and use </a:t>
-            </a:r>
-            <a:r>
-              <a:rPr lang="en-US" dirty="0" err="1"/>
-              <a:t>BatchNorm</a:t>
-            </a:r>
-            <a:r>
-              <a:rPr lang="en-US" dirty="0"/>
-              <a:t> with convolution and Linear layers.</a:t>
+              <a:t> module.</a:t>
             </a:r>
           </a:p>
         </p:txBody>
       </p:sp>
+      <mc:AlternateContent xmlns:mc="http://schemas.openxmlformats.org/markup-compatibility/2006">
+        <mc:Choice xmlns:a14="http://schemas.microsoft.com/office/drawing/2010/main" Requires="a14">
+          <p:sp>
+            <p:nvSpPr>
+              <p:cNvPr id="4" name="TextBox 3">
+                <a:extLst>
+                  <a:ext uri="{FF2B5EF4-FFF2-40B4-BE49-F238E27FC236}">
+                    <a16:creationId xmlns:a16="http://schemas.microsoft.com/office/drawing/2014/main" id="{B2EA1116-2CBB-A024-904D-4BC872E63493}"/>
+                  </a:ext>
+                </a:extLst>
+              </p:cNvPr>
+              <p:cNvSpPr txBox="1"/>
+              <p:nvPr/>
+            </p:nvSpPr>
+            <p:spPr>
+              <a:xfrm>
+                <a:off x="2771800" y="4869160"/>
+                <a:ext cx="2592288" cy="938783"/>
+              </a:xfrm>
+              <a:prstGeom prst="rect">
+                <a:avLst/>
+              </a:prstGeom>
+              <a:noFill/>
+            </p:spPr>
+            <p:txBody>
+              <a:bodyPr wrap="square" rtlCol="0">
+                <a:spAutoFit/>
+              </a:bodyPr>
+              <a:lstStyle/>
+              <a:p>
+                <a14:m>
+                  <m:oMathPara xmlns:m="http://schemas.openxmlformats.org/officeDocument/2006/math">
+                    <m:oMathParaPr>
+                      <m:jc m:val="centerGroup"/>
+                    </m:oMathParaPr>
+                    <m:oMath xmlns:m="http://schemas.openxmlformats.org/officeDocument/2006/math">
+                      <m:f>
+                        <m:fPr>
+                          <m:ctrlPr>
+                            <a:rPr lang="hr-HR" sz="2400" b="0" i="1" smtClean="0">
+                              <a:latin typeface="Cambria Math" panose="02040503050406030204" pitchFamily="18" charset="0"/>
+                              <a:ea typeface="Cambria Math" panose="02040503050406030204" pitchFamily="18" charset="0"/>
+                            </a:rPr>
+                          </m:ctrlPr>
+                        </m:fPr>
+                        <m:num>
+                          <m:r>
+                            <a:rPr lang="hr-HR" sz="2400" b="0" i="1" smtClean="0">
+                              <a:latin typeface="Cambria Math" panose="02040503050406030204" pitchFamily="18" charset="0"/>
+                            </a:rPr>
+                            <m:t>𝑋</m:t>
+                          </m:r>
+                          <m:r>
+                            <a:rPr lang="hr-HR" sz="2400" i="1">
+                              <a:latin typeface="Cambria Math" panose="02040503050406030204" pitchFamily="18" charset="0"/>
+                            </a:rPr>
+                            <m:t>−</m:t>
+                          </m:r>
+                          <m:sSub>
+                            <m:sSubPr>
+                              <m:ctrlPr>
+                                <a:rPr lang="hr-HR" sz="2400" b="0" i="1" smtClean="0">
+                                  <a:latin typeface="Cambria Math" panose="02040503050406030204" pitchFamily="18" charset="0"/>
+                                  <a:ea typeface="Cambria Math" panose="02040503050406030204" pitchFamily="18" charset="0"/>
+                                </a:rPr>
+                              </m:ctrlPr>
+                            </m:sSubPr>
+                            <m:e>
+                              <m:r>
+                                <a:rPr lang="hr-HR" sz="2400" b="0" i="1" smtClean="0">
+                                  <a:latin typeface="Cambria Math" panose="02040503050406030204" pitchFamily="18" charset="0"/>
+                                  <a:ea typeface="Cambria Math" panose="02040503050406030204" pitchFamily="18" charset="0"/>
+                                </a:rPr>
+                                <m:t>𝜇</m:t>
+                              </m:r>
+                            </m:e>
+                            <m:sub>
+                              <m:r>
+                                <a:rPr lang="hr-HR" sz="2400" b="0" i="1" smtClean="0">
+                                  <a:latin typeface="Cambria Math" panose="02040503050406030204" pitchFamily="18" charset="0"/>
+                                  <a:ea typeface="Cambria Math" panose="02040503050406030204" pitchFamily="18" charset="0"/>
+                                </a:rPr>
+                                <m:t>𝑋</m:t>
+                              </m:r>
+                            </m:sub>
+                          </m:sSub>
+                        </m:num>
+                        <m:den>
+                          <m:rad>
+                            <m:radPr>
+                              <m:degHide m:val="on"/>
+                              <m:ctrlPr>
+                                <a:rPr lang="hr-HR" sz="2400" b="0" i="1" smtClean="0">
+                                  <a:latin typeface="Cambria Math" panose="02040503050406030204" pitchFamily="18" charset="0"/>
+                                  <a:ea typeface="Cambria Math" panose="02040503050406030204" pitchFamily="18" charset="0"/>
+                                </a:rPr>
+                              </m:ctrlPr>
+                            </m:radPr>
+                            <m:deg/>
+                            <m:e>
+                              <m:r>
+                                <a:rPr lang="hr-HR" sz="2400" b="0" i="1" smtClean="0">
+                                  <a:latin typeface="Cambria Math" panose="02040503050406030204" pitchFamily="18" charset="0"/>
+                                  <a:ea typeface="Cambria Math" panose="02040503050406030204" pitchFamily="18" charset="0"/>
+                                </a:rPr>
+                                <m:t>𝑉</m:t>
+                              </m:r>
+                              <m:d>
+                                <m:dPr>
+                                  <m:ctrlPr>
+                                    <a:rPr lang="hr-HR" sz="2400" b="0" i="1" smtClean="0">
+                                      <a:latin typeface="Cambria Math" panose="02040503050406030204" pitchFamily="18" charset="0"/>
+                                      <a:ea typeface="Cambria Math" panose="02040503050406030204" pitchFamily="18" charset="0"/>
+                                    </a:rPr>
+                                  </m:ctrlPr>
+                                </m:dPr>
+                                <m:e>
+                                  <m:r>
+                                    <a:rPr lang="hr-HR" sz="2400" b="0" i="1" smtClean="0">
+                                      <a:latin typeface="Cambria Math" panose="02040503050406030204" pitchFamily="18" charset="0"/>
+                                      <a:ea typeface="Cambria Math" panose="02040503050406030204" pitchFamily="18" charset="0"/>
+                                    </a:rPr>
+                                    <m:t>𝑋</m:t>
+                                  </m:r>
+                                </m:e>
+                              </m:d>
+                              <m:r>
+                                <a:rPr lang="hr-HR" sz="2400" b="0" i="1" smtClean="0">
+                                  <a:latin typeface="Cambria Math" panose="02040503050406030204" pitchFamily="18" charset="0"/>
+                                  <a:ea typeface="Cambria Math" panose="02040503050406030204" pitchFamily="18" charset="0"/>
+                                </a:rPr>
+                                <m:t>+</m:t>
+                              </m:r>
+                              <m:r>
+                                <a:rPr lang="hr-HR" sz="2400" b="0" i="1" smtClean="0">
+                                  <a:latin typeface="Cambria Math" panose="02040503050406030204" pitchFamily="18" charset="0"/>
+                                  <a:ea typeface="Cambria Math" panose="02040503050406030204" pitchFamily="18" charset="0"/>
+                                </a:rPr>
+                                <m:t>𝜀</m:t>
+                              </m:r>
+                            </m:e>
+                          </m:rad>
+                        </m:den>
+                      </m:f>
+                      <m:r>
+                        <a:rPr lang="hr-HR" sz="2400" i="1">
+                          <a:latin typeface="Cambria Math" panose="02040503050406030204" pitchFamily="18" charset="0"/>
+                          <a:ea typeface="Cambria Math" panose="02040503050406030204" pitchFamily="18" charset="0"/>
+                        </a:rPr>
+                        <m:t>𝛾</m:t>
+                      </m:r>
+                      <m:r>
+                        <a:rPr lang="hr-HR" sz="2400" b="0" i="1" smtClean="0">
+                          <a:latin typeface="Cambria Math" panose="02040503050406030204" pitchFamily="18" charset="0"/>
+                          <a:ea typeface="Cambria Math" panose="02040503050406030204" pitchFamily="18" charset="0"/>
+                        </a:rPr>
+                        <m:t>+</m:t>
+                      </m:r>
+                      <m:r>
+                        <a:rPr lang="hr-HR" sz="2400" i="1">
+                          <a:latin typeface="Cambria Math" panose="02040503050406030204" pitchFamily="18" charset="0"/>
+                          <a:ea typeface="Cambria Math" panose="02040503050406030204" pitchFamily="18" charset="0"/>
+                        </a:rPr>
+                        <m:t>𝛽</m:t>
+                      </m:r>
+                    </m:oMath>
+                  </m:oMathPara>
+                </a14:m>
+                <a:endParaRPr lang="en-HR" sz="2400" dirty="0"/>
+              </a:p>
+            </p:txBody>
+          </p:sp>
+        </mc:Choice>
+        <mc:Fallback>
+          <p:sp>
+            <p:nvSpPr>
+              <p:cNvPr id="4" name="TextBox 3">
+                <a:extLst>
+                  <a:ext uri="{FF2B5EF4-FFF2-40B4-BE49-F238E27FC236}">
+                    <a16:creationId xmlns:a16="http://schemas.microsoft.com/office/drawing/2014/main" id="{B2EA1116-2CBB-A024-904D-4BC872E63493}"/>
+                  </a:ext>
+                </a:extLst>
+              </p:cNvPr>
+              <p:cNvSpPr txBox="1">
+                <a:spLocks noRot="1" noChangeAspect="1" noMove="1" noResize="1" noEditPoints="1" noAdjustHandles="1" noChangeArrowheads="1" noChangeShapeType="1" noTextEdit="1"/>
+              </p:cNvSpPr>
+              <p:nvPr/>
+            </p:nvSpPr>
+            <p:spPr>
+              <a:xfrm>
+                <a:off x="2771800" y="4869160"/>
+                <a:ext cx="2592288" cy="938783"/>
+              </a:xfrm>
+              <a:prstGeom prst="rect">
+                <a:avLst/>
+              </a:prstGeom>
+              <a:blipFill>
+                <a:blip r:embed="rId3"/>
+                <a:stretch>
+                  <a:fillRect/>
+                </a:stretch>
+              </a:blipFill>
+            </p:spPr>
+            <p:txBody>
+              <a:bodyPr/>
+              <a:lstStyle/>
+              <a:p>
+                <a:r>
+                  <a:rPr lang="en-HR">
+                    <a:noFill/>
+                  </a:rPr>
+                  <a:t> </a:t>
+                </a:r>
+              </a:p>
+            </p:txBody>
+          </p:sp>
+        </mc:Fallback>
+      </mc:AlternateContent>
     </p:spTree>
     <p:extLst>
       <p:ext uri="{BB962C8B-B14F-4D97-AF65-F5344CB8AC3E}">

--- a/slides/nlp p03 feed forward networks/nlp p03.4 convolutional neural network.pptx
+++ b/slides/nlp p03 feed forward networks/nlp p03.4 convolutional neural network.pptx
@@ -238,7 +238,7 @@
             <a:fld id="{C9C2CC2B-07F5-486B-80F8-D7AC8876AF81}" type="datetimeFigureOut">
               <a:rPr lang="sr-Latn-CS" smtClean="0"/>
               <a:pPr/>
-              <a:t>9.11.22.</a:t>
+              <a:t>10.11.22.</a:t>
             </a:fld>
             <a:endParaRPr lang="hr-HR" dirty="0"/>
           </a:p>
@@ -1369,7 +1369,7 @@
             <a:fld id="{DA765C48-E28F-491B-A6FC-AD0BFE4ABDB2}" type="datetimeFigureOut">
               <a:rPr lang="sr-Latn-CS" smtClean="0"/>
               <a:pPr/>
-              <a:t>9.11.22.</a:t>
+              <a:t>10.11.22.</a:t>
             </a:fld>
             <a:endParaRPr lang="hr-HR" dirty="0"/>
           </a:p>
@@ -1540,7 +1540,7 @@
             <a:fld id="{DA765C48-E28F-491B-A6FC-AD0BFE4ABDB2}" type="datetimeFigureOut">
               <a:rPr lang="sr-Latn-CS" smtClean="0"/>
               <a:pPr/>
-              <a:t>9.11.22.</a:t>
+              <a:t>10.11.22.</a:t>
             </a:fld>
             <a:endParaRPr lang="hr-HR" dirty="0"/>
           </a:p>
@@ -1717,7 +1717,7 @@
             <a:fld id="{DA765C48-E28F-491B-A6FC-AD0BFE4ABDB2}" type="datetimeFigureOut">
               <a:rPr lang="sr-Latn-CS" smtClean="0"/>
               <a:pPr/>
-              <a:t>9.11.22.</a:t>
+              <a:t>10.11.22.</a:t>
             </a:fld>
             <a:endParaRPr lang="hr-HR" dirty="0"/>
           </a:p>
@@ -1888,7 +1888,7 @@
             <a:fld id="{DA765C48-E28F-491B-A6FC-AD0BFE4ABDB2}" type="datetimeFigureOut">
               <a:rPr lang="sr-Latn-CS" smtClean="0"/>
               <a:pPr/>
-              <a:t>9.11.22.</a:t>
+              <a:t>10.11.22.</a:t>
             </a:fld>
             <a:endParaRPr lang="hr-HR" dirty="0"/>
           </a:p>
@@ -2129,7 +2129,7 @@
             <a:fld id="{DA765C48-E28F-491B-A6FC-AD0BFE4ABDB2}" type="datetimeFigureOut">
               <a:rPr lang="sr-Latn-CS" smtClean="0"/>
               <a:pPr/>
-              <a:t>9.11.22.</a:t>
+              <a:t>10.11.22.</a:t>
             </a:fld>
             <a:endParaRPr lang="hr-HR" dirty="0"/>
           </a:p>
@@ -2418,7 +2418,7 @@
             <a:fld id="{DA765C48-E28F-491B-A6FC-AD0BFE4ABDB2}" type="datetimeFigureOut">
               <a:rPr lang="sr-Latn-CS" smtClean="0"/>
               <a:pPr/>
-              <a:t>9.11.22.</a:t>
+              <a:t>10.11.22.</a:t>
             </a:fld>
             <a:endParaRPr lang="hr-HR" dirty="0"/>
           </a:p>
@@ -2837,7 +2837,7 @@
             <a:fld id="{DA765C48-E28F-491B-A6FC-AD0BFE4ABDB2}" type="datetimeFigureOut">
               <a:rPr lang="sr-Latn-CS" smtClean="0"/>
               <a:pPr/>
-              <a:t>9.11.22.</a:t>
+              <a:t>10.11.22.</a:t>
             </a:fld>
             <a:endParaRPr lang="hr-HR" dirty="0"/>
           </a:p>
@@ -2956,7 +2956,7 @@
             <a:fld id="{DA765C48-E28F-491B-A6FC-AD0BFE4ABDB2}" type="datetimeFigureOut">
               <a:rPr lang="sr-Latn-CS" smtClean="0"/>
               <a:pPr/>
-              <a:t>9.11.22.</a:t>
+              <a:t>10.11.22.</a:t>
             </a:fld>
             <a:endParaRPr lang="hr-HR" dirty="0"/>
           </a:p>
@@ -3048,7 +3048,7 @@
             <a:fld id="{DA765C48-E28F-491B-A6FC-AD0BFE4ABDB2}" type="datetimeFigureOut">
               <a:rPr lang="sr-Latn-CS" smtClean="0"/>
               <a:pPr/>
-              <a:t>9.11.22.</a:t>
+              <a:t>10.11.22.</a:t>
             </a:fld>
             <a:endParaRPr lang="hr-HR" dirty="0"/>
           </a:p>
@@ -3322,7 +3322,7 @@
             <a:fld id="{DA765C48-E28F-491B-A6FC-AD0BFE4ABDB2}" type="datetimeFigureOut">
               <a:rPr lang="sr-Latn-CS" smtClean="0"/>
               <a:pPr/>
-              <a:t>9.11.22.</a:t>
+              <a:t>10.11.22.</a:t>
             </a:fld>
             <a:endParaRPr lang="hr-HR" dirty="0"/>
           </a:p>
@@ -3576,7 +3576,7 @@
             <a:fld id="{DA765C48-E28F-491B-A6FC-AD0BFE4ABDB2}" type="datetimeFigureOut">
               <a:rPr lang="sr-Latn-CS" smtClean="0"/>
               <a:pPr/>
-              <a:t>9.11.22.</a:t>
+              <a:t>10.11.22.</a:t>
             </a:fld>
             <a:endParaRPr lang="hr-HR" dirty="0"/>
           </a:p>
@@ -3794,7 +3794,7 @@
             <a:fld id="{DA765C48-E28F-491B-A6FC-AD0BFE4ABDB2}" type="datetimeFigureOut">
               <a:rPr lang="sr-Latn-CS" smtClean="0"/>
               <a:pPr/>
-              <a:t>9.11.22.</a:t>
+              <a:t>10.11.22.</a:t>
             </a:fld>
             <a:endParaRPr lang="hr-HR" dirty="0"/>
           </a:p>
@@ -32594,7 +32594,7 @@
           <a:p>
             <a:r>
               <a:rPr lang="en-HR" dirty="0"/>
-              <a:t>output channels 2</a:t>
+              <a:t>output channels 1</a:t>
             </a:r>
           </a:p>
         </p:txBody>
@@ -32687,7 +32687,7 @@
           <a:p>
             <a:r>
               <a:rPr lang="en-US" dirty="0"/>
-              <a:t>Convolving 2D stride 2</a:t>
+              <a:t>Convolving 2D stride 1</a:t>
             </a:r>
           </a:p>
         </p:txBody>
@@ -37618,8 +37618,8 @@
           </a:p>
         </p:txBody>
       </p:sp>
-      <mc:AlternateContent xmlns:mc="http://schemas.openxmlformats.org/markup-compatibility/2006">
-        <mc:Choice xmlns:a14="http://schemas.microsoft.com/office/drawing/2010/main" Requires="a14">
+      <mc:AlternateContent xmlns:mc="http://schemas.openxmlformats.org/markup-compatibility/2006" xmlns:a14="http://schemas.microsoft.com/office/drawing/2010/main">
+        <mc:Choice Requires="a14">
           <p:sp>
             <p:nvSpPr>
               <p:cNvPr id="4" name="TextBox 3">
@@ -37648,6 +37648,7 @@
               </a:bodyPr>
               <a:lstStyle/>
               <a:p>
+                <a:pPr/>
                 <a14:m>
                   <m:oMathPara xmlns:m="http://schemas.openxmlformats.org/officeDocument/2006/math">
                     <m:oMathParaPr>
@@ -37791,7 +37792,7 @@
             </p:txBody>
           </p:sp>
         </mc:Choice>
-        <mc:Fallback>
+        <mc:Fallback xmlns="">
           <p:sp>
             <p:nvSpPr>
               <p:cNvPr id="4" name="TextBox 3">
